--- a/challenges/vuln_classes/vuln_classes.pptx
+++ b/challenges/vuln_classes/vuln_classes.pptx
@@ -5,7 +5,7 @@
     <p:sldMasterId id="2147483660" r:id="rId1"/>
   </p:sldMasterIdLst>
   <p:notesMasterIdLst>
-    <p:notesMasterId r:id="rId39"/>
+    <p:notesMasterId r:id="rId37"/>
   </p:notesMasterIdLst>
   <p:sldIdLst>
     <p:sldId id="396" r:id="rId2"/>
@@ -14,37 +14,35 @@
     <p:sldId id="398" r:id="rId5"/>
     <p:sldId id="428" r:id="rId6"/>
     <p:sldId id="403" r:id="rId7"/>
-    <p:sldId id="427" r:id="rId8"/>
-    <p:sldId id="436" r:id="rId9"/>
-    <p:sldId id="468" r:id="rId10"/>
-    <p:sldId id="469" r:id="rId11"/>
-    <p:sldId id="471" r:id="rId12"/>
-    <p:sldId id="472" r:id="rId13"/>
-    <p:sldId id="485" r:id="rId14"/>
-    <p:sldId id="473" r:id="rId15"/>
-    <p:sldId id="400" r:id="rId16"/>
-    <p:sldId id="399" r:id="rId17"/>
-    <p:sldId id="429" r:id="rId18"/>
-    <p:sldId id="451" r:id="rId19"/>
-    <p:sldId id="404" r:id="rId20"/>
-    <p:sldId id="483" r:id="rId21"/>
-    <p:sldId id="474" r:id="rId22"/>
-    <p:sldId id="475" r:id="rId23"/>
-    <p:sldId id="477" r:id="rId24"/>
-    <p:sldId id="478" r:id="rId25"/>
-    <p:sldId id="480" r:id="rId26"/>
-    <p:sldId id="479" r:id="rId27"/>
-    <p:sldId id="481" r:id="rId28"/>
-    <p:sldId id="482" r:id="rId29"/>
-    <p:sldId id="484" r:id="rId30"/>
-    <p:sldId id="452" r:id="rId31"/>
-    <p:sldId id="491" r:id="rId32"/>
-    <p:sldId id="502" r:id="rId33"/>
-    <p:sldId id="501" r:id="rId34"/>
-    <p:sldId id="453" r:id="rId35"/>
-    <p:sldId id="493" r:id="rId36"/>
-    <p:sldId id="435" r:id="rId37"/>
-    <p:sldId id="348" r:id="rId38"/>
+    <p:sldId id="436" r:id="rId8"/>
+    <p:sldId id="468" r:id="rId9"/>
+    <p:sldId id="469" r:id="rId10"/>
+    <p:sldId id="471" r:id="rId11"/>
+    <p:sldId id="472" r:id="rId12"/>
+    <p:sldId id="485" r:id="rId13"/>
+    <p:sldId id="473" r:id="rId14"/>
+    <p:sldId id="400" r:id="rId15"/>
+    <p:sldId id="399" r:id="rId16"/>
+    <p:sldId id="429" r:id="rId17"/>
+    <p:sldId id="451" r:id="rId18"/>
+    <p:sldId id="404" r:id="rId19"/>
+    <p:sldId id="474" r:id="rId20"/>
+    <p:sldId id="475" r:id="rId21"/>
+    <p:sldId id="477" r:id="rId22"/>
+    <p:sldId id="478" r:id="rId23"/>
+    <p:sldId id="480" r:id="rId24"/>
+    <p:sldId id="479" r:id="rId25"/>
+    <p:sldId id="481" r:id="rId26"/>
+    <p:sldId id="482" r:id="rId27"/>
+    <p:sldId id="483" r:id="rId28"/>
+    <p:sldId id="452" r:id="rId29"/>
+    <p:sldId id="491" r:id="rId30"/>
+    <p:sldId id="502" r:id="rId31"/>
+    <p:sldId id="501" r:id="rId32"/>
+    <p:sldId id="453" r:id="rId33"/>
+    <p:sldId id="493" r:id="rId34"/>
+    <p:sldId id="435" r:id="rId35"/>
+    <p:sldId id="348" r:id="rId36"/>
   </p:sldIdLst>
   <p:sldSz cx="9144000" cy="5143500" type="screen16x9"/>
   <p:notesSz cx="6858000" cy="9144000"/>
@@ -6010,7 +6008,7 @@
 <dgm:dataModel xmlns:dgm="http://schemas.openxmlformats.org/drawingml/2006/diagram" xmlns:a="http://schemas.openxmlformats.org/drawingml/2006/main">
   <dgm:ptLst>
     <dgm:pt modelId="{749DD776-ED7C-4B4F-8AA5-1FE24F44857D}" type="doc">
-      <dgm:prSet loTypeId="urn:microsoft.com/office/officeart/2005/8/layout/hList1" loCatId="list" qsTypeId="urn:microsoft.com/office/officeart/2005/8/quickstyle/simple2" qsCatId="simple" csTypeId="urn:microsoft.com/office/officeart/2005/8/colors/accent2_2" csCatId="accent2"/>
+      <dgm:prSet loTypeId="urn:microsoft.com/office/officeart/2005/8/layout/hList1" loCatId="list" qsTypeId="urn:microsoft.com/office/officeart/2005/8/quickstyle/simple2" qsCatId="simple" csTypeId="urn:microsoft.com/office/officeart/2005/8/colors/accent2_2" csCatId="accent2" phldr="1"/>
       <dgm:spPr/>
       <dgm:t>
         <a:bodyPr/>
@@ -6028,20 +6026,20 @@
         <a:lstStyle/>
         <a:p>
           <a:r>
-            <a:rPr lang="en-US"/>
+            <a:rPr lang="en-US" dirty="0"/>
             <a:t>Look at </a:t>
           </a:r>
           <a:r>
-            <a:rPr lang="en-US" b="1" i="1"/>
+            <a:rPr lang="en-US" b="1" i="1" dirty="0"/>
             <a:t>heap</a:t>
           </a:r>
           <a:r>
-            <a:rPr lang="en-US" i="1"/>
+            <a:rPr lang="en-US" i="1" dirty="0"/>
             <a:t> </a:t>
           </a:r>
           <a:r>
-            <a:rPr lang="en-US"/>
-            <a:t>specific functions:</a:t>
+            <a:rPr lang="en-US" dirty="0"/>
+            <a:t>specific functions</a:t>
           </a:r>
         </a:p>
       </dgm:t>
@@ -6153,8 +6151,8 @@
         <a:lstStyle/>
         <a:p>
           <a:r>
-            <a:rPr lang="en-US"/>
-            <a:t>Everything else is the same: </a:t>
+            <a:rPr lang="en-US" dirty="0"/>
+            <a:t>Everything else is the same </a:t>
           </a:r>
         </a:p>
       </dgm:t>
@@ -6189,7 +6187,7 @@
         <a:lstStyle/>
         <a:p>
           <a:r>
-            <a:rPr lang="en-US"/>
+            <a:rPr lang="en-US" dirty="0"/>
             <a:t>Bounds Checking…</a:t>
           </a:r>
         </a:p>
@@ -8268,20 +8266,20 @@
             <a:buNone/>
           </a:pPr>
           <a:r>
-            <a:rPr lang="en-US" sz="3400" kern="1200"/>
+            <a:rPr lang="en-US" sz="3400" kern="1200" dirty="0"/>
             <a:t>Look at </a:t>
           </a:r>
           <a:r>
-            <a:rPr lang="en-US" sz="3400" b="1" i="1" kern="1200"/>
+            <a:rPr lang="en-US" sz="3400" b="1" i="1" kern="1200" dirty="0"/>
             <a:t>heap</a:t>
           </a:r>
           <a:r>
-            <a:rPr lang="en-US" sz="3400" i="1" kern="1200"/>
+            <a:rPr lang="en-US" sz="3400" i="1" kern="1200" dirty="0"/>
             <a:t> </a:t>
           </a:r>
           <a:r>
-            <a:rPr lang="en-US" sz="3400" kern="1200"/>
-            <a:t>specific functions:</a:t>
+            <a:rPr lang="en-US" sz="3400" kern="1200" dirty="0"/>
+            <a:t>specific functions</a:t>
           </a:r>
         </a:p>
       </dsp:txBody>
@@ -8461,8 +8459,8 @@
             <a:buNone/>
           </a:pPr>
           <a:r>
-            <a:rPr lang="en-US" sz="3400" kern="1200"/>
-            <a:t>Everything else is the same: </a:t>
+            <a:rPr lang="en-US" sz="3400" kern="1200" dirty="0"/>
+            <a:t>Everything else is the same </a:t>
           </a:r>
         </a:p>
       </dsp:txBody>
@@ -8541,7 +8539,7 @@
             <a:buChar char="•"/>
           </a:pPr>
           <a:r>
-            <a:rPr lang="en-US" sz="3400" kern="1200"/>
+            <a:rPr lang="en-US" sz="3400" kern="1200" dirty="0"/>
             <a:t>Bounds Checking…</a:t>
           </a:r>
         </a:p>
@@ -16014,7 +16012,7 @@
           <a:p>
             <a:fld id="{2DA23E8D-1792-1541-9147-970A8DD8A355}" type="datetimeFigureOut">
               <a:rPr lang="en-US" smtClean="0"/>
-              <a:t>3/28/21</a:t>
+              <a:t>4/25/21</a:t>
             </a:fld>
             <a:endParaRPr lang="en-US" dirty="0"/>
           </a:p>
@@ -16484,7 +16482,7 @@
                 <a:latin typeface="Calibri"/>
               </a:rPr>
               <a:pPr/>
-              <a:t>3/28/21</a:t>
+              <a:t>4/25/21</a:t>
             </a:fld>
             <a:endParaRPr lang="en-US" dirty="0">
               <a:solidFill>
@@ -16737,7 +16735,7 @@
                 <a:latin typeface="Calibri"/>
               </a:rPr>
               <a:pPr/>
-              <a:t>3/28/21</a:t>
+              <a:t>4/25/21</a:t>
             </a:fld>
             <a:endParaRPr lang="en-US" dirty="0">
               <a:solidFill>
@@ -16952,7 +16950,7 @@
                 <a:latin typeface="Calibri"/>
               </a:rPr>
               <a:pPr/>
-              <a:t>3/28/21</a:t>
+              <a:t>4/25/21</a:t>
             </a:fld>
             <a:endParaRPr lang="en-US" dirty="0">
               <a:solidFill>
@@ -17236,7 +17234,7 @@
                 <a:latin typeface="Calibri"/>
               </a:rPr>
               <a:pPr/>
-              <a:t>3/28/21</a:t>
+              <a:t>4/25/21</a:t>
             </a:fld>
             <a:endParaRPr lang="en-US" dirty="0">
               <a:solidFill>
@@ -17578,7 +17576,7 @@
                 <a:latin typeface="Calibri"/>
               </a:rPr>
               <a:pPr/>
-              <a:t>3/28/21</a:t>
+              <a:t>4/25/21</a:t>
             </a:fld>
             <a:endParaRPr lang="en-US" dirty="0">
               <a:solidFill>
@@ -17906,7 +17904,7 @@
                 <a:latin typeface="Calibri"/>
               </a:rPr>
               <a:pPr/>
-              <a:t>3/28/21</a:t>
+              <a:t>4/25/21</a:t>
             </a:fld>
             <a:endParaRPr lang="en-US" dirty="0">
               <a:solidFill>
@@ -18395,7 +18393,7 @@
                 <a:latin typeface="Calibri"/>
               </a:rPr>
               <a:pPr/>
-              <a:t>3/28/21</a:t>
+              <a:t>4/25/21</a:t>
             </a:fld>
             <a:endParaRPr lang="en-US" dirty="0">
               <a:solidFill>
@@ -18578,7 +18576,7 @@
                 <a:latin typeface="Calibri"/>
               </a:rPr>
               <a:pPr/>
-              <a:t>3/28/21</a:t>
+              <a:t>4/25/21</a:t>
             </a:fld>
             <a:endParaRPr lang="en-US" dirty="0">
               <a:solidFill>
@@ -18824,7 +18822,7 @@
                 <a:latin typeface="Calibri"/>
               </a:rPr>
               <a:pPr/>
-              <a:t>3/28/21</a:t>
+              <a:t>4/25/21</a:t>
             </a:fld>
             <a:endParaRPr lang="en-US" dirty="0">
               <a:solidFill>
@@ -19166,7 +19164,7 @@
                 <a:latin typeface="Calibri"/>
               </a:rPr>
               <a:pPr/>
-              <a:t>3/28/21</a:t>
+              <a:t>4/25/21</a:t>
             </a:fld>
             <a:endParaRPr lang="en-US" dirty="0">
               <a:solidFill>
@@ -19458,7 +19456,7 @@
                 <a:latin typeface="Calibri"/>
               </a:rPr>
               <a:pPr/>
-              <a:t>3/28/21</a:t>
+              <a:t>4/25/21</a:t>
             </a:fld>
             <a:endParaRPr lang="en-US" dirty="0">
               <a:solidFill>
@@ -19708,7 +19706,7 @@
                 <a:latin typeface="Calibri"/>
               </a:rPr>
               <a:pPr defTabSz="914400"/>
-              <a:t>3/28/21</a:t>
+              <a:t>4/25/21</a:t>
             </a:fld>
             <a:endParaRPr lang="en-US" dirty="0">
               <a:solidFill>
@@ -20289,142 +20287,6 @@
           <a:p>
             <a:r>
               <a:rPr lang="en-US" dirty="0"/>
-              <a:t>UAF – Solution Diagram 3</a:t>
-            </a:r>
-          </a:p>
-        </p:txBody>
-      </p:sp>
-      <p:sp>
-        <p:nvSpPr>
-          <p:cNvPr id="3" name="Content Placeholder 2">
-            <a:extLst>
-              <a:ext uri="{FF2B5EF4-FFF2-40B4-BE49-F238E27FC236}">
-                <a16:creationId xmlns:a16="http://schemas.microsoft.com/office/drawing/2014/main" id="{7F271F73-3DDC-104B-BA9C-1D75C1191326}"/>
-              </a:ext>
-            </a:extLst>
-          </p:cNvPr>
-          <p:cNvSpPr>
-            <a:spLocks noGrp="1"/>
-          </p:cNvSpPr>
-          <p:nvPr>
-            <p:ph sz="half" idx="1"/>
-          </p:nvPr>
-        </p:nvSpPr>
-        <p:spPr>
-          <a:xfrm>
-            <a:off x="628650" y="1369219"/>
-            <a:ext cx="3886200" cy="3263504"/>
-          </a:xfrm>
-        </p:spPr>
-        <p:txBody>
-          <a:bodyPr>
-            <a:normAutofit/>
-          </a:bodyPr>
-          <a:lstStyle/>
-          <a:p>
-            <a:r>
-              <a:rPr lang="en-US" dirty="0"/>
-              <a:t>Play</a:t>
-            </a:r>
-          </a:p>
-          <a:p>
-            <a:r>
-              <a:rPr lang="en-US" dirty="0"/>
-              <a:t>Allocates a chunk of size 0x20</a:t>
-            </a:r>
-          </a:p>
-        </p:txBody>
-      </p:sp>
-      <p:pic>
-        <p:nvPicPr>
-          <p:cNvPr id="5" name="Picture 4" descr="Allocate the 'parray'">
-            <a:extLst>
-              <a:ext uri="{FF2B5EF4-FFF2-40B4-BE49-F238E27FC236}">
-                <a16:creationId xmlns:a16="http://schemas.microsoft.com/office/drawing/2014/main" id="{5B680900-BB7C-D940-AE9C-CE6E80094A68}"/>
-              </a:ext>
-            </a:extLst>
-          </p:cNvPr>
-          <p:cNvPicPr>
-            <a:picLocks noChangeAspect="1"/>
-          </p:cNvPicPr>
-          <p:nvPr/>
-        </p:nvPicPr>
-        <p:blipFill>
-          <a:blip r:embed="rId2"/>
-          <a:stretch>
-            <a:fillRect/>
-          </a:stretch>
-        </p:blipFill>
-        <p:spPr>
-          <a:xfrm>
-            <a:off x="4244613" y="1268018"/>
-            <a:ext cx="3579633" cy="3272807"/>
-          </a:xfrm>
-          <a:prstGeom prst="rect">
-            <a:avLst/>
-          </a:prstGeom>
-        </p:spPr>
-      </p:pic>
-    </p:spTree>
-    <p:extLst>
-      <p:ext uri="{BB962C8B-B14F-4D97-AF65-F5344CB8AC3E}">
-        <p14:creationId xmlns:p14="http://schemas.microsoft.com/office/powerpoint/2010/main" val="3216247816"/>
-      </p:ext>
-    </p:extLst>
-  </p:cSld>
-  <p:clrMapOvr>
-    <a:masterClrMapping/>
-  </p:clrMapOvr>
-</p:sld>
-</file>
-
-<file path=ppt/slides/slide11.xml><?xml version="1.0" encoding="utf-8"?>
-<p:sld xmlns:a="http://schemas.openxmlformats.org/drawingml/2006/main" xmlns:r="http://schemas.openxmlformats.org/officeDocument/2006/relationships" xmlns:p="http://schemas.openxmlformats.org/presentationml/2006/main">
-  <p:cSld>
-    <p:spTree>
-      <p:nvGrpSpPr>
-        <p:cNvPr id="1" name=""/>
-        <p:cNvGrpSpPr/>
-        <p:nvPr/>
-      </p:nvGrpSpPr>
-      <p:grpSpPr>
-        <a:xfrm>
-          <a:off x="0" y="0"/>
-          <a:ext cx="0" cy="0"/>
-          <a:chOff x="0" y="0"/>
-          <a:chExt cx="0" cy="0"/>
-        </a:xfrm>
-      </p:grpSpPr>
-      <p:sp>
-        <p:nvSpPr>
-          <p:cNvPr id="2" name="Title 1">
-            <a:extLst>
-              <a:ext uri="{FF2B5EF4-FFF2-40B4-BE49-F238E27FC236}">
-                <a16:creationId xmlns:a16="http://schemas.microsoft.com/office/drawing/2014/main" id="{08506B2A-1853-DC4C-8F91-DA7FFFFD7CD8}"/>
-              </a:ext>
-            </a:extLst>
-          </p:cNvPr>
-          <p:cNvSpPr>
-            <a:spLocks noGrp="1"/>
-          </p:cNvSpPr>
-          <p:nvPr>
-            <p:ph type="title"/>
-          </p:nvPr>
-        </p:nvSpPr>
-        <p:spPr>
-          <a:xfrm>
-            <a:off x="628650" y="273847"/>
-            <a:ext cx="7886700" cy="994172"/>
-          </a:xfrm>
-        </p:spPr>
-        <p:txBody>
-          <a:bodyPr anchor="ctr">
-            <a:normAutofit/>
-          </a:bodyPr>
-          <a:lstStyle/>
-          <a:p>
-            <a:r>
-              <a:rPr lang="en-US" dirty="0"/>
               <a:t>UAF – Solution Diagram 4</a:t>
             </a:r>
           </a:p>
@@ -20549,7 +20411,7 @@
 </p:sld>
 </file>
 
-<file path=ppt/slides/slide12.xml><?xml version="1.0" encoding="utf-8"?>
+<file path=ppt/slides/slide11.xml><?xml version="1.0" encoding="utf-8"?>
 <p:sld xmlns:a="http://schemas.openxmlformats.org/drawingml/2006/main" xmlns:r="http://schemas.openxmlformats.org/officeDocument/2006/relationships" xmlns:p="http://schemas.openxmlformats.org/presentationml/2006/main">
   <p:cSld>
     <p:spTree>
@@ -20709,7 +20571,7 @@
 </p:sld>
 </file>
 
-<file path=ppt/slides/slide13.xml><?xml version="1.0" encoding="utf-8"?>
+<file path=ppt/slides/slide12.xml><?xml version="1.0" encoding="utf-8"?>
 <p:sld xmlns:a="http://schemas.openxmlformats.org/drawingml/2006/main" xmlns:r="http://schemas.openxmlformats.org/officeDocument/2006/relationships" xmlns:p="http://schemas.openxmlformats.org/presentationml/2006/main">
   <p:cSld>
     <p:spTree>
@@ -20862,7 +20724,7 @@
 </p:sld>
 </file>
 
-<file path=ppt/slides/slide14.xml><?xml version="1.0" encoding="utf-8"?>
+<file path=ppt/slides/slide13.xml><?xml version="1.0" encoding="utf-8"?>
 <p:sld xmlns:a="http://schemas.openxmlformats.org/drawingml/2006/main" xmlns:r="http://schemas.openxmlformats.org/officeDocument/2006/relationships" xmlns:p="http://schemas.openxmlformats.org/presentationml/2006/main">
   <p:cSld>
     <p:spTree>
@@ -20958,7 +20820,7 @@
 </p:sld>
 </file>
 
-<file path=ppt/slides/slide15.xml><?xml version="1.0" encoding="utf-8"?>
+<file path=ppt/slides/slide14.xml><?xml version="1.0" encoding="utf-8"?>
 <p:sld xmlns:a="http://schemas.openxmlformats.org/drawingml/2006/main" xmlns:r="http://schemas.openxmlformats.org/officeDocument/2006/relationships" xmlns:p="http://schemas.openxmlformats.org/presentationml/2006/main">
   <p:cSld>
     <p:spTree>
@@ -21089,7 +20951,7 @@
 </p:sld>
 </file>
 
-<file path=ppt/slides/slide16.xml><?xml version="1.0" encoding="utf-8"?>
+<file path=ppt/slides/slide15.xml><?xml version="1.0" encoding="utf-8"?>
 <p:sld xmlns:a="http://schemas.openxmlformats.org/drawingml/2006/main" xmlns:r="http://schemas.openxmlformats.org/officeDocument/2006/relationships" xmlns:p="http://schemas.openxmlformats.org/presentationml/2006/main">
   <p:cSld>
     <p:spTree>
@@ -21330,7 +21192,7 @@
 </p:sld>
 </file>
 
-<file path=ppt/slides/slide17.xml><?xml version="1.0" encoding="utf-8"?>
+<file path=ppt/slides/slide16.xml><?xml version="1.0" encoding="utf-8"?>
 <p:sld xmlns:a="http://schemas.openxmlformats.org/drawingml/2006/main" xmlns:r="http://schemas.openxmlformats.org/officeDocument/2006/relationships" xmlns:p="http://schemas.openxmlformats.org/presentationml/2006/main">
   <p:cSld>
     <p:spTree>
@@ -21478,7 +21340,7 @@
 </p:sld>
 </file>
 
-<file path=ppt/slides/slide18.xml><?xml version="1.0" encoding="utf-8"?>
+<file path=ppt/slides/slide17.xml><?xml version="1.0" encoding="utf-8"?>
 <p:sld xmlns:a="http://schemas.openxmlformats.org/drawingml/2006/main" xmlns:r="http://schemas.openxmlformats.org/officeDocument/2006/relationships" xmlns:p="http://schemas.openxmlformats.org/presentationml/2006/main">
   <p:cSld>
     <p:spTree>
@@ -21621,7 +21483,7 @@
 </p:sld>
 </file>
 
-<file path=ppt/slides/slide19.xml><?xml version="1.0" encoding="utf-8"?>
+<file path=ppt/slides/slide18.xml><?xml version="1.0" encoding="utf-8"?>
 <p:sld xmlns:a="http://schemas.openxmlformats.org/drawingml/2006/main" xmlns:r="http://schemas.openxmlformats.org/officeDocument/2006/relationships" xmlns:p="http://schemas.openxmlformats.org/presentationml/2006/main">
   <p:cSld>
     <p:spTree>
@@ -21685,7 +21547,7 @@
         <p:spPr/>
         <p:txBody>
           <a:bodyPr>
-            <a:normAutofit fontScale="92500" lnSpcReduction="20000"/>
+            <a:normAutofit fontScale="85000" lnSpcReduction="20000"/>
           </a:bodyPr>
           <a:lstStyle/>
           <a:p>
@@ -21771,7 +21633,15 @@
             </a:r>
             <a:r>
               <a:rPr lang="en-US" dirty="0"/>
-              <a:t> high score to be set</a:t>
+              <a:t> high score to be set (don’t need this for </a:t>
+            </a:r>
+            <a:r>
+              <a:rPr lang="en-US" dirty="0" err="1"/>
+              <a:t>pwn</a:t>
+            </a:r>
+            <a:r>
+              <a:rPr lang="en-US" dirty="0"/>
+              <a:t>!) </a:t>
             </a:r>
           </a:p>
           <a:p>
@@ -21805,6 +21675,12 @@
             <a:r>
               <a:rPr lang="en-US" dirty="0"/>
               <a:t> struct</a:t>
+            </a:r>
+          </a:p>
+          <a:p>
+            <a:r>
+              <a:rPr lang="en-US" dirty="0"/>
+              <a:t>Hint: Similar to UAF challenge</a:t>
             </a:r>
           </a:p>
         </p:txBody>
@@ -21813,6 +21689,137 @@
     <p:extLst>
       <p:ext uri="{BB962C8B-B14F-4D97-AF65-F5344CB8AC3E}">
         <p14:creationId xmlns:p14="http://schemas.microsoft.com/office/powerpoint/2010/main" val="2951838982"/>
+      </p:ext>
+    </p:extLst>
+  </p:cSld>
+  <p:clrMapOvr>
+    <a:masterClrMapping/>
+  </p:clrMapOvr>
+</p:sld>
+</file>
+
+<file path=ppt/slides/slide19.xml><?xml version="1.0" encoding="utf-8"?>
+<p:sld xmlns:a="http://schemas.openxmlformats.org/drawingml/2006/main" xmlns:r="http://schemas.openxmlformats.org/officeDocument/2006/relationships" xmlns:p="http://schemas.openxmlformats.org/presentationml/2006/main">
+  <p:cSld>
+    <p:spTree>
+      <p:nvGrpSpPr>
+        <p:cNvPr id="1" name=""/>
+        <p:cNvGrpSpPr/>
+        <p:nvPr/>
+      </p:nvGrpSpPr>
+      <p:grpSpPr>
+        <a:xfrm>
+          <a:off x="0" y="0"/>
+          <a:ext cx="0" cy="0"/>
+          <a:chOff x="0" y="0"/>
+          <a:chExt cx="0" cy="0"/>
+        </a:xfrm>
+      </p:grpSpPr>
+      <p:sp>
+        <p:nvSpPr>
+          <p:cNvPr id="2" name="Title 1">
+            <a:extLst>
+              <a:ext uri="{FF2B5EF4-FFF2-40B4-BE49-F238E27FC236}">
+                <a16:creationId xmlns:a16="http://schemas.microsoft.com/office/drawing/2014/main" id="{08506B2A-1853-DC4C-8F91-DA7FFFFD7CD8}"/>
+              </a:ext>
+            </a:extLst>
+          </p:cNvPr>
+          <p:cNvSpPr>
+            <a:spLocks noGrp="1"/>
+          </p:cNvSpPr>
+          <p:nvPr>
+            <p:ph type="title"/>
+          </p:nvPr>
+        </p:nvSpPr>
+        <p:spPr>
+          <a:xfrm>
+            <a:off x="628650" y="273847"/>
+            <a:ext cx="8392802" cy="994172"/>
+          </a:xfrm>
+        </p:spPr>
+        <p:txBody>
+          <a:bodyPr anchor="ctr">
+            <a:normAutofit fontScale="90000"/>
+          </a:bodyPr>
+          <a:lstStyle/>
+          <a:p>
+            <a:r>
+              <a:rPr lang="en-US" dirty="0"/>
+              <a:t>Double Free – Solution Diagram 1</a:t>
+            </a:r>
+          </a:p>
+        </p:txBody>
+      </p:sp>
+      <p:sp>
+        <p:nvSpPr>
+          <p:cNvPr id="3" name="Content Placeholder 2">
+            <a:extLst>
+              <a:ext uri="{FF2B5EF4-FFF2-40B4-BE49-F238E27FC236}">
+                <a16:creationId xmlns:a16="http://schemas.microsoft.com/office/drawing/2014/main" id="{7F271F73-3DDC-104B-BA9C-1D75C1191326}"/>
+              </a:ext>
+            </a:extLst>
+          </p:cNvPr>
+          <p:cNvSpPr>
+            <a:spLocks noGrp="1"/>
+          </p:cNvSpPr>
+          <p:nvPr>
+            <p:ph sz="half" idx="1"/>
+          </p:nvPr>
+        </p:nvSpPr>
+        <p:spPr>
+          <a:xfrm>
+            <a:off x="628650" y="1369219"/>
+            <a:ext cx="3886200" cy="3263504"/>
+          </a:xfrm>
+        </p:spPr>
+        <p:txBody>
+          <a:bodyPr>
+            <a:normAutofit/>
+          </a:bodyPr>
+          <a:lstStyle/>
+          <a:p>
+            <a:r>
+              <a:rPr lang="en-US" dirty="0"/>
+              <a:t>Allocate a player</a:t>
+            </a:r>
+          </a:p>
+        </p:txBody>
+      </p:sp>
+      <p:pic>
+        <p:nvPicPr>
+          <p:cNvPr id="5" name="Picture 4" descr="Diagram&#10;&#10;Description automatically generated">
+            <a:extLst>
+              <a:ext uri="{FF2B5EF4-FFF2-40B4-BE49-F238E27FC236}">
+                <a16:creationId xmlns:a16="http://schemas.microsoft.com/office/drawing/2014/main" id="{74FCBF0C-D21E-6A4B-BAFE-2A17B6B17FE6}"/>
+              </a:ext>
+            </a:extLst>
+          </p:cNvPr>
+          <p:cNvPicPr>
+            <a:picLocks noChangeAspect="1"/>
+          </p:cNvPicPr>
+          <p:nvPr/>
+        </p:nvPicPr>
+        <p:blipFill>
+          <a:blip r:embed="rId2"/>
+          <a:stretch>
+            <a:fillRect/>
+          </a:stretch>
+        </p:blipFill>
+        <p:spPr>
+          <a:xfrm>
+            <a:off x="4629150" y="1438395"/>
+            <a:ext cx="3886200" cy="3125152"/>
+          </a:xfrm>
+          <a:prstGeom prst="rect">
+            <a:avLst/>
+          </a:prstGeom>
+          <a:noFill/>
+        </p:spPr>
+      </p:pic>
+    </p:spTree>
+    <p:extLst>
+      <p:ext uri="{BB962C8B-B14F-4D97-AF65-F5344CB8AC3E}">
+        <p14:creationId xmlns:p14="http://schemas.microsoft.com/office/powerpoint/2010/main" val="2053745661"/>
       </p:ext>
     </p:extLst>
   </p:cSld>
@@ -22008,321 +22015,6 @@
           <p:cNvPr id="2" name="Title 1">
             <a:extLst>
               <a:ext uri="{FF2B5EF4-FFF2-40B4-BE49-F238E27FC236}">
-                <a16:creationId xmlns:a16="http://schemas.microsoft.com/office/drawing/2014/main" id="{1428FE6B-A844-4B4E-9A09-DCC5558672AA}"/>
-              </a:ext>
-            </a:extLst>
-          </p:cNvPr>
-          <p:cNvSpPr>
-            <a:spLocks noGrp="1"/>
-          </p:cNvSpPr>
-          <p:nvPr>
-            <p:ph type="title"/>
-          </p:nvPr>
-        </p:nvSpPr>
-        <p:spPr/>
-        <p:txBody>
-          <a:bodyPr/>
-          <a:lstStyle/>
-          <a:p>
-            <a:r>
-              <a:rPr lang="en-US" dirty="0"/>
-              <a:t>Double Free - Solution</a:t>
-            </a:r>
-          </a:p>
-        </p:txBody>
-      </p:sp>
-      <p:sp>
-        <p:nvSpPr>
-          <p:cNvPr id="4" name="Content Placeholder 2">
-            <a:extLst>
-              <a:ext uri="{FF2B5EF4-FFF2-40B4-BE49-F238E27FC236}">
-                <a16:creationId xmlns:a16="http://schemas.microsoft.com/office/drawing/2014/main" id="{3B238808-171A-7646-A4D3-46EDF4528CAE}"/>
-              </a:ext>
-            </a:extLst>
-          </p:cNvPr>
-          <p:cNvSpPr>
-            <a:spLocks noGrp="1"/>
-          </p:cNvSpPr>
-          <p:nvPr>
-            <p:ph idx="1"/>
-          </p:nvPr>
-        </p:nvSpPr>
-        <p:spPr>
-          <a:xfrm>
-            <a:off x="628650" y="1236541"/>
-            <a:ext cx="8355094" cy="3263504"/>
-          </a:xfrm>
-        </p:spPr>
-        <p:txBody>
-          <a:bodyPr>
-            <a:normAutofit/>
-          </a:bodyPr>
-          <a:lstStyle/>
-          <a:p>
-            <a:r>
-              <a:rPr lang="en-US" dirty="0"/>
-              <a:t>Create User </a:t>
-            </a:r>
-            <a:r>
-              <a:rPr lang="en-US" dirty="0">
-                <a:sym typeface="Wingdings" pitchFamily="2" charset="2"/>
-              </a:rPr>
-              <a:t> Allocates a malloc chunk</a:t>
-            </a:r>
-            <a:endParaRPr lang="en-US" dirty="0"/>
-          </a:p>
-          <a:p>
-            <a:r>
-              <a:rPr lang="en-US" dirty="0"/>
-              <a:t>Reset User </a:t>
-            </a:r>
-            <a:r>
-              <a:rPr lang="en-US" dirty="0">
-                <a:sym typeface="Wingdings" pitchFamily="2" charset="2"/>
-              </a:rPr>
-              <a:t> Frees a malloc chunk</a:t>
-            </a:r>
-          </a:p>
-          <a:p>
-            <a:r>
-              <a:rPr lang="en-US" dirty="0"/>
-              <a:t>Reset User </a:t>
-            </a:r>
-            <a:r>
-              <a:rPr lang="en-US" dirty="0">
-                <a:sym typeface="Wingdings" pitchFamily="2" charset="2"/>
-              </a:rPr>
-              <a:t> Frees a malloc chunk</a:t>
-            </a:r>
-          </a:p>
-          <a:p>
-            <a:r>
-              <a:rPr lang="en-US" dirty="0"/>
-              <a:t>Create User </a:t>
-            </a:r>
-            <a:r>
-              <a:rPr lang="en-US" dirty="0">
-                <a:sym typeface="Wingdings" pitchFamily="2" charset="2"/>
-              </a:rPr>
-              <a:t> Allocates a malloc chunk (1 still in bin)</a:t>
-            </a:r>
-            <a:endParaRPr lang="en-US" dirty="0"/>
-          </a:p>
-          <a:p>
-            <a:r>
-              <a:rPr lang="en-US" dirty="0"/>
-              <a:t>Play </a:t>
-            </a:r>
-            <a:r>
-              <a:rPr lang="en-US" dirty="0">
-                <a:sym typeface="Wingdings" pitchFamily="2" charset="2"/>
-              </a:rPr>
-              <a:t> Allocates a malloc chunk (uses same chunk as previous allocation) </a:t>
-            </a:r>
-          </a:p>
-          <a:p>
-            <a:r>
-              <a:rPr lang="en-US" dirty="0"/>
-              <a:t>Win </a:t>
-            </a:r>
-            <a:r>
-              <a:rPr lang="en-US" dirty="0">
-                <a:sym typeface="Wingdings" pitchFamily="2" charset="2"/>
-              </a:rPr>
-              <a:t> Score is at </a:t>
-            </a:r>
-            <a:r>
-              <a:rPr lang="en-US" b="1" i="1" dirty="0">
-                <a:sym typeface="Wingdings" pitchFamily="2" charset="2"/>
-              </a:rPr>
-              <a:t>103</a:t>
-            </a:r>
-            <a:r>
-              <a:rPr lang="en-US" b="1" dirty="0">
-                <a:sym typeface="Wingdings" pitchFamily="2" charset="2"/>
-              </a:rPr>
-              <a:t> </a:t>
-            </a:r>
-            <a:r>
-              <a:rPr lang="en-US" dirty="0">
-                <a:sym typeface="Wingdings" pitchFamily="2" charset="2"/>
-              </a:rPr>
-              <a:t>from the ‘play’ calculations</a:t>
-            </a:r>
-            <a:endParaRPr lang="en-US" dirty="0"/>
-          </a:p>
-          <a:p>
-            <a:pPr lvl="1"/>
-            <a:endParaRPr lang="en-US" dirty="0"/>
-          </a:p>
-        </p:txBody>
-      </p:sp>
-    </p:spTree>
-    <p:extLst>
-      <p:ext uri="{BB962C8B-B14F-4D97-AF65-F5344CB8AC3E}">
-        <p14:creationId xmlns:p14="http://schemas.microsoft.com/office/powerpoint/2010/main" val="346481195"/>
-      </p:ext>
-    </p:extLst>
-  </p:cSld>
-  <p:clrMapOvr>
-    <a:masterClrMapping/>
-  </p:clrMapOvr>
-</p:sld>
-</file>
-
-<file path=ppt/slides/slide21.xml><?xml version="1.0" encoding="utf-8"?>
-<p:sld xmlns:a="http://schemas.openxmlformats.org/drawingml/2006/main" xmlns:r="http://schemas.openxmlformats.org/officeDocument/2006/relationships" xmlns:p="http://schemas.openxmlformats.org/presentationml/2006/main">
-  <p:cSld>
-    <p:spTree>
-      <p:nvGrpSpPr>
-        <p:cNvPr id="1" name=""/>
-        <p:cNvGrpSpPr/>
-        <p:nvPr/>
-      </p:nvGrpSpPr>
-      <p:grpSpPr>
-        <a:xfrm>
-          <a:off x="0" y="0"/>
-          <a:ext cx="0" cy="0"/>
-          <a:chOff x="0" y="0"/>
-          <a:chExt cx="0" cy="0"/>
-        </a:xfrm>
-      </p:grpSpPr>
-      <p:sp>
-        <p:nvSpPr>
-          <p:cNvPr id="2" name="Title 1">
-            <a:extLst>
-              <a:ext uri="{FF2B5EF4-FFF2-40B4-BE49-F238E27FC236}">
-                <a16:creationId xmlns:a16="http://schemas.microsoft.com/office/drawing/2014/main" id="{08506B2A-1853-DC4C-8F91-DA7FFFFD7CD8}"/>
-              </a:ext>
-            </a:extLst>
-          </p:cNvPr>
-          <p:cNvSpPr>
-            <a:spLocks noGrp="1"/>
-          </p:cNvSpPr>
-          <p:nvPr>
-            <p:ph type="title"/>
-          </p:nvPr>
-        </p:nvSpPr>
-        <p:spPr>
-          <a:xfrm>
-            <a:off x="628650" y="273847"/>
-            <a:ext cx="8392802" cy="994172"/>
-          </a:xfrm>
-        </p:spPr>
-        <p:txBody>
-          <a:bodyPr anchor="ctr">
-            <a:normAutofit fontScale="90000"/>
-          </a:bodyPr>
-          <a:lstStyle/>
-          <a:p>
-            <a:r>
-              <a:rPr lang="en-US" dirty="0"/>
-              <a:t>Double Free – Solution Diagram 1</a:t>
-            </a:r>
-          </a:p>
-        </p:txBody>
-      </p:sp>
-      <p:sp>
-        <p:nvSpPr>
-          <p:cNvPr id="3" name="Content Placeholder 2">
-            <a:extLst>
-              <a:ext uri="{FF2B5EF4-FFF2-40B4-BE49-F238E27FC236}">
-                <a16:creationId xmlns:a16="http://schemas.microsoft.com/office/drawing/2014/main" id="{7F271F73-3DDC-104B-BA9C-1D75C1191326}"/>
-              </a:ext>
-            </a:extLst>
-          </p:cNvPr>
-          <p:cNvSpPr>
-            <a:spLocks noGrp="1"/>
-          </p:cNvSpPr>
-          <p:nvPr>
-            <p:ph sz="half" idx="1"/>
-          </p:nvPr>
-        </p:nvSpPr>
-        <p:spPr>
-          <a:xfrm>
-            <a:off x="628650" y="1369219"/>
-            <a:ext cx="3886200" cy="3263504"/>
-          </a:xfrm>
-        </p:spPr>
-        <p:txBody>
-          <a:bodyPr>
-            <a:normAutofit/>
-          </a:bodyPr>
-          <a:lstStyle/>
-          <a:p>
-            <a:r>
-              <a:rPr lang="en-US" dirty="0"/>
-              <a:t>Allocate a player</a:t>
-            </a:r>
-          </a:p>
-        </p:txBody>
-      </p:sp>
-      <p:pic>
-        <p:nvPicPr>
-          <p:cNvPr id="5" name="Picture 4" descr="Diagram&#10;&#10;Description automatically generated">
-            <a:extLst>
-              <a:ext uri="{FF2B5EF4-FFF2-40B4-BE49-F238E27FC236}">
-                <a16:creationId xmlns:a16="http://schemas.microsoft.com/office/drawing/2014/main" id="{74FCBF0C-D21E-6A4B-BAFE-2A17B6B17FE6}"/>
-              </a:ext>
-            </a:extLst>
-          </p:cNvPr>
-          <p:cNvPicPr>
-            <a:picLocks noChangeAspect="1"/>
-          </p:cNvPicPr>
-          <p:nvPr/>
-        </p:nvPicPr>
-        <p:blipFill>
-          <a:blip r:embed="rId2"/>
-          <a:stretch>
-            <a:fillRect/>
-          </a:stretch>
-        </p:blipFill>
-        <p:spPr>
-          <a:xfrm>
-            <a:off x="4629150" y="1438395"/>
-            <a:ext cx="3886200" cy="3125152"/>
-          </a:xfrm>
-          <a:prstGeom prst="rect">
-            <a:avLst/>
-          </a:prstGeom>
-          <a:noFill/>
-        </p:spPr>
-      </p:pic>
-    </p:spTree>
-    <p:extLst>
-      <p:ext uri="{BB962C8B-B14F-4D97-AF65-F5344CB8AC3E}">
-        <p14:creationId xmlns:p14="http://schemas.microsoft.com/office/powerpoint/2010/main" val="2053745661"/>
-      </p:ext>
-    </p:extLst>
-  </p:cSld>
-  <p:clrMapOvr>
-    <a:masterClrMapping/>
-  </p:clrMapOvr>
-</p:sld>
-</file>
-
-<file path=ppt/slides/slide22.xml><?xml version="1.0" encoding="utf-8"?>
-<p:sld xmlns:a="http://schemas.openxmlformats.org/drawingml/2006/main" xmlns:r="http://schemas.openxmlformats.org/officeDocument/2006/relationships" xmlns:p="http://schemas.openxmlformats.org/presentationml/2006/main">
-  <p:cSld>
-    <p:spTree>
-      <p:nvGrpSpPr>
-        <p:cNvPr id="1" name=""/>
-        <p:cNvGrpSpPr/>
-        <p:nvPr/>
-      </p:nvGrpSpPr>
-      <p:grpSpPr>
-        <a:xfrm>
-          <a:off x="0" y="0"/>
-          <a:ext cx="0" cy="0"/>
-          <a:chOff x="0" y="0"/>
-          <a:chExt cx="0" cy="0"/>
-        </a:xfrm>
-      </p:grpSpPr>
-      <p:sp>
-        <p:nvSpPr>
-          <p:cNvPr id="2" name="Title 1">
-            <a:extLst>
-              <a:ext uri="{FF2B5EF4-FFF2-40B4-BE49-F238E27FC236}">
                 <a16:creationId xmlns:a16="http://schemas.microsoft.com/office/drawing/2014/main" id="{08506B2A-1853-DC4C-8F91-DA7FFFFD7CD8}"/>
               </a:ext>
             </a:extLst>
@@ -22445,7 +22137,7 @@
 </p:sld>
 </file>
 
-<file path=ppt/slides/slide23.xml><?xml version="1.0" encoding="utf-8"?>
+<file path=ppt/slides/slide21.xml><?xml version="1.0" encoding="utf-8"?>
 <p:sld xmlns:a="http://schemas.openxmlformats.org/drawingml/2006/main" xmlns:r="http://schemas.openxmlformats.org/officeDocument/2006/relationships" xmlns:p="http://schemas.openxmlformats.org/presentationml/2006/main">
   <p:cSld>
     <p:spTree>
@@ -22589,7 +22281,7 @@
 </p:sld>
 </file>
 
-<file path=ppt/slides/slide24.xml><?xml version="1.0" encoding="utf-8"?>
+<file path=ppt/slides/slide22.xml><?xml version="1.0" encoding="utf-8"?>
 <p:sld xmlns:a="http://schemas.openxmlformats.org/drawingml/2006/main" xmlns:r="http://schemas.openxmlformats.org/officeDocument/2006/relationships" xmlns:p="http://schemas.openxmlformats.org/presentationml/2006/main">
   <p:cSld>
     <p:spTree>
@@ -22745,7 +22437,7 @@
 </p:sld>
 </file>
 
-<file path=ppt/slides/slide25.xml><?xml version="1.0" encoding="utf-8"?>
+<file path=ppt/slides/slide23.xml><?xml version="1.0" encoding="utf-8"?>
 <p:sld xmlns:a="http://schemas.openxmlformats.org/drawingml/2006/main" xmlns:r="http://schemas.openxmlformats.org/officeDocument/2006/relationships" xmlns:p="http://schemas.openxmlformats.org/presentationml/2006/main">
   <p:cSld>
     <p:spTree>
@@ -22869,6 +22561,134 @@
           <a:noFill/>
         </p:spPr>
       </p:pic>
+      <p:pic>
+        <p:nvPicPr>
+          <p:cNvPr id="6" name="Picture 5" descr="Double Free on the player struct">
+            <a:extLst>
+              <a:ext uri="{FF2B5EF4-FFF2-40B4-BE49-F238E27FC236}">
+                <a16:creationId xmlns:a16="http://schemas.microsoft.com/office/drawing/2014/main" id="{72BC5C9B-AF05-4145-A9B1-462F2C8F01DC}"/>
+              </a:ext>
+            </a:extLst>
+          </p:cNvPr>
+          <p:cNvPicPr>
+            <a:picLocks noChangeAspect="1"/>
+          </p:cNvPicPr>
+          <p:nvPr/>
+        </p:nvPicPr>
+        <p:blipFill>
+          <a:blip r:embed="rId3"/>
+          <a:stretch>
+            <a:fillRect/>
+          </a:stretch>
+        </p:blipFill>
+        <p:spPr>
+          <a:xfrm>
+            <a:off x="758488" y="2892361"/>
+            <a:ext cx="3140405" cy="1977292"/>
+          </a:xfrm>
+          <a:prstGeom prst="rect">
+            <a:avLst/>
+          </a:prstGeom>
+        </p:spPr>
+      </p:pic>
+      <p:sp>
+        <p:nvSpPr>
+          <p:cNvPr id="7" name="Rectangle 6">
+            <a:extLst>
+              <a:ext uri="{FF2B5EF4-FFF2-40B4-BE49-F238E27FC236}">
+                <a16:creationId xmlns:a16="http://schemas.microsoft.com/office/drawing/2014/main" id="{4817ABD6-E4AA-6646-B26E-38650389958F}"/>
+              </a:ext>
+            </a:extLst>
+          </p:cNvPr>
+          <p:cNvSpPr/>
+          <p:nvPr/>
+        </p:nvSpPr>
+        <p:spPr>
+          <a:xfrm>
+            <a:off x="1937657" y="4044554"/>
+            <a:ext cx="783773" cy="830313"/>
+          </a:xfrm>
+          <a:prstGeom prst="rect">
+            <a:avLst/>
+          </a:prstGeom>
+          <a:solidFill>
+            <a:schemeClr val="bg1"/>
+          </a:solidFill>
+          <a:ln>
+            <a:solidFill>
+              <a:schemeClr val="bg1"/>
+            </a:solidFill>
+          </a:ln>
+        </p:spPr>
+        <p:style>
+          <a:lnRef idx="2">
+            <a:schemeClr val="accent1">
+              <a:shade val="50000"/>
+            </a:schemeClr>
+          </a:lnRef>
+          <a:fillRef idx="1">
+            <a:schemeClr val="accent1"/>
+          </a:fillRef>
+          <a:effectRef idx="0">
+            <a:schemeClr val="accent1"/>
+          </a:effectRef>
+          <a:fontRef idx="minor">
+            <a:schemeClr val="lt1"/>
+          </a:fontRef>
+        </p:style>
+        <p:txBody>
+          <a:bodyPr rtlCol="0" anchor="ctr"/>
+          <a:lstStyle/>
+          <a:p>
+            <a:pPr algn="ctr"/>
+            <a:endParaRPr lang="en-US"/>
+          </a:p>
+        </p:txBody>
+      </p:sp>
+      <p:cxnSp>
+        <p:nvCxnSpPr>
+          <p:cNvPr id="10" name="Straight Arrow Connector 9">
+            <a:extLst>
+              <a:ext uri="{FF2B5EF4-FFF2-40B4-BE49-F238E27FC236}">
+                <a16:creationId xmlns:a16="http://schemas.microsoft.com/office/drawing/2014/main" id="{95252B5A-1C11-B84E-A262-B227A2CE8E7B}"/>
+              </a:ext>
+            </a:extLst>
+          </p:cNvPr>
+          <p:cNvCxnSpPr>
+            <a:cxnSpLocks/>
+          </p:cNvCxnSpPr>
+          <p:nvPr/>
+        </p:nvCxnSpPr>
+        <p:spPr>
+          <a:xfrm flipV="1">
+            <a:off x="3884721" y="2351314"/>
+            <a:ext cx="2537851" cy="1723932"/>
+          </a:xfrm>
+          <a:prstGeom prst="straightConnector1">
+            <a:avLst/>
+          </a:prstGeom>
+          <a:ln w="101600">
+            <a:solidFill>
+              <a:srgbClr val="FF0000"/>
+            </a:solidFill>
+            <a:tailEnd type="triangle"/>
+          </a:ln>
+        </p:spPr>
+        <p:style>
+          <a:lnRef idx="1">
+            <a:schemeClr val="accent1"/>
+          </a:lnRef>
+          <a:fillRef idx="0">
+            <a:schemeClr val="accent1"/>
+          </a:fillRef>
+          <a:effectRef idx="0">
+            <a:schemeClr val="accent1"/>
+          </a:effectRef>
+          <a:fontRef idx="minor">
+            <a:schemeClr val="tx1"/>
+          </a:fontRef>
+        </p:style>
+      </p:cxnSp>
     </p:spTree>
     <p:extLst>
       <p:ext uri="{BB962C8B-B14F-4D97-AF65-F5344CB8AC3E}">
@@ -22882,7 +22702,7 @@
 </p:sld>
 </file>
 
-<file path=ppt/slides/slide26.xml><?xml version="1.0" encoding="utf-8"?>
+<file path=ppt/slides/slide24.xml><?xml version="1.0" encoding="utf-8"?>
 <p:sld xmlns:a="http://schemas.openxmlformats.org/drawingml/2006/main" xmlns:r="http://schemas.openxmlformats.org/officeDocument/2006/relationships" xmlns:p="http://schemas.openxmlformats.org/presentationml/2006/main">
   <p:cSld>
     <p:spTree>
@@ -23024,7 +22844,7 @@
 </p:sld>
 </file>
 
-<file path=ppt/slides/slide27.xml><?xml version="1.0" encoding="utf-8"?>
+<file path=ppt/slides/slide25.xml><?xml version="1.0" encoding="utf-8"?>
 <p:sld xmlns:a="http://schemas.openxmlformats.org/drawingml/2006/main" xmlns:r="http://schemas.openxmlformats.org/officeDocument/2006/relationships" xmlns:p="http://schemas.openxmlformats.org/presentationml/2006/main">
   <p:cSld>
     <p:spTree>
@@ -23165,7 +22985,7 @@
 </p:sld>
 </file>
 
-<file path=ppt/slides/slide28.xml><?xml version="1.0" encoding="utf-8"?>
+<file path=ppt/slides/slide26.xml><?xml version="1.0" encoding="utf-8"?>
 <p:sld xmlns:a="http://schemas.openxmlformats.org/drawingml/2006/main" xmlns:r="http://schemas.openxmlformats.org/officeDocument/2006/relationships" xmlns:p="http://schemas.openxmlformats.org/presentationml/2006/main">
   <p:cSld>
     <p:spTree>
@@ -23325,7 +23145,7 @@
 </p:sld>
 </file>
 
-<file path=ppt/slides/slide29.xml><?xml version="1.0" encoding="utf-8"?>
+<file path=ppt/slides/slide27.xml><?xml version="1.0" encoding="utf-8"?>
 <p:sld xmlns:a="http://schemas.openxmlformats.org/drawingml/2006/main" xmlns:r="http://schemas.openxmlformats.org/officeDocument/2006/relationships" xmlns:p="http://schemas.openxmlformats.org/presentationml/2006/main">
   <p:cSld>
     <p:spTree>
@@ -23365,7 +23185,7 @@
           <a:p>
             <a:r>
               <a:rPr lang="en-US" dirty="0"/>
-              <a:t>Double Free – Solution (again)</a:t>
+              <a:t>Double Free - Solution</a:t>
             </a:r>
           </a:p>
         </p:txBody>
@@ -23400,7 +23220,7 @@
           <a:p>
             <a:r>
               <a:rPr lang="en-US" dirty="0"/>
-              <a:t>Create User </a:t>
+              <a:t>Create User (Malloc) </a:t>
             </a:r>
             <a:r>
               <a:rPr lang="en-US" dirty="0">
@@ -23413,7 +23233,7 @@
           <a:p>
             <a:r>
               <a:rPr lang="en-US" dirty="0"/>
-              <a:t>Reset User </a:t>
+              <a:t>Reset User (Free) </a:t>
             </a:r>
             <a:r>
               <a:rPr lang="en-US" dirty="0">
@@ -23425,7 +23245,7 @@
           <a:p>
             <a:r>
               <a:rPr lang="en-US" dirty="0"/>
-              <a:t>Reset User </a:t>
+              <a:t>Reset User  (Free) </a:t>
             </a:r>
             <a:r>
               <a:rPr lang="en-US" dirty="0">
@@ -23437,7 +23257,7 @@
           <a:p>
             <a:r>
               <a:rPr lang="en-US" dirty="0"/>
-              <a:t>Create User </a:t>
+              <a:t>Create User (Malloc) </a:t>
             </a:r>
             <a:r>
               <a:rPr lang="en-US" dirty="0">
@@ -23499,7 +23319,236 @@
     </p:spTree>
     <p:extLst>
       <p:ext uri="{BB962C8B-B14F-4D97-AF65-F5344CB8AC3E}">
-        <p14:creationId xmlns:p14="http://schemas.microsoft.com/office/powerpoint/2010/main" val="3921223547"/>
+        <p14:creationId xmlns:p14="http://schemas.microsoft.com/office/powerpoint/2010/main" val="4134476742"/>
+      </p:ext>
+    </p:extLst>
+  </p:cSld>
+  <p:clrMapOvr>
+    <a:masterClrMapping/>
+  </p:clrMapOvr>
+</p:sld>
+</file>
+
+<file path=ppt/slides/slide28.xml><?xml version="1.0" encoding="utf-8"?>
+<p:sld xmlns:a="http://schemas.openxmlformats.org/drawingml/2006/main" xmlns:r="http://schemas.openxmlformats.org/officeDocument/2006/relationships" xmlns:p="http://schemas.openxmlformats.org/presentationml/2006/main">
+  <p:cSld>
+    <p:spTree>
+      <p:nvGrpSpPr>
+        <p:cNvPr id="1" name=""/>
+        <p:cNvGrpSpPr/>
+        <p:nvPr/>
+      </p:nvGrpSpPr>
+      <p:grpSpPr>
+        <a:xfrm>
+          <a:off x="0" y="0"/>
+          <a:ext cx="0" cy="0"/>
+          <a:chOff x="0" y="0"/>
+          <a:chExt cx="0" cy="0"/>
+        </a:xfrm>
+      </p:grpSpPr>
+      <p:sp>
+        <p:nvSpPr>
+          <p:cNvPr id="2" name="Title 1">
+            <a:extLst>
+              <a:ext uri="{FF2B5EF4-FFF2-40B4-BE49-F238E27FC236}">
+                <a16:creationId xmlns:a16="http://schemas.microsoft.com/office/drawing/2014/main" id="{DEA2737F-EFA2-CC46-BEF5-D2B3628E914F}"/>
+              </a:ext>
+            </a:extLst>
+          </p:cNvPr>
+          <p:cNvSpPr>
+            <a:spLocks noGrp="1"/>
+          </p:cNvSpPr>
+          <p:nvPr>
+            <p:ph type="title"/>
+          </p:nvPr>
+        </p:nvSpPr>
+        <p:spPr>
+          <a:xfrm>
+            <a:off x="628650" y="273847"/>
+            <a:ext cx="7886700" cy="994172"/>
+          </a:xfrm>
+        </p:spPr>
+        <p:txBody>
+          <a:bodyPr anchor="ctr">
+            <a:normAutofit/>
+          </a:bodyPr>
+          <a:lstStyle/>
+          <a:p>
+            <a:r>
+              <a:rPr lang="en-US" dirty="0"/>
+              <a:t>Double Free - Troubles</a:t>
+            </a:r>
+          </a:p>
+        </p:txBody>
+      </p:sp>
+      <p:graphicFrame>
+        <p:nvGraphicFramePr>
+          <p:cNvPr id="5" name="Content Placeholder 2">
+            <a:extLst>
+              <a:ext uri="{FF2B5EF4-FFF2-40B4-BE49-F238E27FC236}">
+                <a16:creationId xmlns:a16="http://schemas.microsoft.com/office/drawing/2014/main" id="{CC175BC7-D35C-423C-A548-44FBBA1CC9BC}"/>
+              </a:ext>
+            </a:extLst>
+          </p:cNvPr>
+          <p:cNvGraphicFramePr>
+            <a:graphicFrameLocks noGrp="1"/>
+          </p:cNvGraphicFramePr>
+          <p:nvPr>
+            <p:ph idx="1"/>
+            <p:extLst>
+              <p:ext uri="{D42A27DB-BD31-4B8C-83A1-F6EECF244321}">
+                <p14:modId xmlns:p14="http://schemas.microsoft.com/office/powerpoint/2010/main" val="3586994139"/>
+              </p:ext>
+            </p:extLst>
+          </p:nvPr>
+        </p:nvGraphicFramePr>
+        <p:xfrm>
+          <a:off x="628650" y="1236541"/>
+          <a:ext cx="7886700" cy="3263504"/>
+        </p:xfrm>
+        <a:graphic>
+          <a:graphicData uri="http://schemas.openxmlformats.org/drawingml/2006/diagram">
+            <dgm:relIds xmlns:dgm="http://schemas.openxmlformats.org/drawingml/2006/diagram" xmlns:r="http://schemas.openxmlformats.org/officeDocument/2006/relationships" r:dm="rId2" r:lo="rId3" r:qs="rId4" r:cs="rId5"/>
+          </a:graphicData>
+        </a:graphic>
+      </p:graphicFrame>
+    </p:spTree>
+    <p:extLst>
+      <p:ext uri="{BB962C8B-B14F-4D97-AF65-F5344CB8AC3E}">
+        <p14:creationId xmlns:p14="http://schemas.microsoft.com/office/powerpoint/2010/main" val="206295773"/>
+      </p:ext>
+    </p:extLst>
+  </p:cSld>
+  <p:clrMapOvr>
+    <a:masterClrMapping/>
+  </p:clrMapOvr>
+</p:sld>
+</file>
+
+<file path=ppt/slides/slide29.xml><?xml version="1.0" encoding="utf-8"?>
+<p:sld xmlns:a="http://schemas.openxmlformats.org/drawingml/2006/main" xmlns:r="http://schemas.openxmlformats.org/officeDocument/2006/relationships" xmlns:p="http://schemas.openxmlformats.org/presentationml/2006/main">
+  <p:cSld>
+    <p:spTree>
+      <p:nvGrpSpPr>
+        <p:cNvPr id="1" name=""/>
+        <p:cNvGrpSpPr/>
+        <p:nvPr/>
+      </p:nvGrpSpPr>
+      <p:grpSpPr>
+        <a:xfrm>
+          <a:off x="0" y="0"/>
+          <a:ext cx="0" cy="0"/>
+          <a:chOff x="0" y="0"/>
+          <a:chExt cx="0" cy="0"/>
+        </a:xfrm>
+      </p:grpSpPr>
+      <p:sp>
+        <p:nvSpPr>
+          <p:cNvPr id="2" name="Title 1">
+            <a:extLst>
+              <a:ext uri="{FF2B5EF4-FFF2-40B4-BE49-F238E27FC236}">
+                <a16:creationId xmlns:a16="http://schemas.microsoft.com/office/drawing/2014/main" id="{E47848F9-6440-9946-908B-989B1F1A5D65}"/>
+              </a:ext>
+            </a:extLst>
+          </p:cNvPr>
+          <p:cNvSpPr>
+            <a:spLocks noGrp="1"/>
+          </p:cNvSpPr>
+          <p:nvPr>
+            <p:ph type="title"/>
+          </p:nvPr>
+        </p:nvSpPr>
+        <p:spPr/>
+        <p:txBody>
+          <a:bodyPr/>
+          <a:lstStyle/>
+          <a:p>
+            <a:r>
+              <a:rPr lang="en-US" dirty="0"/>
+              <a:t>Double Free – </a:t>
+            </a:r>
+            <a:r>
+              <a:rPr lang="en-US" dirty="0" err="1"/>
+              <a:t>Atttack</a:t>
+            </a:r>
+            <a:r>
+              <a:rPr lang="en-US" dirty="0"/>
+              <a:t> #2+</a:t>
+            </a:r>
+          </a:p>
+        </p:txBody>
+      </p:sp>
+      <p:sp>
+        <p:nvSpPr>
+          <p:cNvPr id="3" name="Content Placeholder 2">
+            <a:extLst>
+              <a:ext uri="{FF2B5EF4-FFF2-40B4-BE49-F238E27FC236}">
+                <a16:creationId xmlns:a16="http://schemas.microsoft.com/office/drawing/2014/main" id="{224D8E59-DE3E-C842-9A66-6B92382B0D8C}"/>
+              </a:ext>
+            </a:extLst>
+          </p:cNvPr>
+          <p:cNvSpPr>
+            <a:spLocks noGrp="1"/>
+          </p:cNvSpPr>
+          <p:nvPr>
+            <p:ph idx="1"/>
+          </p:nvPr>
+        </p:nvSpPr>
+        <p:spPr/>
+        <p:txBody>
+          <a:bodyPr/>
+          <a:lstStyle/>
+          <a:p>
+            <a:r>
+              <a:rPr lang="en-US" dirty="0"/>
+              <a:t>House of </a:t>
+            </a:r>
+            <a:r>
+              <a:rPr lang="en-US" dirty="0" err="1"/>
+              <a:t>Botcake</a:t>
+            </a:r>
+            <a:r>
+              <a:rPr lang="en-US" dirty="0"/>
+              <a:t> (TCache with unsorted bin)</a:t>
+            </a:r>
+          </a:p>
+          <a:p>
+            <a:r>
+              <a:rPr lang="en-US" dirty="0" err="1"/>
+              <a:t>Fastbin</a:t>
+            </a:r>
+            <a:r>
+              <a:rPr lang="en-US" dirty="0"/>
+              <a:t> </a:t>
+            </a:r>
+            <a:r>
+              <a:rPr lang="en-US" dirty="0" err="1"/>
+              <a:t>Dupping</a:t>
+            </a:r>
+            <a:endParaRPr lang="en-US" dirty="0"/>
+          </a:p>
+          <a:p>
+            <a:r>
+              <a:rPr lang="en-US" dirty="0" err="1"/>
+              <a:t>Fastbin</a:t>
+            </a:r>
+            <a:r>
+              <a:rPr lang="en-US" dirty="0"/>
+              <a:t> Dup from consolidation</a:t>
+            </a:r>
+          </a:p>
+          <a:p>
+            <a:r>
+              <a:rPr lang="en-US" dirty="0"/>
+              <a:t>….</a:t>
+            </a:r>
+          </a:p>
+        </p:txBody>
+      </p:sp>
+    </p:spTree>
+    <p:extLst>
+      <p:ext uri="{BB962C8B-B14F-4D97-AF65-F5344CB8AC3E}">
+        <p14:creationId xmlns:p14="http://schemas.microsoft.com/office/powerpoint/2010/main" val="3363903550"/>
       </p:ext>
     </p:extLst>
   </p:cSld>
@@ -23606,235 +23655,6 @@
 </file>
 
 <file path=ppt/slides/slide30.xml><?xml version="1.0" encoding="utf-8"?>
-<p:sld xmlns:a="http://schemas.openxmlformats.org/drawingml/2006/main" xmlns:r="http://schemas.openxmlformats.org/officeDocument/2006/relationships" xmlns:p="http://schemas.openxmlformats.org/presentationml/2006/main">
-  <p:cSld>
-    <p:spTree>
-      <p:nvGrpSpPr>
-        <p:cNvPr id="1" name=""/>
-        <p:cNvGrpSpPr/>
-        <p:nvPr/>
-      </p:nvGrpSpPr>
-      <p:grpSpPr>
-        <a:xfrm>
-          <a:off x="0" y="0"/>
-          <a:ext cx="0" cy="0"/>
-          <a:chOff x="0" y="0"/>
-          <a:chExt cx="0" cy="0"/>
-        </a:xfrm>
-      </p:grpSpPr>
-      <p:sp>
-        <p:nvSpPr>
-          <p:cNvPr id="2" name="Title 1">
-            <a:extLst>
-              <a:ext uri="{FF2B5EF4-FFF2-40B4-BE49-F238E27FC236}">
-                <a16:creationId xmlns:a16="http://schemas.microsoft.com/office/drawing/2014/main" id="{DEA2737F-EFA2-CC46-BEF5-D2B3628E914F}"/>
-              </a:ext>
-            </a:extLst>
-          </p:cNvPr>
-          <p:cNvSpPr>
-            <a:spLocks noGrp="1"/>
-          </p:cNvSpPr>
-          <p:nvPr>
-            <p:ph type="title"/>
-          </p:nvPr>
-        </p:nvSpPr>
-        <p:spPr>
-          <a:xfrm>
-            <a:off x="628650" y="273847"/>
-            <a:ext cx="7886700" cy="994172"/>
-          </a:xfrm>
-        </p:spPr>
-        <p:txBody>
-          <a:bodyPr anchor="ctr">
-            <a:normAutofit/>
-          </a:bodyPr>
-          <a:lstStyle/>
-          <a:p>
-            <a:r>
-              <a:rPr lang="en-US" dirty="0"/>
-              <a:t>Double Free - Troubles</a:t>
-            </a:r>
-          </a:p>
-        </p:txBody>
-      </p:sp>
-      <p:graphicFrame>
-        <p:nvGraphicFramePr>
-          <p:cNvPr id="5" name="Content Placeholder 2">
-            <a:extLst>
-              <a:ext uri="{FF2B5EF4-FFF2-40B4-BE49-F238E27FC236}">
-                <a16:creationId xmlns:a16="http://schemas.microsoft.com/office/drawing/2014/main" id="{CC175BC7-D35C-423C-A548-44FBBA1CC9BC}"/>
-              </a:ext>
-            </a:extLst>
-          </p:cNvPr>
-          <p:cNvGraphicFramePr>
-            <a:graphicFrameLocks noGrp="1"/>
-          </p:cNvGraphicFramePr>
-          <p:nvPr>
-            <p:ph idx="1"/>
-            <p:extLst>
-              <p:ext uri="{D42A27DB-BD31-4B8C-83A1-F6EECF244321}">
-                <p14:modId xmlns:p14="http://schemas.microsoft.com/office/powerpoint/2010/main" val="3586994139"/>
-              </p:ext>
-            </p:extLst>
-          </p:nvPr>
-        </p:nvGraphicFramePr>
-        <p:xfrm>
-          <a:off x="628650" y="1236541"/>
-          <a:ext cx="7886700" cy="3263504"/>
-        </p:xfrm>
-        <a:graphic>
-          <a:graphicData uri="http://schemas.openxmlformats.org/drawingml/2006/diagram">
-            <dgm:relIds xmlns:dgm="http://schemas.openxmlformats.org/drawingml/2006/diagram" xmlns:r="http://schemas.openxmlformats.org/officeDocument/2006/relationships" r:dm="rId2" r:lo="rId3" r:qs="rId4" r:cs="rId5"/>
-          </a:graphicData>
-        </a:graphic>
-      </p:graphicFrame>
-    </p:spTree>
-    <p:extLst>
-      <p:ext uri="{BB962C8B-B14F-4D97-AF65-F5344CB8AC3E}">
-        <p14:creationId xmlns:p14="http://schemas.microsoft.com/office/powerpoint/2010/main" val="206295773"/>
-      </p:ext>
-    </p:extLst>
-  </p:cSld>
-  <p:clrMapOvr>
-    <a:masterClrMapping/>
-  </p:clrMapOvr>
-</p:sld>
-</file>
-
-<file path=ppt/slides/slide31.xml><?xml version="1.0" encoding="utf-8"?>
-<p:sld xmlns:a="http://schemas.openxmlformats.org/drawingml/2006/main" xmlns:r="http://schemas.openxmlformats.org/officeDocument/2006/relationships" xmlns:p="http://schemas.openxmlformats.org/presentationml/2006/main">
-  <p:cSld>
-    <p:spTree>
-      <p:nvGrpSpPr>
-        <p:cNvPr id="1" name=""/>
-        <p:cNvGrpSpPr/>
-        <p:nvPr/>
-      </p:nvGrpSpPr>
-      <p:grpSpPr>
-        <a:xfrm>
-          <a:off x="0" y="0"/>
-          <a:ext cx="0" cy="0"/>
-          <a:chOff x="0" y="0"/>
-          <a:chExt cx="0" cy="0"/>
-        </a:xfrm>
-      </p:grpSpPr>
-      <p:sp>
-        <p:nvSpPr>
-          <p:cNvPr id="2" name="Title 1">
-            <a:extLst>
-              <a:ext uri="{FF2B5EF4-FFF2-40B4-BE49-F238E27FC236}">
-                <a16:creationId xmlns:a16="http://schemas.microsoft.com/office/drawing/2014/main" id="{E47848F9-6440-9946-908B-989B1F1A5D65}"/>
-              </a:ext>
-            </a:extLst>
-          </p:cNvPr>
-          <p:cNvSpPr>
-            <a:spLocks noGrp="1"/>
-          </p:cNvSpPr>
-          <p:nvPr>
-            <p:ph type="title"/>
-          </p:nvPr>
-        </p:nvSpPr>
-        <p:spPr/>
-        <p:txBody>
-          <a:bodyPr/>
-          <a:lstStyle/>
-          <a:p>
-            <a:r>
-              <a:rPr lang="en-US" dirty="0"/>
-              <a:t>Double Free – </a:t>
-            </a:r>
-            <a:r>
-              <a:rPr lang="en-US" dirty="0" err="1"/>
-              <a:t>Atttack</a:t>
-            </a:r>
-            <a:r>
-              <a:rPr lang="en-US" dirty="0"/>
-              <a:t> #2+</a:t>
-            </a:r>
-          </a:p>
-        </p:txBody>
-      </p:sp>
-      <p:sp>
-        <p:nvSpPr>
-          <p:cNvPr id="3" name="Content Placeholder 2">
-            <a:extLst>
-              <a:ext uri="{FF2B5EF4-FFF2-40B4-BE49-F238E27FC236}">
-                <a16:creationId xmlns:a16="http://schemas.microsoft.com/office/drawing/2014/main" id="{224D8E59-DE3E-C842-9A66-6B92382B0D8C}"/>
-              </a:ext>
-            </a:extLst>
-          </p:cNvPr>
-          <p:cNvSpPr>
-            <a:spLocks noGrp="1"/>
-          </p:cNvSpPr>
-          <p:nvPr>
-            <p:ph idx="1"/>
-          </p:nvPr>
-        </p:nvSpPr>
-        <p:spPr/>
-        <p:txBody>
-          <a:bodyPr/>
-          <a:lstStyle/>
-          <a:p>
-            <a:r>
-              <a:rPr lang="en-US" dirty="0"/>
-              <a:t>House of </a:t>
-            </a:r>
-            <a:r>
-              <a:rPr lang="en-US" dirty="0" err="1"/>
-              <a:t>Botcake</a:t>
-            </a:r>
-            <a:r>
-              <a:rPr lang="en-US" dirty="0"/>
-              <a:t> (TCache with unsorted bin)</a:t>
-            </a:r>
-          </a:p>
-          <a:p>
-            <a:r>
-              <a:rPr lang="en-US" dirty="0" err="1"/>
-              <a:t>Fastbin</a:t>
-            </a:r>
-            <a:r>
-              <a:rPr lang="en-US" dirty="0"/>
-              <a:t> </a:t>
-            </a:r>
-            <a:r>
-              <a:rPr lang="en-US" dirty="0" err="1"/>
-              <a:t>Dupping</a:t>
-            </a:r>
-            <a:endParaRPr lang="en-US" dirty="0"/>
-          </a:p>
-          <a:p>
-            <a:r>
-              <a:rPr lang="en-US" dirty="0" err="1"/>
-              <a:t>Fastbin</a:t>
-            </a:r>
-            <a:r>
-              <a:rPr lang="en-US" dirty="0"/>
-              <a:t> Dup from consolidation</a:t>
-            </a:r>
-          </a:p>
-          <a:p>
-            <a:r>
-              <a:rPr lang="en-US" dirty="0"/>
-              <a:t>….</a:t>
-            </a:r>
-          </a:p>
-        </p:txBody>
-      </p:sp>
-    </p:spTree>
-    <p:extLst>
-      <p:ext uri="{BB962C8B-B14F-4D97-AF65-F5344CB8AC3E}">
-        <p14:creationId xmlns:p14="http://schemas.microsoft.com/office/powerpoint/2010/main" val="3363903550"/>
-      </p:ext>
-    </p:extLst>
-  </p:cSld>
-  <p:clrMapOvr>
-    <a:masterClrMapping/>
-  </p:clrMapOvr>
-</p:sld>
-</file>
-
-<file path=ppt/slides/slide32.xml><?xml version="1.0" encoding="utf-8"?>
 <p:sld xmlns:a="http://schemas.openxmlformats.org/drawingml/2006/main" xmlns:r="http://schemas.openxmlformats.org/officeDocument/2006/relationships" xmlns:p="http://schemas.openxmlformats.org/presentationml/2006/main">
   <p:cSld>
     <p:spTree>
@@ -24035,7 +23855,7 @@
 </p:sld>
 </file>
 
-<file path=ppt/slides/slide33.xml><?xml version="1.0" encoding="utf-8"?>
+<file path=ppt/slides/slide31.xml><?xml version="1.0" encoding="utf-8"?>
 <p:sld xmlns:a="http://schemas.openxmlformats.org/drawingml/2006/main" xmlns:r="http://schemas.openxmlformats.org/officeDocument/2006/relationships" xmlns:p="http://schemas.openxmlformats.org/presentationml/2006/main">
   <p:cSld>
     <p:spTree>
@@ -24150,7 +23970,7 @@
             <a:pPr lvl="1"/>
             <a:r>
               <a:rPr lang="en-US" dirty="0"/>
-              <a:t>Free Unsorted bin chunk again</a:t>
+              <a:t>Free Unsorted bin chunk again and consolidate with another chunk</a:t>
             </a:r>
           </a:p>
           <a:p>
@@ -24172,7 +23992,7 @@
 </p:sld>
 </file>
 
-<file path=ppt/slides/slide34.xml><?xml version="1.0" encoding="utf-8"?>
+<file path=ppt/slides/slide32.xml><?xml version="1.0" encoding="utf-8"?>
 <p:sld xmlns:a="http://schemas.openxmlformats.org/drawingml/2006/main" xmlns:r="http://schemas.openxmlformats.org/officeDocument/2006/relationships" xmlns:p="http://schemas.openxmlformats.org/presentationml/2006/main">
   <p:cSld>
     <p:spTree>
@@ -24298,7 +24118,7 @@
 </p:sld>
 </file>
 
-<file path=ppt/slides/slide35.xml><?xml version="1.0" encoding="utf-8"?>
+<file path=ppt/slides/slide33.xml><?xml version="1.0" encoding="utf-8"?>
 <p:sld xmlns:a="http://schemas.openxmlformats.org/drawingml/2006/main" xmlns:r="http://schemas.openxmlformats.org/officeDocument/2006/relationships" xmlns:p="http://schemas.openxmlformats.org/presentationml/2006/main">
   <p:cSld>
     <p:spTree>
@@ -24394,7 +24214,7 @@
 </p:sld>
 </file>
 
-<file path=ppt/slides/slide36.xml><?xml version="1.0" encoding="utf-8"?>
+<file path=ppt/slides/slide34.xml><?xml version="1.0" encoding="utf-8"?>
 <p:sld xmlns:a="http://schemas.openxmlformats.org/drawingml/2006/main" xmlns:r="http://schemas.openxmlformats.org/officeDocument/2006/relationships" xmlns:p="http://schemas.openxmlformats.org/presentationml/2006/main">
   <p:cSld>
     <p:spTree>
@@ -24462,7 +24282,7 @@
             <p:ph idx="1"/>
             <p:extLst>
               <p:ext uri="{D42A27DB-BD31-4B8C-83A1-F6EECF244321}">
-                <p14:modId xmlns:p14="http://schemas.microsoft.com/office/powerpoint/2010/main" val="542344948"/>
+                <p14:modId xmlns:p14="http://schemas.microsoft.com/office/powerpoint/2010/main" val="2829146450"/>
               </p:ext>
             </p:extLst>
           </p:nvPr>
@@ -24490,7 +24310,7 @@
 </p:sld>
 </file>
 
-<file path=ppt/slides/slide37.xml><?xml version="1.0" encoding="utf-8"?>
+<file path=ppt/slides/slide35.xml><?xml version="1.0" encoding="utf-8"?>
 <p:sld xmlns:a="http://schemas.openxmlformats.org/drawingml/2006/main" xmlns:r="http://schemas.openxmlformats.org/officeDocument/2006/relationships" xmlns:p="http://schemas.openxmlformats.org/presentationml/2006/main">
   <p:cSld>
     <p:spTree>
@@ -25104,7 +24924,7 @@
         <p:spPr/>
         <p:txBody>
           <a:bodyPr>
-            <a:normAutofit lnSpcReduction="10000"/>
+            <a:normAutofit fontScale="92500" lnSpcReduction="20000"/>
           </a:bodyPr>
           <a:lstStyle/>
           <a:p>
@@ -25176,6 +24996,29 @@
             <a:r>
               <a:rPr lang="en-US" dirty="0"/>
               <a:t>: Check to see if you have the high score</a:t>
+            </a:r>
+          </a:p>
+          <a:p>
+            <a:pPr lvl="1"/>
+            <a:r>
+              <a:rPr lang="en-US" dirty="0"/>
+              <a:t>set: The </a:t>
+            </a:r>
+            <a:r>
+              <a:rPr lang="en-US" i="1" dirty="0"/>
+              <a:t>new</a:t>
+            </a:r>
+            <a:r>
+              <a:rPr lang="en-US" dirty="0"/>
+              <a:t> high score to be set (don’t need this for </a:t>
+            </a:r>
+            <a:r>
+              <a:rPr lang="en-US" dirty="0" err="1"/>
+              <a:t>pwn</a:t>
+            </a:r>
+            <a:r>
+              <a:rPr lang="en-US" dirty="0"/>
+              <a:t>!)</a:t>
             </a:r>
           </a:p>
           <a:p>
@@ -25251,7 +25094,7 @@
           <p:cNvPr id="2" name="Title 1">
             <a:extLst>
               <a:ext uri="{FF2B5EF4-FFF2-40B4-BE49-F238E27FC236}">
-                <a16:creationId xmlns:a16="http://schemas.microsoft.com/office/drawing/2014/main" id="{142B44C5-7D46-424A-BA3F-8EC5059074A8}"/>
+                <a16:creationId xmlns:a16="http://schemas.microsoft.com/office/drawing/2014/main" id="{08506B2A-1853-DC4C-8F91-DA7FFFFD7CD8}"/>
               </a:ext>
             </a:extLst>
           </p:cNvPr>
@@ -25262,14 +25105,21 @@
             <p:ph type="title"/>
           </p:nvPr>
         </p:nvSpPr>
-        <p:spPr/>
+        <p:spPr>
+          <a:xfrm>
+            <a:off x="628650" y="273847"/>
+            <a:ext cx="7886700" cy="994172"/>
+          </a:xfrm>
+        </p:spPr>
         <p:txBody>
-          <a:bodyPr/>
+          <a:bodyPr anchor="ctr">
+            <a:normAutofit/>
+          </a:bodyPr>
           <a:lstStyle/>
           <a:p>
             <a:r>
               <a:rPr lang="en-US" dirty="0"/>
-              <a:t>UAF - Solution</a:t>
+              <a:t>UAF – Solution Diagram 1</a:t>
             </a:r>
           </a:p>
         </p:txBody>
@@ -25279,7 +25129,7 @@
           <p:cNvPr id="3" name="Content Placeholder 2">
             <a:extLst>
               <a:ext uri="{FF2B5EF4-FFF2-40B4-BE49-F238E27FC236}">
-                <a16:creationId xmlns:a16="http://schemas.microsoft.com/office/drawing/2014/main" id="{122781D7-B5DC-7342-A22F-35FBC8C8DC13}"/>
+                <a16:creationId xmlns:a16="http://schemas.microsoft.com/office/drawing/2014/main" id="{7F271F73-3DDC-104B-BA9C-1D75C1191326}"/>
               </a:ext>
             </a:extLst>
           </p:cNvPr>
@@ -25287,92 +25137,63 @@
             <a:spLocks noGrp="1"/>
           </p:cNvSpPr>
           <p:nvPr>
-            <p:ph idx="1"/>
+            <p:ph sz="half" idx="1"/>
           </p:nvPr>
         </p:nvSpPr>
-        <p:spPr/>
+        <p:spPr>
+          <a:xfrm>
+            <a:off x="628650" y="1369219"/>
+            <a:ext cx="3886200" cy="3263504"/>
+          </a:xfrm>
+        </p:spPr>
         <p:txBody>
-          <a:bodyPr/>
+          <a:bodyPr>
+            <a:normAutofit/>
+          </a:bodyPr>
           <a:lstStyle/>
           <a:p>
             <a:r>
               <a:rPr lang="en-US" dirty="0"/>
-              <a:t>Create User </a:t>
-            </a:r>
-            <a:r>
-              <a:rPr lang="en-US" dirty="0">
-                <a:sym typeface="Wingdings" pitchFamily="2" charset="2"/>
-              </a:rPr>
-              <a:t> Allocates a malloc chunk</a:t>
-            </a:r>
-            <a:endParaRPr lang="en-US" dirty="0"/>
-          </a:p>
-          <a:p>
-            <a:r>
-              <a:rPr lang="en-US" dirty="0"/>
-              <a:t>Reset User </a:t>
-            </a:r>
-            <a:r>
-              <a:rPr lang="en-US" dirty="0">
-                <a:sym typeface="Wingdings" pitchFamily="2" charset="2"/>
-              </a:rPr>
-              <a:t> Frees a malloc chunk</a:t>
-            </a:r>
-            <a:endParaRPr lang="en-US" dirty="0"/>
-          </a:p>
-          <a:p>
-            <a:r>
-              <a:rPr lang="en-US" dirty="0"/>
-              <a:t>Play </a:t>
-            </a:r>
-            <a:r>
-              <a:rPr lang="en-US" dirty="0">
-                <a:sym typeface="Wingdings" pitchFamily="2" charset="2"/>
-              </a:rPr>
-              <a:t> Allocates a malloc chunk (reuses previous chunk) </a:t>
-            </a:r>
-          </a:p>
-          <a:p>
-            <a:r>
-              <a:rPr lang="en-US" dirty="0"/>
-              <a:t>Win </a:t>
-            </a:r>
-            <a:r>
-              <a:rPr lang="en-US" dirty="0">
-                <a:sym typeface="Wingdings" pitchFamily="2" charset="2"/>
-              </a:rPr>
-              <a:t> Score is at </a:t>
-            </a:r>
-            <a:r>
-              <a:rPr lang="en-US" b="1" i="1" dirty="0">
-                <a:sym typeface="Wingdings" pitchFamily="2" charset="2"/>
-              </a:rPr>
-              <a:t>103</a:t>
-            </a:r>
-            <a:r>
-              <a:rPr lang="en-US" b="1" dirty="0">
-                <a:sym typeface="Wingdings" pitchFamily="2" charset="2"/>
-              </a:rPr>
-              <a:t> </a:t>
-            </a:r>
-            <a:r>
-              <a:rPr lang="en-US" dirty="0">
-                <a:sym typeface="Wingdings" pitchFamily="2" charset="2"/>
-              </a:rPr>
-              <a:t>from the ‘play’ calculations</a:t>
-            </a:r>
-            <a:endParaRPr lang="en-US" dirty="0"/>
-          </a:p>
-          <a:p>
-            <a:pPr lvl="1"/>
-            <a:endParaRPr lang="en-US" dirty="0"/>
+              <a:t>Allocate a player</a:t>
+            </a:r>
           </a:p>
         </p:txBody>
       </p:sp>
+      <p:pic>
+        <p:nvPicPr>
+          <p:cNvPr id="5" name="Picture 4" descr="Diagram&#10;&#10;Description automatically generated">
+            <a:extLst>
+              <a:ext uri="{FF2B5EF4-FFF2-40B4-BE49-F238E27FC236}">
+                <a16:creationId xmlns:a16="http://schemas.microsoft.com/office/drawing/2014/main" id="{74FCBF0C-D21E-6A4B-BAFE-2A17B6B17FE6}"/>
+              </a:ext>
+            </a:extLst>
+          </p:cNvPr>
+          <p:cNvPicPr>
+            <a:picLocks noChangeAspect="1"/>
+          </p:cNvPicPr>
+          <p:nvPr/>
+        </p:nvPicPr>
+        <p:blipFill>
+          <a:blip r:embed="rId2"/>
+          <a:stretch>
+            <a:fillRect/>
+          </a:stretch>
+        </p:blipFill>
+        <p:spPr>
+          <a:xfrm>
+            <a:off x="4629150" y="1438395"/>
+            <a:ext cx="3886200" cy="3125152"/>
+          </a:xfrm>
+          <a:prstGeom prst="rect">
+            <a:avLst/>
+          </a:prstGeom>
+          <a:noFill/>
+        </p:spPr>
+      </p:pic>
     </p:spTree>
     <p:extLst>
       <p:ext uri="{BB962C8B-B14F-4D97-AF65-F5344CB8AC3E}">
-        <p14:creationId xmlns:p14="http://schemas.microsoft.com/office/powerpoint/2010/main" val="3864343798"/>
+        <p14:creationId xmlns:p14="http://schemas.microsoft.com/office/powerpoint/2010/main" val="1653033134"/>
       </p:ext>
     </p:extLst>
   </p:cSld>
@@ -25429,7 +25250,7 @@
           <a:p>
             <a:r>
               <a:rPr lang="en-US" dirty="0"/>
-              <a:t>UAF – Solution Diagram 1</a:t>
+              <a:t>UAF – Solution Diagram 2</a:t>
             </a:r>
           </a:p>
         </p:txBody>
@@ -25464,17 +25285,50 @@
           <a:p>
             <a:r>
               <a:rPr lang="en-US" dirty="0"/>
-              <a:t>Allocate a player</a:t>
+              <a:t>Free (reset) a player</a:t>
+            </a:r>
+          </a:p>
+          <a:p>
+            <a:r>
+              <a:rPr lang="en-US" dirty="0"/>
+              <a:t>Puts a </a:t>
+            </a:r>
+            <a:r>
+              <a:rPr lang="en-US" i="1" dirty="0"/>
+              <a:t>chunk</a:t>
+            </a:r>
+            <a:r>
+              <a:rPr lang="en-US" dirty="0"/>
+              <a:t> into the </a:t>
+            </a:r>
+            <a:r>
+              <a:rPr lang="en-US" dirty="0" err="1"/>
+              <a:t>tcache</a:t>
+            </a:r>
+            <a:endParaRPr lang="en-US" dirty="0"/>
+          </a:p>
+          <a:p>
+            <a:r>
+              <a:rPr lang="en-US" dirty="0"/>
+              <a:t>Creates a UAF on the </a:t>
+            </a:r>
+            <a:r>
+              <a:rPr lang="en-US" i="1" dirty="0"/>
+              <a:t>player </a:t>
+            </a:r>
+            <a:r>
+              <a:rPr lang="en-US" dirty="0"/>
+              <a:t>struct</a:t>
             </a:r>
           </a:p>
         </p:txBody>
       </p:sp>
       <p:pic>
         <p:nvPicPr>
-          <p:cNvPr id="5" name="Picture 4" descr="Diagram&#10;&#10;Description automatically generated">
+          <p:cNvPr id="8" name="Picture 7" descr="Free the player struct">
             <a:extLst>
               <a:ext uri="{FF2B5EF4-FFF2-40B4-BE49-F238E27FC236}">
-                <a16:creationId xmlns:a16="http://schemas.microsoft.com/office/drawing/2014/main" id="{74FCBF0C-D21E-6A4B-BAFE-2A17B6B17FE6}"/>
+                <a16:creationId xmlns:a16="http://schemas.microsoft.com/office/drawing/2014/main" id="{545C6C7E-195D-2B41-A6B9-D3470285E14F}"/>
               </a:ext>
             </a:extLst>
           </p:cNvPr>
@@ -25491,19 +25345,18 @@
         </p:blipFill>
         <p:spPr>
           <a:xfrm>
-            <a:off x="4629150" y="1438395"/>
-            <a:ext cx="3886200" cy="3125152"/>
+            <a:off x="4413314" y="1369218"/>
+            <a:ext cx="3886199" cy="3108959"/>
           </a:xfrm>
           <a:prstGeom prst="rect">
             <a:avLst/>
           </a:prstGeom>
-          <a:noFill/>
         </p:spPr>
       </p:pic>
     </p:spTree>
     <p:extLst>
       <p:ext uri="{BB962C8B-B14F-4D97-AF65-F5344CB8AC3E}">
-        <p14:creationId xmlns:p14="http://schemas.microsoft.com/office/powerpoint/2010/main" val="1653033134"/>
+        <p14:creationId xmlns:p14="http://schemas.microsoft.com/office/powerpoint/2010/main" val="3826566874"/>
       </p:ext>
     </p:extLst>
   </p:cSld>
@@ -25560,7 +25413,7 @@
           <a:p>
             <a:r>
               <a:rPr lang="en-US" dirty="0"/>
-              <a:t>UAF – Solution Diagram 2</a:t>
+              <a:t>UAF – Solution Diagram 3</a:t>
             </a:r>
           </a:p>
         </p:txBody>
@@ -25595,50 +25448,23 @@
           <a:p>
             <a:r>
               <a:rPr lang="en-US" dirty="0"/>
-              <a:t>Free (reset) a player</a:t>
+              <a:t>Play</a:t>
             </a:r>
           </a:p>
           <a:p>
             <a:r>
               <a:rPr lang="en-US" dirty="0"/>
-              <a:t>Puts a </a:t>
-            </a:r>
-            <a:r>
-              <a:rPr lang="en-US" i="1" dirty="0"/>
-              <a:t>chunk</a:t>
-            </a:r>
-            <a:r>
-              <a:rPr lang="en-US" dirty="0"/>
-              <a:t> into the </a:t>
-            </a:r>
-            <a:r>
-              <a:rPr lang="en-US" dirty="0" err="1"/>
-              <a:t>fastbin</a:t>
-            </a:r>
-            <a:endParaRPr lang="en-US" dirty="0"/>
-          </a:p>
-          <a:p>
-            <a:r>
-              <a:rPr lang="en-US" dirty="0"/>
-              <a:t>Creates a UAF on the </a:t>
-            </a:r>
-            <a:r>
-              <a:rPr lang="en-US" i="1" dirty="0"/>
-              <a:t>player </a:t>
-            </a:r>
-            <a:r>
-              <a:rPr lang="en-US" dirty="0"/>
-              <a:t>struct</a:t>
+              <a:t>Allocates a chunk of size 0x20</a:t>
             </a:r>
           </a:p>
         </p:txBody>
       </p:sp>
       <p:pic>
         <p:nvPicPr>
-          <p:cNvPr id="8" name="Picture 7" descr="Free the player struct">
+          <p:cNvPr id="5" name="Picture 4" descr="Allocate the 'parray'">
             <a:extLst>
               <a:ext uri="{FF2B5EF4-FFF2-40B4-BE49-F238E27FC236}">
-                <a16:creationId xmlns:a16="http://schemas.microsoft.com/office/drawing/2014/main" id="{545C6C7E-195D-2B41-A6B9-D3470285E14F}"/>
+                <a16:creationId xmlns:a16="http://schemas.microsoft.com/office/drawing/2014/main" id="{5B680900-BB7C-D940-AE9C-CE6E80094A68}"/>
               </a:ext>
             </a:extLst>
           </p:cNvPr>
@@ -25655,8 +25481,8 @@
         </p:blipFill>
         <p:spPr>
           <a:xfrm>
-            <a:off x="4413314" y="1369218"/>
-            <a:ext cx="3886199" cy="3108959"/>
+            <a:off x="4244613" y="1268018"/>
+            <a:ext cx="3579633" cy="3272807"/>
           </a:xfrm>
           <a:prstGeom prst="rect">
             <a:avLst/>
@@ -25666,7 +25492,7 @@
     </p:spTree>
     <p:extLst>
       <p:ext uri="{BB962C8B-B14F-4D97-AF65-F5344CB8AC3E}">
-        <p14:creationId xmlns:p14="http://schemas.microsoft.com/office/powerpoint/2010/main" val="3826566874"/>
+        <p14:creationId xmlns:p14="http://schemas.microsoft.com/office/powerpoint/2010/main" val="3216247816"/>
       </p:ext>
     </p:extLst>
   </p:cSld>

--- a/challenges/vuln_classes/vuln_classes.pptx
+++ b/challenges/vuln_classes/vuln_classes.pptx
@@ -5,7 +5,7 @@
     <p:sldMasterId id="2147483660" r:id="rId1"/>
   </p:sldMasterIdLst>
   <p:notesMasterIdLst>
-    <p:notesMasterId r:id="rId37"/>
+    <p:notesMasterId r:id="rId47"/>
   </p:notesMasterIdLst>
   <p:sldIdLst>
     <p:sldId id="396" r:id="rId2"/>
@@ -14,35 +14,45 @@
     <p:sldId id="398" r:id="rId5"/>
     <p:sldId id="428" r:id="rId6"/>
     <p:sldId id="403" r:id="rId7"/>
-    <p:sldId id="436" r:id="rId8"/>
-    <p:sldId id="468" r:id="rId9"/>
-    <p:sldId id="469" r:id="rId10"/>
-    <p:sldId id="471" r:id="rId11"/>
-    <p:sldId id="472" r:id="rId12"/>
-    <p:sldId id="485" r:id="rId13"/>
-    <p:sldId id="473" r:id="rId14"/>
-    <p:sldId id="400" r:id="rId15"/>
-    <p:sldId id="399" r:id="rId16"/>
-    <p:sldId id="429" r:id="rId17"/>
-    <p:sldId id="451" r:id="rId18"/>
-    <p:sldId id="404" r:id="rId19"/>
-    <p:sldId id="474" r:id="rId20"/>
-    <p:sldId id="475" r:id="rId21"/>
-    <p:sldId id="477" r:id="rId22"/>
-    <p:sldId id="478" r:id="rId23"/>
-    <p:sldId id="480" r:id="rId24"/>
-    <p:sldId id="479" r:id="rId25"/>
-    <p:sldId id="481" r:id="rId26"/>
-    <p:sldId id="482" r:id="rId27"/>
-    <p:sldId id="483" r:id="rId28"/>
-    <p:sldId id="452" r:id="rId29"/>
-    <p:sldId id="491" r:id="rId30"/>
-    <p:sldId id="502" r:id="rId31"/>
-    <p:sldId id="501" r:id="rId32"/>
-    <p:sldId id="453" r:id="rId33"/>
-    <p:sldId id="493" r:id="rId34"/>
-    <p:sldId id="435" r:id="rId35"/>
-    <p:sldId id="348" r:id="rId36"/>
+    <p:sldId id="503" r:id="rId8"/>
+    <p:sldId id="505" r:id="rId9"/>
+    <p:sldId id="506" r:id="rId10"/>
+    <p:sldId id="507" r:id="rId11"/>
+    <p:sldId id="508" r:id="rId12"/>
+    <p:sldId id="436" r:id="rId13"/>
+    <p:sldId id="468" r:id="rId14"/>
+    <p:sldId id="469" r:id="rId15"/>
+    <p:sldId id="471" r:id="rId16"/>
+    <p:sldId id="472" r:id="rId17"/>
+    <p:sldId id="485" r:id="rId18"/>
+    <p:sldId id="473" r:id="rId19"/>
+    <p:sldId id="400" r:id="rId20"/>
+    <p:sldId id="399" r:id="rId21"/>
+    <p:sldId id="429" r:id="rId22"/>
+    <p:sldId id="451" r:id="rId23"/>
+    <p:sldId id="404" r:id="rId24"/>
+    <p:sldId id="474" r:id="rId25"/>
+    <p:sldId id="475" r:id="rId26"/>
+    <p:sldId id="477" r:id="rId27"/>
+    <p:sldId id="478" r:id="rId28"/>
+    <p:sldId id="480" r:id="rId29"/>
+    <p:sldId id="479" r:id="rId30"/>
+    <p:sldId id="481" r:id="rId31"/>
+    <p:sldId id="482" r:id="rId32"/>
+    <p:sldId id="483" r:id="rId33"/>
+    <p:sldId id="452" r:id="rId34"/>
+    <p:sldId id="491" r:id="rId35"/>
+    <p:sldId id="502" r:id="rId36"/>
+    <p:sldId id="501" r:id="rId37"/>
+    <p:sldId id="509" r:id="rId38"/>
+    <p:sldId id="511" r:id="rId39"/>
+    <p:sldId id="512" r:id="rId40"/>
+    <p:sldId id="513" r:id="rId41"/>
+    <p:sldId id="514" r:id="rId42"/>
+    <p:sldId id="453" r:id="rId43"/>
+    <p:sldId id="493" r:id="rId44"/>
+    <p:sldId id="435" r:id="rId45"/>
+    <p:sldId id="348" r:id="rId46"/>
   </p:sldIdLst>
   <p:sldSz cx="9144000" cy="5143500" type="screen16x9"/>
   <p:notesSz cx="6858000" cy="9144000"/>
@@ -4680,7 +4690,7 @@
           </a:pPr>
           <a:r>
             <a:rPr lang="en-US" dirty="0"/>
-            <a:t>Having a reference to a ptr, even though it has been given back to malloc</a:t>
+            <a:t>Having a reference to a ptr, even though it has been given back to the allocator</a:t>
           </a:r>
         </a:p>
       </dgm:t>
@@ -5426,27 +5436,27 @@
         <a:lstStyle/>
         <a:p>
           <a:r>
-            <a:rPr lang="en-US" i="1"/>
+            <a:rPr lang="en-US" i="1" dirty="0"/>
             <a:t>Free</a:t>
           </a:r>
           <a:r>
-            <a:rPr lang="en-US"/>
+            <a:rPr lang="en-US" dirty="0"/>
             <a:t>, </a:t>
           </a:r>
           <a:r>
-            <a:rPr lang="en-US" i="1"/>
+            <a:rPr lang="en-US" i="1" dirty="0"/>
             <a:t>allocate</a:t>
           </a:r>
           <a:r>
-            <a:rPr lang="en-US"/>
+            <a:rPr lang="en-US" dirty="0"/>
             <a:t> (new pointer), then </a:t>
           </a:r>
           <a:r>
-            <a:rPr lang="en-US" i="1"/>
+            <a:rPr lang="en-US" i="1" dirty="0"/>
             <a:t>free</a:t>
           </a:r>
           <a:r>
-            <a:rPr lang="en-US"/>
+            <a:rPr lang="en-US" dirty="0"/>
             <a:t> the same chunk again after the reallocation</a:t>
           </a:r>
         </a:p>
@@ -5482,15 +5492,15 @@
         <a:lstStyle/>
         <a:p>
           <a:r>
-            <a:rPr lang="en-US"/>
+            <a:rPr lang="en-US" dirty="0"/>
             <a:t>This creates a </a:t>
           </a:r>
           <a:r>
-            <a:rPr lang="en-US" i="1"/>
+            <a:rPr lang="en-US" i="1" dirty="0"/>
             <a:t>use-after-free</a:t>
           </a:r>
           <a:r>
-            <a:rPr lang="en-US"/>
+            <a:rPr lang="en-US" dirty="0"/>
             <a:t> by freeing a chunk that reallocated</a:t>
           </a:r>
         </a:p>
@@ -6451,7 +6461,7 @@
           </a:pPr>
           <a:r>
             <a:rPr lang="en-US" sz="1500" kern="1200" dirty="0"/>
-            <a:t>Having a reference to a ptr, even though it has been given back to malloc</a:t>
+            <a:t>Having a reference to a ptr, even though it has been given back to the allocator</a:t>
           </a:r>
         </a:p>
       </dsp:txBody>
@@ -7520,27 +7530,27 @@
             <a:buNone/>
           </a:pPr>
           <a:r>
-            <a:rPr lang="en-US" sz="2100" i="1" kern="1200"/>
+            <a:rPr lang="en-US" sz="2100" i="1" kern="1200" dirty="0"/>
             <a:t>Free</a:t>
           </a:r>
           <a:r>
-            <a:rPr lang="en-US" sz="2100" kern="1200"/>
+            <a:rPr lang="en-US" sz="2100" kern="1200" dirty="0"/>
             <a:t>, </a:t>
           </a:r>
           <a:r>
-            <a:rPr lang="en-US" sz="2100" i="1" kern="1200"/>
+            <a:rPr lang="en-US" sz="2100" i="1" kern="1200" dirty="0"/>
             <a:t>allocate</a:t>
           </a:r>
           <a:r>
-            <a:rPr lang="en-US" sz="2100" kern="1200"/>
+            <a:rPr lang="en-US" sz="2100" kern="1200" dirty="0"/>
             <a:t> (new pointer), then </a:t>
           </a:r>
           <a:r>
-            <a:rPr lang="en-US" sz="2100" i="1" kern="1200"/>
+            <a:rPr lang="en-US" sz="2100" i="1" kern="1200" dirty="0"/>
             <a:t>free</a:t>
           </a:r>
           <a:r>
-            <a:rPr lang="en-US" sz="2100" kern="1200"/>
+            <a:rPr lang="en-US" sz="2100" kern="1200" dirty="0"/>
             <a:t> the same chunk again after the reallocation</a:t>
           </a:r>
         </a:p>
@@ -7645,15 +7655,15 @@
             <a:buNone/>
           </a:pPr>
           <a:r>
-            <a:rPr lang="en-US" sz="2100" kern="1200"/>
+            <a:rPr lang="en-US" sz="2100" kern="1200" dirty="0"/>
             <a:t>This creates a </a:t>
           </a:r>
           <a:r>
-            <a:rPr lang="en-US" sz="2100" i="1" kern="1200"/>
+            <a:rPr lang="en-US" sz="2100" i="1" kern="1200" dirty="0"/>
             <a:t>use-after-free</a:t>
           </a:r>
           <a:r>
-            <a:rPr lang="en-US" sz="2100" kern="1200"/>
+            <a:rPr lang="en-US" sz="2100" kern="1200" dirty="0"/>
             <a:t> by freeing a chunk that reallocated</a:t>
           </a:r>
         </a:p>
@@ -16012,7 +16022,7 @@
           <a:p>
             <a:fld id="{2DA23E8D-1792-1541-9147-970A8DD8A355}" type="datetimeFigureOut">
               <a:rPr lang="en-US" smtClean="0"/>
-              <a:t>4/25/21</a:t>
+              <a:t>5/22/21</a:t>
             </a:fld>
             <a:endParaRPr lang="en-US" dirty="0"/>
           </a:p>
@@ -16482,7 +16492,7 @@
                 <a:latin typeface="Calibri"/>
               </a:rPr>
               <a:pPr/>
-              <a:t>4/25/21</a:t>
+              <a:t>5/22/21</a:t>
             </a:fld>
             <a:endParaRPr lang="en-US" dirty="0">
               <a:solidFill>
@@ -16735,7 +16745,7 @@
                 <a:latin typeface="Calibri"/>
               </a:rPr>
               <a:pPr/>
-              <a:t>4/25/21</a:t>
+              <a:t>5/22/21</a:t>
             </a:fld>
             <a:endParaRPr lang="en-US" dirty="0">
               <a:solidFill>
@@ -16950,7 +16960,7 @@
                 <a:latin typeface="Calibri"/>
               </a:rPr>
               <a:pPr/>
-              <a:t>4/25/21</a:t>
+              <a:t>5/22/21</a:t>
             </a:fld>
             <a:endParaRPr lang="en-US" dirty="0">
               <a:solidFill>
@@ -17234,7 +17244,7 @@
                 <a:latin typeface="Calibri"/>
               </a:rPr>
               <a:pPr/>
-              <a:t>4/25/21</a:t>
+              <a:t>5/22/21</a:t>
             </a:fld>
             <a:endParaRPr lang="en-US" dirty="0">
               <a:solidFill>
@@ -17576,7 +17586,7 @@
                 <a:latin typeface="Calibri"/>
               </a:rPr>
               <a:pPr/>
-              <a:t>4/25/21</a:t>
+              <a:t>5/22/21</a:t>
             </a:fld>
             <a:endParaRPr lang="en-US" dirty="0">
               <a:solidFill>
@@ -17904,7 +17914,7 @@
                 <a:latin typeface="Calibri"/>
               </a:rPr>
               <a:pPr/>
-              <a:t>4/25/21</a:t>
+              <a:t>5/22/21</a:t>
             </a:fld>
             <a:endParaRPr lang="en-US" dirty="0">
               <a:solidFill>
@@ -18393,7 +18403,7 @@
                 <a:latin typeface="Calibri"/>
               </a:rPr>
               <a:pPr/>
-              <a:t>4/25/21</a:t>
+              <a:t>5/22/21</a:t>
             </a:fld>
             <a:endParaRPr lang="en-US" dirty="0">
               <a:solidFill>
@@ -18576,7 +18586,7 @@
                 <a:latin typeface="Calibri"/>
               </a:rPr>
               <a:pPr/>
-              <a:t>4/25/21</a:t>
+              <a:t>5/22/21</a:t>
             </a:fld>
             <a:endParaRPr lang="en-US" dirty="0">
               <a:solidFill>
@@ -18822,7 +18832,7 @@
                 <a:latin typeface="Calibri"/>
               </a:rPr>
               <a:pPr/>
-              <a:t>4/25/21</a:t>
+              <a:t>5/22/21</a:t>
             </a:fld>
             <a:endParaRPr lang="en-US" dirty="0">
               <a:solidFill>
@@ -19164,7 +19174,7 @@
                 <a:latin typeface="Calibri"/>
               </a:rPr>
               <a:pPr/>
-              <a:t>4/25/21</a:t>
+              <a:t>5/22/21</a:t>
             </a:fld>
             <a:endParaRPr lang="en-US" dirty="0">
               <a:solidFill>
@@ -19456,7 +19466,7 @@
                 <a:latin typeface="Calibri"/>
               </a:rPr>
               <a:pPr/>
-              <a:t>4/25/21</a:t>
+              <a:t>5/22/21</a:t>
             </a:fld>
             <a:endParaRPr lang="en-US" dirty="0">
               <a:solidFill>
@@ -19706,7 +19716,7 @@
                 <a:latin typeface="Calibri"/>
               </a:rPr>
               <a:pPr defTabSz="914400"/>
-              <a:t>4/25/21</a:t>
+              <a:t>5/22/21</a:t>
             </a:fld>
             <a:endParaRPr lang="en-US" dirty="0">
               <a:solidFill>
@@ -20262,6 +20272,1033 @@
           <p:cNvPr id="2" name="Title 1">
             <a:extLst>
               <a:ext uri="{FF2B5EF4-FFF2-40B4-BE49-F238E27FC236}">
+                <a16:creationId xmlns:a16="http://schemas.microsoft.com/office/drawing/2014/main" id="{C0043344-1274-8343-96A8-8362EDE1A7C8}"/>
+              </a:ext>
+            </a:extLst>
+          </p:cNvPr>
+          <p:cNvSpPr>
+            <a:spLocks noGrp="1"/>
+          </p:cNvSpPr>
+          <p:nvPr>
+            <p:ph type="title"/>
+          </p:nvPr>
+        </p:nvSpPr>
+        <p:spPr>
+          <a:xfrm>
+            <a:off x="628650" y="273847"/>
+            <a:ext cx="7886700" cy="994172"/>
+          </a:xfrm>
+        </p:spPr>
+        <p:txBody>
+          <a:bodyPr anchor="ctr">
+            <a:normAutofit/>
+          </a:bodyPr>
+          <a:lstStyle/>
+          <a:p>
+            <a:r>
+              <a:rPr lang="en-US" dirty="0"/>
+              <a:t>Won – Did I win? Code</a:t>
+            </a:r>
+          </a:p>
+        </p:txBody>
+      </p:sp>
+      <p:sp>
+        <p:nvSpPr>
+          <p:cNvPr id="12" name="Content Placeholder 3">
+            <a:extLst>
+              <a:ext uri="{FF2B5EF4-FFF2-40B4-BE49-F238E27FC236}">
+                <a16:creationId xmlns:a16="http://schemas.microsoft.com/office/drawing/2014/main" id="{A5649606-BCC9-4BF9-9D55-8703B3BC1187}"/>
+              </a:ext>
+            </a:extLst>
+          </p:cNvPr>
+          <p:cNvSpPr>
+            <a:spLocks noGrp="1"/>
+          </p:cNvSpPr>
+          <p:nvPr>
+            <p:ph sz="half" idx="2"/>
+          </p:nvPr>
+        </p:nvSpPr>
+        <p:spPr>
+          <a:xfrm>
+            <a:off x="5680128" y="1369219"/>
+            <a:ext cx="3308889" cy="1699445"/>
+          </a:xfrm>
+        </p:spPr>
+        <p:txBody>
+          <a:bodyPr>
+            <a:normAutofit/>
+          </a:bodyPr>
+          <a:lstStyle/>
+          <a:p>
+            <a:r>
+              <a:rPr lang="en-US" sz="2000" dirty="0"/>
+              <a:t>Calls </a:t>
+            </a:r>
+            <a:r>
+              <a:rPr lang="en-US" sz="2000" i="1" dirty="0" err="1"/>
+              <a:t>is_high_score</a:t>
+            </a:r>
+            <a:r>
+              <a:rPr lang="en-US" sz="2000" i="1" dirty="0"/>
+              <a:t> </a:t>
+            </a:r>
+          </a:p>
+          <a:p>
+            <a:r>
+              <a:rPr lang="en-US" sz="2000" dirty="0"/>
+              <a:t>Passes in the players current high score</a:t>
+            </a:r>
+          </a:p>
+        </p:txBody>
+      </p:sp>
+      <p:sp>
+        <p:nvSpPr>
+          <p:cNvPr id="15" name="Content Placeholder 3">
+            <a:extLst>
+              <a:ext uri="{FF2B5EF4-FFF2-40B4-BE49-F238E27FC236}">
+                <a16:creationId xmlns:a16="http://schemas.microsoft.com/office/drawing/2014/main" id="{2348BE40-0F9E-5A4D-9096-3DA7E7EB4CD4}"/>
+              </a:ext>
+            </a:extLst>
+          </p:cNvPr>
+          <p:cNvSpPr txBox="1">
+            <a:spLocks/>
+          </p:cNvSpPr>
+          <p:nvPr/>
+        </p:nvSpPr>
+        <p:spPr>
+          <a:xfrm>
+            <a:off x="4915487" y="3076874"/>
+            <a:ext cx="3958847" cy="1699445"/>
+          </a:xfrm>
+          <a:prstGeom prst="rect">
+            <a:avLst/>
+          </a:prstGeom>
+        </p:spPr>
+        <p:txBody>
+          <a:bodyPr vert="horz" lIns="91440" tIns="45720" rIns="91440" bIns="45720" rtlCol="0">
+            <a:normAutofit/>
+          </a:bodyPr>
+          <a:lstStyle>
+            <a:lvl1pPr marL="228600" indent="-228600" algn="l" defTabSz="914400" rtl="0" eaLnBrk="1" latinLnBrk="0" hangingPunct="1">
+              <a:lnSpc>
+                <a:spcPct val="90000"/>
+              </a:lnSpc>
+              <a:spcBef>
+                <a:spcPts val="1000"/>
+              </a:spcBef>
+              <a:buFont typeface="Arial" panose="020B0604020202020204" pitchFamily="34" charset="0"/>
+              <a:buChar char="•"/>
+              <a:defRPr sz="2400" kern="1200">
+                <a:solidFill>
+                  <a:schemeClr val="tx1"/>
+                </a:solidFill>
+                <a:latin typeface="Avenir Book"/>
+                <a:ea typeface="+mn-ea"/>
+                <a:cs typeface="Avenir Book"/>
+              </a:defRPr>
+            </a:lvl1pPr>
+            <a:lvl2pPr marL="685800" indent="-228600" algn="l" defTabSz="914400" rtl="0" eaLnBrk="1" latinLnBrk="0" hangingPunct="1">
+              <a:lnSpc>
+                <a:spcPct val="90000"/>
+              </a:lnSpc>
+              <a:spcBef>
+                <a:spcPts val="500"/>
+              </a:spcBef>
+              <a:buFont typeface="Arial" panose="020B0604020202020204" pitchFamily="34" charset="0"/>
+              <a:buChar char="•"/>
+              <a:defRPr sz="2400" kern="1200">
+                <a:solidFill>
+                  <a:schemeClr val="tx1"/>
+                </a:solidFill>
+                <a:latin typeface="Avenir Book"/>
+                <a:ea typeface="+mn-ea"/>
+                <a:cs typeface="Avenir Book"/>
+              </a:defRPr>
+            </a:lvl2pPr>
+            <a:lvl3pPr marL="1143000" indent="-228600" algn="l" defTabSz="914400" rtl="0" eaLnBrk="1" latinLnBrk="0" hangingPunct="1">
+              <a:lnSpc>
+                <a:spcPct val="90000"/>
+              </a:lnSpc>
+              <a:spcBef>
+                <a:spcPts val="500"/>
+              </a:spcBef>
+              <a:buFont typeface="Arial" panose="020B0604020202020204" pitchFamily="34" charset="0"/>
+              <a:buChar char="•"/>
+              <a:defRPr sz="2400" kern="1200">
+                <a:solidFill>
+                  <a:schemeClr val="tx1"/>
+                </a:solidFill>
+                <a:latin typeface="Avenir Book"/>
+                <a:ea typeface="+mn-ea"/>
+                <a:cs typeface="Avenir Book"/>
+              </a:defRPr>
+            </a:lvl3pPr>
+            <a:lvl4pPr marL="1600200" indent="-228600" algn="l" defTabSz="914400" rtl="0" eaLnBrk="1" latinLnBrk="0" hangingPunct="1">
+              <a:lnSpc>
+                <a:spcPct val="90000"/>
+              </a:lnSpc>
+              <a:spcBef>
+                <a:spcPts val="500"/>
+              </a:spcBef>
+              <a:buFont typeface="Arial" panose="020B0604020202020204" pitchFamily="34" charset="0"/>
+              <a:buChar char="•"/>
+              <a:defRPr sz="2400" kern="1200">
+                <a:solidFill>
+                  <a:schemeClr val="tx1"/>
+                </a:solidFill>
+                <a:latin typeface="Avenir Book"/>
+                <a:ea typeface="+mn-ea"/>
+                <a:cs typeface="Avenir Book"/>
+              </a:defRPr>
+            </a:lvl4pPr>
+            <a:lvl5pPr marL="2057400" indent="-228600" algn="l" defTabSz="914400" rtl="0" eaLnBrk="1" latinLnBrk="0" hangingPunct="1">
+              <a:lnSpc>
+                <a:spcPct val="90000"/>
+              </a:lnSpc>
+              <a:spcBef>
+                <a:spcPts val="500"/>
+              </a:spcBef>
+              <a:buFont typeface="Arial" panose="020B0604020202020204" pitchFamily="34" charset="0"/>
+              <a:buChar char="•"/>
+              <a:defRPr sz="2400" kern="1200">
+                <a:solidFill>
+                  <a:schemeClr val="tx1"/>
+                </a:solidFill>
+                <a:latin typeface="Avenir Book"/>
+                <a:ea typeface="+mn-ea"/>
+                <a:cs typeface="Avenir Book"/>
+              </a:defRPr>
+            </a:lvl5pPr>
+            <a:lvl6pPr marL="2514600" indent="-228600" algn="l" defTabSz="914400" rtl="0" eaLnBrk="1" latinLnBrk="0" hangingPunct="1">
+              <a:lnSpc>
+                <a:spcPct val="90000"/>
+              </a:lnSpc>
+              <a:spcBef>
+                <a:spcPts val="500"/>
+              </a:spcBef>
+              <a:buFont typeface="Arial" panose="020B0604020202020204" pitchFamily="34" charset="0"/>
+              <a:buChar char="•"/>
+              <a:defRPr sz="1800" kern="1200">
+                <a:solidFill>
+                  <a:schemeClr val="tx1"/>
+                </a:solidFill>
+                <a:latin typeface="+mn-lt"/>
+                <a:ea typeface="+mn-ea"/>
+                <a:cs typeface="+mn-cs"/>
+              </a:defRPr>
+            </a:lvl6pPr>
+            <a:lvl7pPr marL="2971800" indent="-228600" algn="l" defTabSz="914400" rtl="0" eaLnBrk="1" latinLnBrk="0" hangingPunct="1">
+              <a:lnSpc>
+                <a:spcPct val="90000"/>
+              </a:lnSpc>
+              <a:spcBef>
+                <a:spcPts val="500"/>
+              </a:spcBef>
+              <a:buFont typeface="Arial" panose="020B0604020202020204" pitchFamily="34" charset="0"/>
+              <a:buChar char="•"/>
+              <a:defRPr sz="1800" kern="1200">
+                <a:solidFill>
+                  <a:schemeClr val="tx1"/>
+                </a:solidFill>
+                <a:latin typeface="+mn-lt"/>
+                <a:ea typeface="+mn-ea"/>
+                <a:cs typeface="+mn-cs"/>
+              </a:defRPr>
+            </a:lvl7pPr>
+            <a:lvl8pPr marL="3429000" indent="-228600" algn="l" defTabSz="914400" rtl="0" eaLnBrk="1" latinLnBrk="0" hangingPunct="1">
+              <a:lnSpc>
+                <a:spcPct val="90000"/>
+              </a:lnSpc>
+              <a:spcBef>
+                <a:spcPts val="500"/>
+              </a:spcBef>
+              <a:buFont typeface="Arial" panose="020B0604020202020204" pitchFamily="34" charset="0"/>
+              <a:buChar char="•"/>
+              <a:defRPr sz="1800" kern="1200">
+                <a:solidFill>
+                  <a:schemeClr val="tx1"/>
+                </a:solidFill>
+                <a:latin typeface="+mn-lt"/>
+                <a:ea typeface="+mn-ea"/>
+                <a:cs typeface="+mn-cs"/>
+              </a:defRPr>
+            </a:lvl8pPr>
+            <a:lvl9pPr marL="3886200" indent="-228600" algn="l" defTabSz="914400" rtl="0" eaLnBrk="1" latinLnBrk="0" hangingPunct="1">
+              <a:lnSpc>
+                <a:spcPct val="90000"/>
+              </a:lnSpc>
+              <a:spcBef>
+                <a:spcPts val="500"/>
+              </a:spcBef>
+              <a:buFont typeface="Arial" panose="020B0604020202020204" pitchFamily="34" charset="0"/>
+              <a:buChar char="•"/>
+              <a:defRPr sz="1800" kern="1200">
+                <a:solidFill>
+                  <a:schemeClr val="tx1"/>
+                </a:solidFill>
+                <a:latin typeface="+mn-lt"/>
+                <a:ea typeface="+mn-ea"/>
+                <a:cs typeface="+mn-cs"/>
+              </a:defRPr>
+            </a:lvl9pPr>
+          </a:lstStyle>
+          <a:p>
+            <a:r>
+              <a:rPr lang="en-US" sz="2000" dirty="0"/>
+              <a:t>Is this the high score? </a:t>
+            </a:r>
+          </a:p>
+          <a:p>
+            <a:r>
+              <a:rPr lang="en-US" sz="2000" dirty="0"/>
+              <a:t>If so, return 1</a:t>
+            </a:r>
+          </a:p>
+          <a:p>
+            <a:r>
+              <a:rPr lang="en-US" sz="2000" dirty="0"/>
+              <a:t>If not, return 0</a:t>
+            </a:r>
+          </a:p>
+        </p:txBody>
+      </p:sp>
+      <p:pic>
+        <p:nvPicPr>
+          <p:cNvPr id="6" name="Content Placeholder 5" descr="Is a high score function call">
+            <a:extLst>
+              <a:ext uri="{FF2B5EF4-FFF2-40B4-BE49-F238E27FC236}">
+                <a16:creationId xmlns:a16="http://schemas.microsoft.com/office/drawing/2014/main" id="{8A0C2CA7-861C-864E-8972-BF0A4C9D76D3}"/>
+              </a:ext>
+            </a:extLst>
+          </p:cNvPr>
+          <p:cNvPicPr>
+            <a:picLocks noGrp="1" noChangeAspect="1"/>
+          </p:cNvPicPr>
+          <p:nvPr>
+            <p:ph sz="half" idx="1"/>
+          </p:nvPr>
+        </p:nvPicPr>
+        <p:blipFill>
+          <a:blip r:embed="rId2"/>
+          <a:stretch>
+            <a:fillRect/>
+          </a:stretch>
+        </p:blipFill>
+        <p:spPr>
+          <a:xfrm>
+            <a:off x="248942" y="1369219"/>
+            <a:ext cx="5010467" cy="800544"/>
+          </a:xfrm>
+        </p:spPr>
+      </p:pic>
+      <p:pic>
+        <p:nvPicPr>
+          <p:cNvPr id="8" name="Picture 7" descr="Graphical user interface, text&#10;&#10;Description automatically generated">
+            <a:extLst>
+              <a:ext uri="{FF2B5EF4-FFF2-40B4-BE49-F238E27FC236}">
+                <a16:creationId xmlns:a16="http://schemas.microsoft.com/office/drawing/2014/main" id="{F6BFE38A-09D4-5F41-ABD7-5F60D48AAA0C}"/>
+              </a:ext>
+            </a:extLst>
+          </p:cNvPr>
+          <p:cNvPicPr>
+            <a:picLocks noChangeAspect="1"/>
+          </p:cNvPicPr>
+          <p:nvPr/>
+        </p:nvPicPr>
+        <p:blipFill>
+          <a:blip r:embed="rId3"/>
+          <a:stretch>
+            <a:fillRect/>
+          </a:stretch>
+        </p:blipFill>
+        <p:spPr>
+          <a:xfrm>
+            <a:off x="248942" y="2571749"/>
+            <a:ext cx="4666545" cy="2297559"/>
+          </a:xfrm>
+          <a:prstGeom prst="rect">
+            <a:avLst/>
+          </a:prstGeom>
+        </p:spPr>
+      </p:pic>
+    </p:spTree>
+    <p:extLst>
+      <p:ext uri="{BB962C8B-B14F-4D97-AF65-F5344CB8AC3E}">
+        <p14:creationId xmlns:p14="http://schemas.microsoft.com/office/powerpoint/2010/main" val="1490838368"/>
+      </p:ext>
+    </p:extLst>
+  </p:cSld>
+  <p:clrMapOvr>
+    <a:masterClrMapping/>
+  </p:clrMapOvr>
+</p:sld>
+</file>
+
+<file path=ppt/slides/slide11.xml><?xml version="1.0" encoding="utf-8"?>
+<p:sld xmlns:a="http://schemas.openxmlformats.org/drawingml/2006/main" xmlns:r="http://schemas.openxmlformats.org/officeDocument/2006/relationships" xmlns:p="http://schemas.openxmlformats.org/presentationml/2006/main">
+  <p:cSld>
+    <p:spTree>
+      <p:nvGrpSpPr>
+        <p:cNvPr id="1" name=""/>
+        <p:cNvGrpSpPr/>
+        <p:nvPr/>
+      </p:nvGrpSpPr>
+      <p:grpSpPr>
+        <a:xfrm>
+          <a:off x="0" y="0"/>
+          <a:ext cx="0" cy="0"/>
+          <a:chOff x="0" y="0"/>
+          <a:chExt cx="0" cy="0"/>
+        </a:xfrm>
+      </p:grpSpPr>
+      <p:sp>
+        <p:nvSpPr>
+          <p:cNvPr id="2" name="Title 1">
+            <a:extLst>
+              <a:ext uri="{FF2B5EF4-FFF2-40B4-BE49-F238E27FC236}">
+                <a16:creationId xmlns:a16="http://schemas.microsoft.com/office/drawing/2014/main" id="{142B44C5-7D46-424A-BA3F-8EC5059074A8}"/>
+              </a:ext>
+            </a:extLst>
+          </p:cNvPr>
+          <p:cNvSpPr>
+            <a:spLocks noGrp="1"/>
+          </p:cNvSpPr>
+          <p:nvPr>
+            <p:ph type="title"/>
+          </p:nvPr>
+        </p:nvSpPr>
+        <p:spPr/>
+        <p:txBody>
+          <a:bodyPr/>
+          <a:lstStyle/>
+          <a:p>
+            <a:r>
+              <a:rPr lang="en-US" dirty="0"/>
+              <a:t>UAF - Challenge</a:t>
+            </a:r>
+          </a:p>
+        </p:txBody>
+      </p:sp>
+      <p:sp>
+        <p:nvSpPr>
+          <p:cNvPr id="3" name="Content Placeholder 2">
+            <a:extLst>
+              <a:ext uri="{FF2B5EF4-FFF2-40B4-BE49-F238E27FC236}">
+                <a16:creationId xmlns:a16="http://schemas.microsoft.com/office/drawing/2014/main" id="{122781D7-B5DC-7342-A22F-35FBC8C8DC13}"/>
+              </a:ext>
+            </a:extLst>
+          </p:cNvPr>
+          <p:cNvSpPr>
+            <a:spLocks noGrp="1"/>
+          </p:cNvSpPr>
+          <p:nvPr>
+            <p:ph idx="1"/>
+          </p:nvPr>
+        </p:nvSpPr>
+        <p:spPr/>
+        <p:txBody>
+          <a:bodyPr>
+            <a:normAutofit lnSpcReduction="10000"/>
+          </a:bodyPr>
+          <a:lstStyle/>
+          <a:p>
+            <a:r>
+              <a:rPr lang="en-US" dirty="0"/>
+              <a:t>Use After Free (UAF) challenge</a:t>
+            </a:r>
+          </a:p>
+          <a:p>
+            <a:r>
+              <a:rPr lang="en-US" dirty="0"/>
+              <a:t>Goal: Get the high score!</a:t>
+            </a:r>
+          </a:p>
+          <a:p>
+            <a:r>
+              <a:rPr lang="en-US" dirty="0"/>
+              <a:t>Options: </a:t>
+            </a:r>
+          </a:p>
+          <a:p>
+            <a:pPr marL="914400" lvl="1" indent="-457200">
+              <a:buFont typeface="+mj-lt"/>
+              <a:buAutoNum type="arabicPeriod"/>
+            </a:pPr>
+            <a:r>
+              <a:rPr lang="en-US" i="1" dirty="0"/>
+              <a:t>malloc</a:t>
+            </a:r>
+            <a:r>
+              <a:rPr lang="en-US" dirty="0"/>
+              <a:t>: Make a new player</a:t>
+            </a:r>
+            <a:endParaRPr lang="en-US" i="1" dirty="0"/>
+          </a:p>
+          <a:p>
+            <a:pPr marL="914400" lvl="1" indent="-457200">
+              <a:buFont typeface="+mj-lt"/>
+              <a:buAutoNum type="arabicPeriod"/>
+            </a:pPr>
+            <a:r>
+              <a:rPr lang="en-US" i="1" dirty="0"/>
+              <a:t>free</a:t>
+            </a:r>
+            <a:r>
+              <a:rPr lang="en-US" dirty="0"/>
+              <a:t>:</a:t>
+            </a:r>
+            <a:r>
+              <a:rPr lang="en-US" i="1" dirty="0"/>
+              <a:t> </a:t>
+            </a:r>
+            <a:r>
+              <a:rPr lang="en-US" dirty="0"/>
+              <a:t>Delete the player</a:t>
+            </a:r>
+          </a:p>
+          <a:p>
+            <a:pPr marL="914400" lvl="1" indent="-457200">
+              <a:buFont typeface="+mj-lt"/>
+              <a:buAutoNum type="arabicPeriod"/>
+            </a:pPr>
+            <a:r>
+              <a:rPr lang="en-US" i="1" dirty="0"/>
+              <a:t>use</a:t>
+            </a:r>
+            <a:r>
+              <a:rPr lang="en-US" dirty="0"/>
+              <a:t>: Play the game!</a:t>
+            </a:r>
+          </a:p>
+          <a:p>
+            <a:pPr marL="914400" lvl="1" indent="-457200">
+              <a:buFont typeface="+mj-lt"/>
+              <a:buAutoNum type="arabicPeriod"/>
+            </a:pPr>
+            <a:r>
+              <a:rPr lang="en-US" dirty="0"/>
+              <a:t>set: The </a:t>
+            </a:r>
+            <a:r>
+              <a:rPr lang="en-US" i="1" dirty="0"/>
+              <a:t>new</a:t>
+            </a:r>
+            <a:r>
+              <a:rPr lang="en-US" dirty="0"/>
+              <a:t> high score to be set (don’t need this for </a:t>
+            </a:r>
+            <a:r>
+              <a:rPr lang="en-US" dirty="0" err="1"/>
+              <a:t>pwn</a:t>
+            </a:r>
+            <a:r>
+              <a:rPr lang="en-US" dirty="0"/>
+              <a:t>!)</a:t>
+            </a:r>
+          </a:p>
+          <a:p>
+            <a:pPr marL="914400" lvl="1" indent="-457200">
+              <a:buFont typeface="+mj-lt"/>
+              <a:buAutoNum type="arabicPeriod"/>
+            </a:pPr>
+            <a:r>
+              <a:rPr lang="en-US" i="1" dirty="0"/>
+              <a:t>won</a:t>
+            </a:r>
+            <a:r>
+              <a:rPr lang="en-US" dirty="0"/>
+              <a:t>: Check to see if you have the high score</a:t>
+            </a:r>
+          </a:p>
+          <a:p>
+            <a:r>
+              <a:rPr lang="en-US" b="1" dirty="0"/>
+              <a:t>Hint: Look at </a:t>
+            </a:r>
+            <a:r>
+              <a:rPr lang="en-US" b="1" i="1" dirty="0"/>
+              <a:t>malloc</a:t>
+            </a:r>
+            <a:r>
+              <a:rPr lang="en-US" b="1" dirty="0"/>
+              <a:t> &amp; </a:t>
+            </a:r>
+            <a:r>
+              <a:rPr lang="en-US" b="1" i="1" dirty="0"/>
+              <a:t>free </a:t>
+            </a:r>
+            <a:r>
+              <a:rPr lang="en-US" b="1" dirty="0"/>
+              <a:t>(heap operations) </a:t>
+            </a:r>
+          </a:p>
+        </p:txBody>
+      </p:sp>
+    </p:spTree>
+    <p:extLst>
+      <p:ext uri="{BB962C8B-B14F-4D97-AF65-F5344CB8AC3E}">
+        <p14:creationId xmlns:p14="http://schemas.microsoft.com/office/powerpoint/2010/main" val="1402329773"/>
+      </p:ext>
+    </p:extLst>
+  </p:cSld>
+  <p:clrMapOvr>
+    <a:masterClrMapping/>
+  </p:clrMapOvr>
+</p:sld>
+</file>
+
+<file path=ppt/slides/slide12.xml><?xml version="1.0" encoding="utf-8"?>
+<p:sld xmlns:a="http://schemas.openxmlformats.org/drawingml/2006/main" xmlns:r="http://schemas.openxmlformats.org/officeDocument/2006/relationships" xmlns:p="http://schemas.openxmlformats.org/presentationml/2006/main">
+  <p:cSld>
+    <p:spTree>
+      <p:nvGrpSpPr>
+        <p:cNvPr id="1" name=""/>
+        <p:cNvGrpSpPr/>
+        <p:nvPr/>
+      </p:nvGrpSpPr>
+      <p:grpSpPr>
+        <a:xfrm>
+          <a:off x="0" y="0"/>
+          <a:ext cx="0" cy="0"/>
+          <a:chOff x="0" y="0"/>
+          <a:chExt cx="0" cy="0"/>
+        </a:xfrm>
+      </p:grpSpPr>
+      <p:sp>
+        <p:nvSpPr>
+          <p:cNvPr id="2" name="Title 1">
+            <a:extLst>
+              <a:ext uri="{FF2B5EF4-FFF2-40B4-BE49-F238E27FC236}">
+                <a16:creationId xmlns:a16="http://schemas.microsoft.com/office/drawing/2014/main" id="{08506B2A-1853-DC4C-8F91-DA7FFFFD7CD8}"/>
+              </a:ext>
+            </a:extLst>
+          </p:cNvPr>
+          <p:cNvSpPr>
+            <a:spLocks noGrp="1"/>
+          </p:cNvSpPr>
+          <p:nvPr>
+            <p:ph type="title"/>
+          </p:nvPr>
+        </p:nvSpPr>
+        <p:spPr>
+          <a:xfrm>
+            <a:off x="628650" y="273847"/>
+            <a:ext cx="7886700" cy="994172"/>
+          </a:xfrm>
+        </p:spPr>
+        <p:txBody>
+          <a:bodyPr anchor="ctr">
+            <a:normAutofit/>
+          </a:bodyPr>
+          <a:lstStyle/>
+          <a:p>
+            <a:r>
+              <a:rPr lang="en-US" dirty="0"/>
+              <a:t>UAF – Solution Diagram 1</a:t>
+            </a:r>
+          </a:p>
+        </p:txBody>
+      </p:sp>
+      <p:sp>
+        <p:nvSpPr>
+          <p:cNvPr id="3" name="Content Placeholder 2">
+            <a:extLst>
+              <a:ext uri="{FF2B5EF4-FFF2-40B4-BE49-F238E27FC236}">
+                <a16:creationId xmlns:a16="http://schemas.microsoft.com/office/drawing/2014/main" id="{7F271F73-3DDC-104B-BA9C-1D75C1191326}"/>
+              </a:ext>
+            </a:extLst>
+          </p:cNvPr>
+          <p:cNvSpPr>
+            <a:spLocks noGrp="1"/>
+          </p:cNvSpPr>
+          <p:nvPr>
+            <p:ph sz="half" idx="1"/>
+          </p:nvPr>
+        </p:nvSpPr>
+        <p:spPr>
+          <a:xfrm>
+            <a:off x="628650" y="1369219"/>
+            <a:ext cx="3886200" cy="3263504"/>
+          </a:xfrm>
+        </p:spPr>
+        <p:txBody>
+          <a:bodyPr>
+            <a:normAutofit/>
+          </a:bodyPr>
+          <a:lstStyle/>
+          <a:p>
+            <a:r>
+              <a:rPr lang="en-US" dirty="0"/>
+              <a:t>Allocate a player</a:t>
+            </a:r>
+          </a:p>
+        </p:txBody>
+      </p:sp>
+      <p:pic>
+        <p:nvPicPr>
+          <p:cNvPr id="5" name="Picture 4" descr="Diagram&#10;&#10;Description automatically generated">
+            <a:extLst>
+              <a:ext uri="{FF2B5EF4-FFF2-40B4-BE49-F238E27FC236}">
+                <a16:creationId xmlns:a16="http://schemas.microsoft.com/office/drawing/2014/main" id="{74FCBF0C-D21E-6A4B-BAFE-2A17B6B17FE6}"/>
+              </a:ext>
+            </a:extLst>
+          </p:cNvPr>
+          <p:cNvPicPr>
+            <a:picLocks noChangeAspect="1"/>
+          </p:cNvPicPr>
+          <p:nvPr/>
+        </p:nvPicPr>
+        <p:blipFill>
+          <a:blip r:embed="rId2"/>
+          <a:stretch>
+            <a:fillRect/>
+          </a:stretch>
+        </p:blipFill>
+        <p:spPr>
+          <a:xfrm>
+            <a:off x="4629150" y="1438395"/>
+            <a:ext cx="3886200" cy="3125152"/>
+          </a:xfrm>
+          <a:prstGeom prst="rect">
+            <a:avLst/>
+          </a:prstGeom>
+          <a:noFill/>
+        </p:spPr>
+      </p:pic>
+    </p:spTree>
+    <p:extLst>
+      <p:ext uri="{BB962C8B-B14F-4D97-AF65-F5344CB8AC3E}">
+        <p14:creationId xmlns:p14="http://schemas.microsoft.com/office/powerpoint/2010/main" val="1653033134"/>
+      </p:ext>
+    </p:extLst>
+  </p:cSld>
+  <p:clrMapOvr>
+    <a:masterClrMapping/>
+  </p:clrMapOvr>
+</p:sld>
+</file>
+
+<file path=ppt/slides/slide13.xml><?xml version="1.0" encoding="utf-8"?>
+<p:sld xmlns:a="http://schemas.openxmlformats.org/drawingml/2006/main" xmlns:r="http://schemas.openxmlformats.org/officeDocument/2006/relationships" xmlns:p="http://schemas.openxmlformats.org/presentationml/2006/main">
+  <p:cSld>
+    <p:spTree>
+      <p:nvGrpSpPr>
+        <p:cNvPr id="1" name=""/>
+        <p:cNvGrpSpPr/>
+        <p:nvPr/>
+      </p:nvGrpSpPr>
+      <p:grpSpPr>
+        <a:xfrm>
+          <a:off x="0" y="0"/>
+          <a:ext cx="0" cy="0"/>
+          <a:chOff x="0" y="0"/>
+          <a:chExt cx="0" cy="0"/>
+        </a:xfrm>
+      </p:grpSpPr>
+      <p:sp>
+        <p:nvSpPr>
+          <p:cNvPr id="2" name="Title 1">
+            <a:extLst>
+              <a:ext uri="{FF2B5EF4-FFF2-40B4-BE49-F238E27FC236}">
+                <a16:creationId xmlns:a16="http://schemas.microsoft.com/office/drawing/2014/main" id="{08506B2A-1853-DC4C-8F91-DA7FFFFD7CD8}"/>
+              </a:ext>
+            </a:extLst>
+          </p:cNvPr>
+          <p:cNvSpPr>
+            <a:spLocks noGrp="1"/>
+          </p:cNvSpPr>
+          <p:nvPr>
+            <p:ph type="title"/>
+          </p:nvPr>
+        </p:nvSpPr>
+        <p:spPr>
+          <a:xfrm>
+            <a:off x="628650" y="273847"/>
+            <a:ext cx="7886700" cy="994172"/>
+          </a:xfrm>
+        </p:spPr>
+        <p:txBody>
+          <a:bodyPr anchor="ctr">
+            <a:normAutofit/>
+          </a:bodyPr>
+          <a:lstStyle/>
+          <a:p>
+            <a:r>
+              <a:rPr lang="en-US" dirty="0"/>
+              <a:t>UAF – Solution Diagram 2</a:t>
+            </a:r>
+          </a:p>
+        </p:txBody>
+      </p:sp>
+      <p:sp>
+        <p:nvSpPr>
+          <p:cNvPr id="3" name="Content Placeholder 2">
+            <a:extLst>
+              <a:ext uri="{FF2B5EF4-FFF2-40B4-BE49-F238E27FC236}">
+                <a16:creationId xmlns:a16="http://schemas.microsoft.com/office/drawing/2014/main" id="{7F271F73-3DDC-104B-BA9C-1D75C1191326}"/>
+              </a:ext>
+            </a:extLst>
+          </p:cNvPr>
+          <p:cNvSpPr>
+            <a:spLocks noGrp="1"/>
+          </p:cNvSpPr>
+          <p:nvPr>
+            <p:ph sz="half" idx="1"/>
+          </p:nvPr>
+        </p:nvSpPr>
+        <p:spPr>
+          <a:xfrm>
+            <a:off x="628650" y="1369219"/>
+            <a:ext cx="3886200" cy="3263504"/>
+          </a:xfrm>
+        </p:spPr>
+        <p:txBody>
+          <a:bodyPr>
+            <a:normAutofit/>
+          </a:bodyPr>
+          <a:lstStyle/>
+          <a:p>
+            <a:r>
+              <a:rPr lang="en-US" dirty="0"/>
+              <a:t>Free (reset) a player</a:t>
+            </a:r>
+          </a:p>
+          <a:p>
+            <a:r>
+              <a:rPr lang="en-US" dirty="0"/>
+              <a:t>Puts a </a:t>
+            </a:r>
+            <a:r>
+              <a:rPr lang="en-US" i="1" dirty="0"/>
+              <a:t>chunk</a:t>
+            </a:r>
+            <a:r>
+              <a:rPr lang="en-US" dirty="0"/>
+              <a:t> into the </a:t>
+            </a:r>
+            <a:r>
+              <a:rPr lang="en-US" dirty="0" err="1"/>
+              <a:t>tcache</a:t>
+            </a:r>
+            <a:endParaRPr lang="en-US" dirty="0"/>
+          </a:p>
+          <a:p>
+            <a:r>
+              <a:rPr lang="en-US" dirty="0"/>
+              <a:t>Creates a UAF on the </a:t>
+            </a:r>
+            <a:r>
+              <a:rPr lang="en-US" i="1" dirty="0"/>
+              <a:t>player </a:t>
+            </a:r>
+            <a:r>
+              <a:rPr lang="en-US" dirty="0"/>
+              <a:t>struct</a:t>
+            </a:r>
+          </a:p>
+        </p:txBody>
+      </p:sp>
+      <p:pic>
+        <p:nvPicPr>
+          <p:cNvPr id="8" name="Picture 7" descr="Free the player struct">
+            <a:extLst>
+              <a:ext uri="{FF2B5EF4-FFF2-40B4-BE49-F238E27FC236}">
+                <a16:creationId xmlns:a16="http://schemas.microsoft.com/office/drawing/2014/main" id="{545C6C7E-195D-2B41-A6B9-D3470285E14F}"/>
+              </a:ext>
+            </a:extLst>
+          </p:cNvPr>
+          <p:cNvPicPr>
+            <a:picLocks noChangeAspect="1"/>
+          </p:cNvPicPr>
+          <p:nvPr/>
+        </p:nvPicPr>
+        <p:blipFill>
+          <a:blip r:embed="rId2"/>
+          <a:stretch>
+            <a:fillRect/>
+          </a:stretch>
+        </p:blipFill>
+        <p:spPr>
+          <a:xfrm>
+            <a:off x="4413314" y="1369218"/>
+            <a:ext cx="3886199" cy="3108959"/>
+          </a:xfrm>
+          <a:prstGeom prst="rect">
+            <a:avLst/>
+          </a:prstGeom>
+        </p:spPr>
+      </p:pic>
+    </p:spTree>
+    <p:extLst>
+      <p:ext uri="{BB962C8B-B14F-4D97-AF65-F5344CB8AC3E}">
+        <p14:creationId xmlns:p14="http://schemas.microsoft.com/office/powerpoint/2010/main" val="3826566874"/>
+      </p:ext>
+    </p:extLst>
+  </p:cSld>
+  <p:clrMapOvr>
+    <a:masterClrMapping/>
+  </p:clrMapOvr>
+</p:sld>
+</file>
+
+<file path=ppt/slides/slide14.xml><?xml version="1.0" encoding="utf-8"?>
+<p:sld xmlns:a="http://schemas.openxmlformats.org/drawingml/2006/main" xmlns:r="http://schemas.openxmlformats.org/officeDocument/2006/relationships" xmlns:p="http://schemas.openxmlformats.org/presentationml/2006/main">
+  <p:cSld>
+    <p:spTree>
+      <p:nvGrpSpPr>
+        <p:cNvPr id="1" name=""/>
+        <p:cNvGrpSpPr/>
+        <p:nvPr/>
+      </p:nvGrpSpPr>
+      <p:grpSpPr>
+        <a:xfrm>
+          <a:off x="0" y="0"/>
+          <a:ext cx="0" cy="0"/>
+          <a:chOff x="0" y="0"/>
+          <a:chExt cx="0" cy="0"/>
+        </a:xfrm>
+      </p:grpSpPr>
+      <p:sp>
+        <p:nvSpPr>
+          <p:cNvPr id="2" name="Title 1">
+            <a:extLst>
+              <a:ext uri="{FF2B5EF4-FFF2-40B4-BE49-F238E27FC236}">
+                <a16:creationId xmlns:a16="http://schemas.microsoft.com/office/drawing/2014/main" id="{08506B2A-1853-DC4C-8F91-DA7FFFFD7CD8}"/>
+              </a:ext>
+            </a:extLst>
+          </p:cNvPr>
+          <p:cNvSpPr>
+            <a:spLocks noGrp="1"/>
+          </p:cNvSpPr>
+          <p:nvPr>
+            <p:ph type="title"/>
+          </p:nvPr>
+        </p:nvSpPr>
+        <p:spPr>
+          <a:xfrm>
+            <a:off x="628650" y="273847"/>
+            <a:ext cx="7886700" cy="994172"/>
+          </a:xfrm>
+        </p:spPr>
+        <p:txBody>
+          <a:bodyPr anchor="ctr">
+            <a:normAutofit/>
+          </a:bodyPr>
+          <a:lstStyle/>
+          <a:p>
+            <a:r>
+              <a:rPr lang="en-US" dirty="0"/>
+              <a:t>UAF – Solution Diagram 3</a:t>
+            </a:r>
+          </a:p>
+        </p:txBody>
+      </p:sp>
+      <p:sp>
+        <p:nvSpPr>
+          <p:cNvPr id="3" name="Content Placeholder 2">
+            <a:extLst>
+              <a:ext uri="{FF2B5EF4-FFF2-40B4-BE49-F238E27FC236}">
+                <a16:creationId xmlns:a16="http://schemas.microsoft.com/office/drawing/2014/main" id="{7F271F73-3DDC-104B-BA9C-1D75C1191326}"/>
+              </a:ext>
+            </a:extLst>
+          </p:cNvPr>
+          <p:cNvSpPr>
+            <a:spLocks noGrp="1"/>
+          </p:cNvSpPr>
+          <p:nvPr>
+            <p:ph sz="half" idx="1"/>
+          </p:nvPr>
+        </p:nvSpPr>
+        <p:spPr>
+          <a:xfrm>
+            <a:off x="628650" y="1369219"/>
+            <a:ext cx="3886200" cy="3263504"/>
+          </a:xfrm>
+        </p:spPr>
+        <p:txBody>
+          <a:bodyPr>
+            <a:normAutofit/>
+          </a:bodyPr>
+          <a:lstStyle/>
+          <a:p>
+            <a:r>
+              <a:rPr lang="en-US" dirty="0"/>
+              <a:t>Play</a:t>
+            </a:r>
+          </a:p>
+          <a:p>
+            <a:r>
+              <a:rPr lang="en-US" dirty="0"/>
+              <a:t>Allocates a chunk of size 0x20</a:t>
+            </a:r>
+          </a:p>
+        </p:txBody>
+      </p:sp>
+      <p:pic>
+        <p:nvPicPr>
+          <p:cNvPr id="5" name="Picture 4" descr="Allocate the 'parray'">
+            <a:extLst>
+              <a:ext uri="{FF2B5EF4-FFF2-40B4-BE49-F238E27FC236}">
+                <a16:creationId xmlns:a16="http://schemas.microsoft.com/office/drawing/2014/main" id="{5B680900-BB7C-D940-AE9C-CE6E80094A68}"/>
+              </a:ext>
+            </a:extLst>
+          </p:cNvPr>
+          <p:cNvPicPr>
+            <a:picLocks noChangeAspect="1"/>
+          </p:cNvPicPr>
+          <p:nvPr/>
+        </p:nvPicPr>
+        <p:blipFill>
+          <a:blip r:embed="rId2"/>
+          <a:stretch>
+            <a:fillRect/>
+          </a:stretch>
+        </p:blipFill>
+        <p:spPr>
+          <a:xfrm>
+            <a:off x="4244613" y="1268018"/>
+            <a:ext cx="3579633" cy="3272807"/>
+          </a:xfrm>
+          <a:prstGeom prst="rect">
+            <a:avLst/>
+          </a:prstGeom>
+        </p:spPr>
+      </p:pic>
+    </p:spTree>
+    <p:extLst>
+      <p:ext uri="{BB962C8B-B14F-4D97-AF65-F5344CB8AC3E}">
+        <p14:creationId xmlns:p14="http://schemas.microsoft.com/office/powerpoint/2010/main" val="3216247816"/>
+      </p:ext>
+    </p:extLst>
+  </p:cSld>
+  <p:clrMapOvr>
+    <a:masterClrMapping/>
+  </p:clrMapOvr>
+</p:sld>
+</file>
+
+<file path=ppt/slides/slide15.xml><?xml version="1.0" encoding="utf-8"?>
+<p:sld xmlns:a="http://schemas.openxmlformats.org/drawingml/2006/main" xmlns:r="http://schemas.openxmlformats.org/officeDocument/2006/relationships" xmlns:p="http://schemas.openxmlformats.org/presentationml/2006/main">
+  <p:cSld>
+    <p:spTree>
+      <p:nvGrpSpPr>
+        <p:cNvPr id="1" name=""/>
+        <p:cNvGrpSpPr/>
+        <p:nvPr/>
+      </p:nvGrpSpPr>
+      <p:grpSpPr>
+        <a:xfrm>
+          <a:off x="0" y="0"/>
+          <a:ext cx="0" cy="0"/>
+          <a:chOff x="0" y="0"/>
+          <a:chExt cx="0" cy="0"/>
+        </a:xfrm>
+      </p:grpSpPr>
+      <p:sp>
+        <p:nvSpPr>
+          <p:cNvPr id="2" name="Title 1">
+            <a:extLst>
+              <a:ext uri="{FF2B5EF4-FFF2-40B4-BE49-F238E27FC236}">
                 <a16:creationId xmlns:a16="http://schemas.microsoft.com/office/drawing/2014/main" id="{08506B2A-1853-DC4C-8F91-DA7FFFFD7CD8}"/>
               </a:ext>
             </a:extLst>
@@ -20411,7 +21448,7 @@
 </p:sld>
 </file>
 
-<file path=ppt/slides/slide11.xml><?xml version="1.0" encoding="utf-8"?>
+<file path=ppt/slides/slide16.xml><?xml version="1.0" encoding="utf-8"?>
 <p:sld xmlns:a="http://schemas.openxmlformats.org/drawingml/2006/main" xmlns:r="http://schemas.openxmlformats.org/officeDocument/2006/relationships" xmlns:p="http://schemas.openxmlformats.org/presentationml/2006/main">
   <p:cSld>
     <p:spTree>
@@ -20571,7 +21608,7 @@
 </p:sld>
 </file>
 
-<file path=ppt/slides/slide12.xml><?xml version="1.0" encoding="utf-8"?>
+<file path=ppt/slides/slide17.xml><?xml version="1.0" encoding="utf-8"?>
 <p:sld xmlns:a="http://schemas.openxmlformats.org/drawingml/2006/main" xmlns:r="http://schemas.openxmlformats.org/officeDocument/2006/relationships" xmlns:p="http://schemas.openxmlformats.org/presentationml/2006/main">
   <p:cSld>
     <p:spTree>
@@ -20724,7 +21761,7 @@
 </p:sld>
 </file>
 
-<file path=ppt/slides/slide13.xml><?xml version="1.0" encoding="utf-8"?>
+<file path=ppt/slides/slide18.xml><?xml version="1.0" encoding="utf-8"?>
 <p:sld xmlns:a="http://schemas.openxmlformats.org/drawingml/2006/main" xmlns:r="http://schemas.openxmlformats.org/officeDocument/2006/relationships" xmlns:p="http://schemas.openxmlformats.org/presentationml/2006/main">
   <p:cSld>
     <p:spTree>
@@ -20820,7 +21857,7 @@
 </p:sld>
 </file>
 
-<file path=ppt/slides/slide14.xml><?xml version="1.0" encoding="utf-8"?>
+<file path=ppt/slides/slide19.xml><?xml version="1.0" encoding="utf-8"?>
 <p:sld xmlns:a="http://schemas.openxmlformats.org/drawingml/2006/main" xmlns:r="http://schemas.openxmlformats.org/officeDocument/2006/relationships" xmlns:p="http://schemas.openxmlformats.org/presentationml/2006/main">
   <p:cSld>
     <p:spTree>
@@ -20942,884 +21979,6 @@
     <p:extLst>
       <p:ext uri="{BB962C8B-B14F-4D97-AF65-F5344CB8AC3E}">
         <p14:creationId xmlns:p14="http://schemas.microsoft.com/office/powerpoint/2010/main" val="2204825936"/>
-      </p:ext>
-    </p:extLst>
-  </p:cSld>
-  <p:clrMapOvr>
-    <a:masterClrMapping/>
-  </p:clrMapOvr>
-</p:sld>
-</file>
-
-<file path=ppt/slides/slide15.xml><?xml version="1.0" encoding="utf-8"?>
-<p:sld xmlns:a="http://schemas.openxmlformats.org/drawingml/2006/main" xmlns:r="http://schemas.openxmlformats.org/officeDocument/2006/relationships" xmlns:p="http://schemas.openxmlformats.org/presentationml/2006/main">
-  <p:cSld>
-    <p:spTree>
-      <p:nvGrpSpPr>
-        <p:cNvPr id="1" name=""/>
-        <p:cNvGrpSpPr/>
-        <p:nvPr/>
-      </p:nvGrpSpPr>
-      <p:grpSpPr>
-        <a:xfrm>
-          <a:off x="0" y="0"/>
-          <a:ext cx="0" cy="0"/>
-          <a:chOff x="0" y="0"/>
-          <a:chExt cx="0" cy="0"/>
-        </a:xfrm>
-      </p:grpSpPr>
-      <p:sp>
-        <p:nvSpPr>
-          <p:cNvPr id="2" name="Title 1">
-            <a:extLst>
-              <a:ext uri="{FF2B5EF4-FFF2-40B4-BE49-F238E27FC236}">
-                <a16:creationId xmlns:a16="http://schemas.microsoft.com/office/drawing/2014/main" id="{8D5D5255-5C3A-324A-851B-0896CEF58412}"/>
-              </a:ext>
-            </a:extLst>
-          </p:cNvPr>
-          <p:cNvSpPr>
-            <a:spLocks noGrp="1"/>
-          </p:cNvSpPr>
-          <p:nvPr>
-            <p:ph type="title"/>
-          </p:nvPr>
-        </p:nvSpPr>
-        <p:spPr>
-          <a:xfrm>
-            <a:off x="628650" y="273847"/>
-            <a:ext cx="7886700" cy="994172"/>
-          </a:xfrm>
-        </p:spPr>
-        <p:txBody>
-          <a:bodyPr/>
-          <a:lstStyle/>
-          <a:p>
-            <a:r>
-              <a:rPr lang="en-US" dirty="0"/>
-              <a:t>Hotel Analogy – Double Free</a:t>
-            </a:r>
-          </a:p>
-        </p:txBody>
-      </p:sp>
-      <p:sp>
-        <p:nvSpPr>
-          <p:cNvPr id="3" name="Content Placeholder 2">
-            <a:extLst>
-              <a:ext uri="{FF2B5EF4-FFF2-40B4-BE49-F238E27FC236}">
-                <a16:creationId xmlns:a16="http://schemas.microsoft.com/office/drawing/2014/main" id="{75352BDB-48CE-8747-9D30-27CD1084013A}"/>
-              </a:ext>
-            </a:extLst>
-          </p:cNvPr>
-          <p:cNvSpPr>
-            <a:spLocks noGrp="1"/>
-          </p:cNvSpPr>
-          <p:nvPr>
-            <p:ph idx="1"/>
-          </p:nvPr>
-        </p:nvSpPr>
-        <p:spPr>
-          <a:xfrm>
-            <a:off x="628650" y="1236541"/>
-            <a:ext cx="5141835" cy="3263504"/>
-          </a:xfrm>
-        </p:spPr>
-        <p:txBody>
-          <a:bodyPr>
-            <a:normAutofit/>
-          </a:bodyPr>
-          <a:lstStyle/>
-          <a:p>
-            <a:r>
-              <a:rPr lang="en-US" dirty="0"/>
-              <a:t>The </a:t>
-            </a:r>
-            <a:r>
-              <a:rPr lang="en-US" i="1" dirty="0"/>
-              <a:t>memory</a:t>
-            </a:r>
-            <a:r>
-              <a:rPr lang="en-US" dirty="0"/>
-              <a:t> </a:t>
-            </a:r>
-            <a:r>
-              <a:rPr lang="en-US" i="1" dirty="0"/>
-              <a:t>allocator</a:t>
-            </a:r>
-            <a:r>
-              <a:rPr lang="en-US" dirty="0"/>
-              <a:t> is the </a:t>
-            </a:r>
-            <a:r>
-              <a:rPr lang="en-US" b="1" i="1" dirty="0"/>
-              <a:t>hotel</a:t>
-            </a:r>
-            <a:endParaRPr lang="en-US" b="1" dirty="0"/>
-          </a:p>
-          <a:p>
-            <a:r>
-              <a:rPr lang="en-US" dirty="0"/>
-              <a:t>A piece of</a:t>
-            </a:r>
-            <a:r>
-              <a:rPr lang="en-US" i="1" dirty="0"/>
-              <a:t> memory</a:t>
-            </a:r>
-            <a:r>
-              <a:rPr lang="en-US" dirty="0"/>
-              <a:t> is a </a:t>
-            </a:r>
-            <a:r>
-              <a:rPr lang="en-US" i="1" dirty="0"/>
-              <a:t>hotel</a:t>
-            </a:r>
-            <a:r>
-              <a:rPr lang="en-US" dirty="0"/>
-              <a:t> </a:t>
-            </a:r>
-            <a:r>
-              <a:rPr lang="en-US" b="1" i="1" dirty="0"/>
-              <a:t>room</a:t>
-            </a:r>
-          </a:p>
-          <a:p>
-            <a:r>
-              <a:rPr lang="en-US" dirty="0"/>
-              <a:t>A </a:t>
-            </a:r>
-            <a:r>
-              <a:rPr lang="en-US" i="1" dirty="0"/>
-              <a:t>pointer </a:t>
-            </a:r>
-            <a:r>
-              <a:rPr lang="en-US" dirty="0"/>
-              <a:t>is the </a:t>
-            </a:r>
-            <a:r>
-              <a:rPr lang="en-US" i="1" dirty="0"/>
-              <a:t>room key</a:t>
-            </a:r>
-          </a:p>
-          <a:p>
-            <a:r>
-              <a:rPr lang="en-US" dirty="0"/>
-              <a:t>What would happen if you </a:t>
-            </a:r>
-            <a:r>
-              <a:rPr lang="en-US" i="1" dirty="0"/>
-              <a:t>checked out </a:t>
-            </a:r>
-            <a:r>
-              <a:rPr lang="en-US" b="1" i="1" dirty="0"/>
-              <a:t>twice</a:t>
-            </a:r>
-            <a:r>
-              <a:rPr lang="en-US" dirty="0"/>
-              <a:t>?</a:t>
-            </a:r>
-          </a:p>
-          <a:p>
-            <a:pPr lvl="1"/>
-            <a:r>
-              <a:rPr lang="en-US" dirty="0"/>
-              <a:t>Room can be assigned to </a:t>
-            </a:r>
-            <a:r>
-              <a:rPr lang="en-US" b="1" i="1" dirty="0"/>
-              <a:t>two </a:t>
-            </a:r>
-            <a:r>
-              <a:rPr lang="en-US" dirty="0"/>
-              <a:t>people</a:t>
-            </a:r>
-          </a:p>
-        </p:txBody>
-      </p:sp>
-      <p:pic>
-        <p:nvPicPr>
-          <p:cNvPr id="4104" name="Picture 8" descr="Receptionist giving key card to businesswoman at hotel front desk Stock  Photo - Alamy">
-            <a:extLst>
-              <a:ext uri="{FF2B5EF4-FFF2-40B4-BE49-F238E27FC236}">
-                <a16:creationId xmlns:a16="http://schemas.microsoft.com/office/drawing/2014/main" id="{9E5CBA24-50D7-D548-9A3B-277EB3D5081B}"/>
-              </a:ext>
-            </a:extLst>
-          </p:cNvPr>
-          <p:cNvPicPr>
-            <a:picLocks noChangeAspect="1" noChangeArrowheads="1"/>
-          </p:cNvPicPr>
-          <p:nvPr/>
-        </p:nvPicPr>
-        <p:blipFill rotWithShape="1">
-          <a:blip r:embed="rId2">
-            <a:extLst>
-              <a:ext uri="{28A0092B-C50C-407E-A947-70E740481C1C}">
-                <a14:useLocalDpi xmlns:a14="http://schemas.microsoft.com/office/drawing/2010/main" val="0"/>
-              </a:ext>
-            </a:extLst>
-          </a:blip>
-          <a:srcRect b="10255"/>
-          <a:stretch/>
-        </p:blipFill>
-        <p:spPr bwMode="auto">
-          <a:xfrm>
-            <a:off x="5772573" y="1092848"/>
-            <a:ext cx="3256998" cy="2147502"/>
-          </a:xfrm>
-          <a:prstGeom prst="rect">
-            <a:avLst/>
-          </a:prstGeom>
-          <a:noFill/>
-          <a:extLst>
-            <a:ext uri="{909E8E84-426E-40DD-AFC4-6F175D3DCCD1}">
-              <a14:hiddenFill xmlns:a14="http://schemas.microsoft.com/office/drawing/2010/main">
-                <a:solidFill>
-                  <a:srgbClr val="FFFFFF"/>
-                </a:solidFill>
-              </a14:hiddenFill>
-            </a:ext>
-          </a:extLst>
-        </p:spPr>
-      </p:pic>
-    </p:spTree>
-    <p:extLst>
-      <p:ext uri="{BB962C8B-B14F-4D97-AF65-F5344CB8AC3E}">
-        <p14:creationId xmlns:p14="http://schemas.microsoft.com/office/powerpoint/2010/main" val="2611670868"/>
-      </p:ext>
-    </p:extLst>
-  </p:cSld>
-  <p:clrMapOvr>
-    <a:masterClrMapping/>
-  </p:clrMapOvr>
-</p:sld>
-</file>
-
-<file path=ppt/slides/slide16.xml><?xml version="1.0" encoding="utf-8"?>
-<p:sld xmlns:a="http://schemas.openxmlformats.org/drawingml/2006/main" xmlns:r="http://schemas.openxmlformats.org/officeDocument/2006/relationships" xmlns:p="http://schemas.openxmlformats.org/presentationml/2006/main">
-  <p:cSld>
-    <p:spTree>
-      <p:nvGrpSpPr>
-        <p:cNvPr id="1" name=""/>
-        <p:cNvGrpSpPr/>
-        <p:nvPr/>
-      </p:nvGrpSpPr>
-      <p:grpSpPr>
-        <a:xfrm>
-          <a:off x="0" y="0"/>
-          <a:ext cx="0" cy="0"/>
-          <a:chOff x="0" y="0"/>
-          <a:chExt cx="0" cy="0"/>
-        </a:xfrm>
-      </p:grpSpPr>
-      <p:sp>
-        <p:nvSpPr>
-          <p:cNvPr id="2" name="Title 1">
-            <a:extLst>
-              <a:ext uri="{FF2B5EF4-FFF2-40B4-BE49-F238E27FC236}">
-                <a16:creationId xmlns:a16="http://schemas.microsoft.com/office/drawing/2014/main" id="{B96AEEFD-8C87-5049-93EE-4881231E54AA}"/>
-              </a:ext>
-            </a:extLst>
-          </p:cNvPr>
-          <p:cNvSpPr>
-            <a:spLocks noGrp="1"/>
-          </p:cNvSpPr>
-          <p:nvPr>
-            <p:ph type="title"/>
-          </p:nvPr>
-        </p:nvSpPr>
-        <p:spPr/>
-        <p:txBody>
-          <a:bodyPr>
-            <a:normAutofit fontScale="90000"/>
-          </a:bodyPr>
-          <a:lstStyle/>
-          <a:p>
-            <a:r>
-              <a:rPr lang="en-US" dirty="0"/>
-              <a:t>Double Free Explanation Diagram - 1</a:t>
-            </a:r>
-          </a:p>
-        </p:txBody>
-      </p:sp>
-      <p:sp>
-        <p:nvSpPr>
-          <p:cNvPr id="3" name="Content Placeholder 2">
-            <a:extLst>
-              <a:ext uri="{FF2B5EF4-FFF2-40B4-BE49-F238E27FC236}">
-                <a16:creationId xmlns:a16="http://schemas.microsoft.com/office/drawing/2014/main" id="{5AC94C9E-F4DE-CE4F-9B96-A0083FA4E74D}"/>
-              </a:ext>
-            </a:extLst>
-          </p:cNvPr>
-          <p:cNvSpPr>
-            <a:spLocks noGrp="1"/>
-          </p:cNvSpPr>
-          <p:nvPr>
-            <p:ph idx="1"/>
-          </p:nvPr>
-        </p:nvSpPr>
-        <p:spPr>
-          <a:xfrm>
-            <a:off x="628649" y="1236541"/>
-            <a:ext cx="4189535" cy="3263504"/>
-          </a:xfrm>
-        </p:spPr>
-        <p:txBody>
-          <a:bodyPr/>
-          <a:lstStyle/>
-          <a:p>
-            <a:r>
-              <a:rPr lang="en-US" dirty="0"/>
-              <a:t>Allocate a Pointer with Malloc</a:t>
-            </a:r>
-          </a:p>
-          <a:p>
-            <a:r>
-              <a:rPr lang="en-US" dirty="0"/>
-              <a:t>Free the same pointer </a:t>
-            </a:r>
-            <a:r>
-              <a:rPr lang="en-US" b="1" i="1" dirty="0"/>
-              <a:t>twice</a:t>
-            </a:r>
-            <a:endParaRPr lang="en-US" b="1" dirty="0"/>
-          </a:p>
-          <a:p>
-            <a:pPr lvl="1"/>
-            <a:r>
-              <a:rPr lang="en-US" dirty="0"/>
-              <a:t>A bin has TWO pointers to the same memory</a:t>
-            </a:r>
-          </a:p>
-          <a:p>
-            <a:pPr lvl="1"/>
-            <a:r>
-              <a:rPr lang="en-US" dirty="0"/>
-              <a:t>Chunk 1 is in the bin TWICE</a:t>
-            </a:r>
-          </a:p>
-        </p:txBody>
-      </p:sp>
-      <p:pic>
-        <p:nvPicPr>
-          <p:cNvPr id="5" name="Picture 4" descr="Diagram&#10;&#10;Description automatically generated">
-            <a:extLst>
-              <a:ext uri="{FF2B5EF4-FFF2-40B4-BE49-F238E27FC236}">
-                <a16:creationId xmlns:a16="http://schemas.microsoft.com/office/drawing/2014/main" id="{2CEFAE74-DCBE-E942-A248-150D5FF687D8}"/>
-              </a:ext>
-            </a:extLst>
-          </p:cNvPr>
-          <p:cNvPicPr>
-            <a:picLocks noChangeAspect="1"/>
-          </p:cNvPicPr>
-          <p:nvPr/>
-        </p:nvPicPr>
-        <p:blipFill>
-          <a:blip r:embed="rId2"/>
-          <a:stretch>
-            <a:fillRect/>
-          </a:stretch>
-        </p:blipFill>
-        <p:spPr>
-          <a:xfrm>
-            <a:off x="5032048" y="1583104"/>
-            <a:ext cx="3140405" cy="1977292"/>
-          </a:xfrm>
-          <a:prstGeom prst="rect">
-            <a:avLst/>
-          </a:prstGeom>
-        </p:spPr>
-      </p:pic>
-    </p:spTree>
-    <p:extLst>
-      <p:ext uri="{BB962C8B-B14F-4D97-AF65-F5344CB8AC3E}">
-        <p14:creationId xmlns:p14="http://schemas.microsoft.com/office/powerpoint/2010/main" val="3907661426"/>
-      </p:ext>
-    </p:extLst>
-  </p:cSld>
-  <p:clrMapOvr>
-    <a:masterClrMapping/>
-  </p:clrMapOvr>
-</p:sld>
-</file>
-
-<file path=ppt/slides/slide17.xml><?xml version="1.0" encoding="utf-8"?>
-<p:sld xmlns:a="http://schemas.openxmlformats.org/drawingml/2006/main" xmlns:r="http://schemas.openxmlformats.org/officeDocument/2006/relationships" xmlns:p="http://schemas.openxmlformats.org/presentationml/2006/main">
-  <p:cSld>
-    <p:spTree>
-      <p:nvGrpSpPr>
-        <p:cNvPr id="1" name=""/>
-        <p:cNvGrpSpPr/>
-        <p:nvPr/>
-      </p:nvGrpSpPr>
-      <p:grpSpPr>
-        <a:xfrm>
-          <a:off x="0" y="0"/>
-          <a:ext cx="0" cy="0"/>
-          <a:chOff x="0" y="0"/>
-          <a:chExt cx="0" cy="0"/>
-        </a:xfrm>
-      </p:grpSpPr>
-      <p:sp>
-        <p:nvSpPr>
-          <p:cNvPr id="2" name="Title 1">
-            <a:extLst>
-              <a:ext uri="{FF2B5EF4-FFF2-40B4-BE49-F238E27FC236}">
-                <a16:creationId xmlns:a16="http://schemas.microsoft.com/office/drawing/2014/main" id="{82C97AC5-8486-D243-9959-6788352AAC63}"/>
-              </a:ext>
-            </a:extLst>
-          </p:cNvPr>
-          <p:cNvSpPr>
-            <a:spLocks noGrp="1"/>
-          </p:cNvSpPr>
-          <p:nvPr>
-            <p:ph type="title"/>
-          </p:nvPr>
-        </p:nvSpPr>
-        <p:spPr/>
-        <p:txBody>
-          <a:bodyPr>
-            <a:normAutofit fontScale="90000"/>
-          </a:bodyPr>
-          <a:lstStyle/>
-          <a:p>
-            <a:r>
-              <a:rPr lang="en-US" dirty="0"/>
-              <a:t>Double Free Explanation Diagram - 2</a:t>
-            </a:r>
-          </a:p>
-        </p:txBody>
-      </p:sp>
-      <p:pic>
-        <p:nvPicPr>
-          <p:cNvPr id="7" name="Picture 6" descr="Use after free diagram">
-            <a:extLst>
-              <a:ext uri="{FF2B5EF4-FFF2-40B4-BE49-F238E27FC236}">
-                <a16:creationId xmlns:a16="http://schemas.microsoft.com/office/drawing/2014/main" id="{F3F928AE-AE85-CB48-AABF-329E098F7A9C}"/>
-              </a:ext>
-            </a:extLst>
-          </p:cNvPr>
-          <p:cNvPicPr>
-            <a:picLocks noChangeAspect="1"/>
-          </p:cNvPicPr>
-          <p:nvPr/>
-        </p:nvPicPr>
-        <p:blipFill>
-          <a:blip r:embed="rId2"/>
-          <a:stretch>
-            <a:fillRect/>
-          </a:stretch>
-        </p:blipFill>
-        <p:spPr>
-          <a:xfrm>
-            <a:off x="485529" y="1268019"/>
-            <a:ext cx="5220677" cy="2610339"/>
-          </a:xfrm>
-          <a:prstGeom prst="rect">
-            <a:avLst/>
-          </a:prstGeom>
-        </p:spPr>
-      </p:pic>
-      <p:sp>
-        <p:nvSpPr>
-          <p:cNvPr id="8" name="Content Placeholder 2">
-            <a:extLst>
-              <a:ext uri="{FF2B5EF4-FFF2-40B4-BE49-F238E27FC236}">
-                <a16:creationId xmlns:a16="http://schemas.microsoft.com/office/drawing/2014/main" id="{D976A450-4C7A-4F49-A7FF-D29C8F0F06D2}"/>
-              </a:ext>
-            </a:extLst>
-          </p:cNvPr>
-          <p:cNvSpPr>
-            <a:spLocks noGrp="1"/>
-          </p:cNvSpPr>
-          <p:nvPr>
-            <p:ph idx="1"/>
-          </p:nvPr>
-        </p:nvSpPr>
-        <p:spPr>
-          <a:xfrm>
-            <a:off x="6057900" y="1272984"/>
-            <a:ext cx="2731591" cy="3263504"/>
-          </a:xfrm>
-        </p:spPr>
-        <p:txBody>
-          <a:bodyPr/>
-          <a:lstStyle/>
-          <a:p>
-            <a:r>
-              <a:rPr lang="en-US" dirty="0"/>
-              <a:t>Allocate </a:t>
-            </a:r>
-            <a:r>
-              <a:rPr lang="en-US" b="1" i="1" dirty="0"/>
-              <a:t>two</a:t>
-            </a:r>
-            <a:r>
-              <a:rPr lang="en-US" dirty="0"/>
-              <a:t> chunks</a:t>
-            </a:r>
-          </a:p>
-          <a:p>
-            <a:r>
-              <a:rPr lang="en-US" dirty="0"/>
-              <a:t>Both pointers can edit/view the same memory!</a:t>
-            </a:r>
-          </a:p>
-          <a:p>
-            <a:r>
-              <a:rPr lang="en-US" dirty="0"/>
-              <a:t>Same as UAF, just an extra step </a:t>
-            </a:r>
-          </a:p>
-        </p:txBody>
-      </p:sp>
-    </p:spTree>
-    <p:extLst>
-      <p:ext uri="{BB962C8B-B14F-4D97-AF65-F5344CB8AC3E}">
-        <p14:creationId xmlns:p14="http://schemas.microsoft.com/office/powerpoint/2010/main" val="3062657661"/>
-      </p:ext>
-    </p:extLst>
-  </p:cSld>
-  <p:clrMapOvr>
-    <a:masterClrMapping/>
-  </p:clrMapOvr>
-</p:sld>
-</file>
-
-<file path=ppt/slides/slide18.xml><?xml version="1.0" encoding="utf-8"?>
-<p:sld xmlns:a="http://schemas.openxmlformats.org/drawingml/2006/main" xmlns:r="http://schemas.openxmlformats.org/officeDocument/2006/relationships" xmlns:p="http://schemas.openxmlformats.org/presentationml/2006/main">
-  <p:cSld>
-    <p:spTree>
-      <p:nvGrpSpPr>
-        <p:cNvPr id="1" name=""/>
-        <p:cNvGrpSpPr/>
-        <p:nvPr/>
-      </p:nvGrpSpPr>
-      <p:grpSpPr>
-        <a:xfrm>
-          <a:off x="0" y="0"/>
-          <a:ext cx="0" cy="0"/>
-          <a:chOff x="0" y="0"/>
-          <a:chExt cx="0" cy="0"/>
-        </a:xfrm>
-      </p:grpSpPr>
-      <p:sp>
-        <p:nvSpPr>
-          <p:cNvPr id="2" name="Title 1">
-            <a:extLst>
-              <a:ext uri="{FF2B5EF4-FFF2-40B4-BE49-F238E27FC236}">
-                <a16:creationId xmlns:a16="http://schemas.microsoft.com/office/drawing/2014/main" id="{1428FE6B-A844-4B4E-9A09-DCC5558672AA}"/>
-              </a:ext>
-            </a:extLst>
-          </p:cNvPr>
-          <p:cNvSpPr>
-            <a:spLocks noGrp="1"/>
-          </p:cNvSpPr>
-          <p:nvPr>
-            <p:ph type="title"/>
-          </p:nvPr>
-        </p:nvSpPr>
-        <p:spPr/>
-        <p:txBody>
-          <a:bodyPr/>
-          <a:lstStyle/>
-          <a:p>
-            <a:r>
-              <a:rPr lang="en-US" dirty="0"/>
-              <a:t>Double Free - Challenge</a:t>
-            </a:r>
-          </a:p>
-        </p:txBody>
-      </p:sp>
-      <p:sp>
-        <p:nvSpPr>
-          <p:cNvPr id="4" name="Content Placeholder 2">
-            <a:extLst>
-              <a:ext uri="{FF2B5EF4-FFF2-40B4-BE49-F238E27FC236}">
-                <a16:creationId xmlns:a16="http://schemas.microsoft.com/office/drawing/2014/main" id="{3B238808-171A-7646-A4D3-46EDF4528CAE}"/>
-              </a:ext>
-            </a:extLst>
-          </p:cNvPr>
-          <p:cNvSpPr>
-            <a:spLocks noGrp="1"/>
-          </p:cNvSpPr>
-          <p:nvPr>
-            <p:ph idx="1"/>
-          </p:nvPr>
-        </p:nvSpPr>
-        <p:spPr/>
-        <p:txBody>
-          <a:bodyPr>
-            <a:normAutofit fontScale="85000" lnSpcReduction="20000"/>
-          </a:bodyPr>
-          <a:lstStyle/>
-          <a:p>
-            <a:r>
-              <a:rPr lang="en-US" dirty="0"/>
-              <a:t>Double Free challenge</a:t>
-            </a:r>
-          </a:p>
-          <a:p>
-            <a:r>
-              <a:rPr lang="en-US" dirty="0"/>
-              <a:t>Goal: 	Get the high score!</a:t>
-            </a:r>
-          </a:p>
-          <a:p>
-            <a:r>
-              <a:rPr lang="en-US" dirty="0"/>
-              <a:t>Options: </a:t>
-            </a:r>
-          </a:p>
-          <a:p>
-            <a:pPr lvl="1"/>
-            <a:r>
-              <a:rPr lang="en-US" i="1" dirty="0"/>
-              <a:t>malloc</a:t>
-            </a:r>
-            <a:r>
-              <a:rPr lang="en-US" dirty="0"/>
-              <a:t>: Make a new player</a:t>
-            </a:r>
-            <a:endParaRPr lang="en-US" i="1" dirty="0"/>
-          </a:p>
-          <a:p>
-            <a:pPr lvl="1"/>
-            <a:r>
-              <a:rPr lang="en-US" i="1" dirty="0"/>
-              <a:t>free</a:t>
-            </a:r>
-            <a:r>
-              <a:rPr lang="en-US" dirty="0"/>
-              <a:t>:</a:t>
-            </a:r>
-            <a:r>
-              <a:rPr lang="en-US" i="1" dirty="0"/>
-              <a:t> </a:t>
-            </a:r>
-            <a:r>
-              <a:rPr lang="en-US" dirty="0"/>
-              <a:t>Reset the player</a:t>
-            </a:r>
-          </a:p>
-          <a:p>
-            <a:pPr lvl="1"/>
-            <a:r>
-              <a:rPr lang="en-US" i="1" dirty="0"/>
-              <a:t>play</a:t>
-            </a:r>
-            <a:r>
-              <a:rPr lang="en-US" dirty="0"/>
-              <a:t>: Play the game!</a:t>
-            </a:r>
-          </a:p>
-          <a:p>
-            <a:pPr lvl="1"/>
-            <a:r>
-              <a:rPr lang="en-US" i="1" dirty="0"/>
-              <a:t>won</a:t>
-            </a:r>
-            <a:r>
-              <a:rPr lang="en-US" dirty="0"/>
-              <a:t>: Check to see if you have the high score</a:t>
-            </a:r>
-          </a:p>
-          <a:p>
-            <a:pPr lvl="1"/>
-            <a:r>
-              <a:rPr lang="en-US" dirty="0"/>
-              <a:t>set: The </a:t>
-            </a:r>
-            <a:r>
-              <a:rPr lang="en-US" i="1" dirty="0"/>
-              <a:t>new</a:t>
-            </a:r>
-            <a:r>
-              <a:rPr lang="en-US" dirty="0"/>
-              <a:t> high score to be set (don’t need this for </a:t>
-            </a:r>
-            <a:r>
-              <a:rPr lang="en-US" dirty="0" err="1"/>
-              <a:t>pwn</a:t>
-            </a:r>
-            <a:r>
-              <a:rPr lang="en-US" dirty="0"/>
-              <a:t>!) </a:t>
-            </a:r>
-          </a:p>
-          <a:p>
-            <a:r>
-              <a:rPr lang="en-US" dirty="0"/>
-              <a:t>Hint: Look at </a:t>
-            </a:r>
-            <a:r>
-              <a:rPr lang="en-US" i="1" dirty="0"/>
-              <a:t>malloc</a:t>
-            </a:r>
-            <a:r>
-              <a:rPr lang="en-US" dirty="0"/>
-              <a:t> &amp; </a:t>
-            </a:r>
-            <a:r>
-              <a:rPr lang="en-US" i="1" dirty="0"/>
-              <a:t>free</a:t>
-            </a:r>
-            <a:endParaRPr lang="en-US" dirty="0"/>
-          </a:p>
-          <a:p>
-            <a:r>
-              <a:rPr lang="en-US" dirty="0"/>
-              <a:t>Hint: Look at the </a:t>
-            </a:r>
-            <a:r>
-              <a:rPr lang="en-US" i="1" dirty="0"/>
-              <a:t>player</a:t>
-            </a:r>
-            <a:r>
-              <a:rPr lang="en-US" dirty="0"/>
-              <a:t> struct</a:t>
-            </a:r>
-          </a:p>
-          <a:p>
-            <a:r>
-              <a:rPr lang="en-US" dirty="0"/>
-              <a:t>Hint: Similar to UAF challenge</a:t>
-            </a:r>
-          </a:p>
-        </p:txBody>
-      </p:sp>
-    </p:spTree>
-    <p:extLst>
-      <p:ext uri="{BB962C8B-B14F-4D97-AF65-F5344CB8AC3E}">
-        <p14:creationId xmlns:p14="http://schemas.microsoft.com/office/powerpoint/2010/main" val="2951838982"/>
-      </p:ext>
-    </p:extLst>
-  </p:cSld>
-  <p:clrMapOvr>
-    <a:masterClrMapping/>
-  </p:clrMapOvr>
-</p:sld>
-</file>
-
-<file path=ppt/slides/slide19.xml><?xml version="1.0" encoding="utf-8"?>
-<p:sld xmlns:a="http://schemas.openxmlformats.org/drawingml/2006/main" xmlns:r="http://schemas.openxmlformats.org/officeDocument/2006/relationships" xmlns:p="http://schemas.openxmlformats.org/presentationml/2006/main">
-  <p:cSld>
-    <p:spTree>
-      <p:nvGrpSpPr>
-        <p:cNvPr id="1" name=""/>
-        <p:cNvGrpSpPr/>
-        <p:nvPr/>
-      </p:nvGrpSpPr>
-      <p:grpSpPr>
-        <a:xfrm>
-          <a:off x="0" y="0"/>
-          <a:ext cx="0" cy="0"/>
-          <a:chOff x="0" y="0"/>
-          <a:chExt cx="0" cy="0"/>
-        </a:xfrm>
-      </p:grpSpPr>
-      <p:sp>
-        <p:nvSpPr>
-          <p:cNvPr id="2" name="Title 1">
-            <a:extLst>
-              <a:ext uri="{FF2B5EF4-FFF2-40B4-BE49-F238E27FC236}">
-                <a16:creationId xmlns:a16="http://schemas.microsoft.com/office/drawing/2014/main" id="{08506B2A-1853-DC4C-8F91-DA7FFFFD7CD8}"/>
-              </a:ext>
-            </a:extLst>
-          </p:cNvPr>
-          <p:cNvSpPr>
-            <a:spLocks noGrp="1"/>
-          </p:cNvSpPr>
-          <p:nvPr>
-            <p:ph type="title"/>
-          </p:nvPr>
-        </p:nvSpPr>
-        <p:spPr>
-          <a:xfrm>
-            <a:off x="628650" y="273847"/>
-            <a:ext cx="8392802" cy="994172"/>
-          </a:xfrm>
-        </p:spPr>
-        <p:txBody>
-          <a:bodyPr anchor="ctr">
-            <a:normAutofit fontScale="90000"/>
-          </a:bodyPr>
-          <a:lstStyle/>
-          <a:p>
-            <a:r>
-              <a:rPr lang="en-US" dirty="0"/>
-              <a:t>Double Free – Solution Diagram 1</a:t>
-            </a:r>
-          </a:p>
-        </p:txBody>
-      </p:sp>
-      <p:sp>
-        <p:nvSpPr>
-          <p:cNvPr id="3" name="Content Placeholder 2">
-            <a:extLst>
-              <a:ext uri="{FF2B5EF4-FFF2-40B4-BE49-F238E27FC236}">
-                <a16:creationId xmlns:a16="http://schemas.microsoft.com/office/drawing/2014/main" id="{7F271F73-3DDC-104B-BA9C-1D75C1191326}"/>
-              </a:ext>
-            </a:extLst>
-          </p:cNvPr>
-          <p:cNvSpPr>
-            <a:spLocks noGrp="1"/>
-          </p:cNvSpPr>
-          <p:nvPr>
-            <p:ph sz="half" idx="1"/>
-          </p:nvPr>
-        </p:nvSpPr>
-        <p:spPr>
-          <a:xfrm>
-            <a:off x="628650" y="1369219"/>
-            <a:ext cx="3886200" cy="3263504"/>
-          </a:xfrm>
-        </p:spPr>
-        <p:txBody>
-          <a:bodyPr>
-            <a:normAutofit/>
-          </a:bodyPr>
-          <a:lstStyle/>
-          <a:p>
-            <a:r>
-              <a:rPr lang="en-US" dirty="0"/>
-              <a:t>Allocate a player</a:t>
-            </a:r>
-          </a:p>
-        </p:txBody>
-      </p:sp>
-      <p:pic>
-        <p:nvPicPr>
-          <p:cNvPr id="5" name="Picture 4" descr="Diagram&#10;&#10;Description automatically generated">
-            <a:extLst>
-              <a:ext uri="{FF2B5EF4-FFF2-40B4-BE49-F238E27FC236}">
-                <a16:creationId xmlns:a16="http://schemas.microsoft.com/office/drawing/2014/main" id="{74FCBF0C-D21E-6A4B-BAFE-2A17B6B17FE6}"/>
-              </a:ext>
-            </a:extLst>
-          </p:cNvPr>
-          <p:cNvPicPr>
-            <a:picLocks noChangeAspect="1"/>
-          </p:cNvPicPr>
-          <p:nvPr/>
-        </p:nvPicPr>
-        <p:blipFill>
-          <a:blip r:embed="rId2"/>
-          <a:stretch>
-            <a:fillRect/>
-          </a:stretch>
-        </p:blipFill>
-        <p:spPr>
-          <a:xfrm>
-            <a:off x="4629150" y="1438395"/>
-            <a:ext cx="3886200" cy="3125152"/>
-          </a:xfrm>
-          <a:prstGeom prst="rect">
-            <a:avLst/>
-          </a:prstGeom>
-          <a:noFill/>
-        </p:spPr>
-      </p:pic>
-    </p:spTree>
-    <p:extLst>
-      <p:ext uri="{BB962C8B-B14F-4D97-AF65-F5344CB8AC3E}">
-        <p14:creationId xmlns:p14="http://schemas.microsoft.com/office/powerpoint/2010/main" val="2053745661"/>
       </p:ext>
     </p:extLst>
   </p:cSld>
@@ -22015,6 +22174,884 @@
           <p:cNvPr id="2" name="Title 1">
             <a:extLst>
               <a:ext uri="{FF2B5EF4-FFF2-40B4-BE49-F238E27FC236}">
+                <a16:creationId xmlns:a16="http://schemas.microsoft.com/office/drawing/2014/main" id="{8D5D5255-5C3A-324A-851B-0896CEF58412}"/>
+              </a:ext>
+            </a:extLst>
+          </p:cNvPr>
+          <p:cNvSpPr>
+            <a:spLocks noGrp="1"/>
+          </p:cNvSpPr>
+          <p:nvPr>
+            <p:ph type="title"/>
+          </p:nvPr>
+        </p:nvSpPr>
+        <p:spPr>
+          <a:xfrm>
+            <a:off x="628650" y="273847"/>
+            <a:ext cx="7886700" cy="994172"/>
+          </a:xfrm>
+        </p:spPr>
+        <p:txBody>
+          <a:bodyPr/>
+          <a:lstStyle/>
+          <a:p>
+            <a:r>
+              <a:rPr lang="en-US" dirty="0"/>
+              <a:t>Hotel Analogy – Double Free</a:t>
+            </a:r>
+          </a:p>
+        </p:txBody>
+      </p:sp>
+      <p:sp>
+        <p:nvSpPr>
+          <p:cNvPr id="3" name="Content Placeholder 2">
+            <a:extLst>
+              <a:ext uri="{FF2B5EF4-FFF2-40B4-BE49-F238E27FC236}">
+                <a16:creationId xmlns:a16="http://schemas.microsoft.com/office/drawing/2014/main" id="{75352BDB-48CE-8747-9D30-27CD1084013A}"/>
+              </a:ext>
+            </a:extLst>
+          </p:cNvPr>
+          <p:cNvSpPr>
+            <a:spLocks noGrp="1"/>
+          </p:cNvSpPr>
+          <p:nvPr>
+            <p:ph idx="1"/>
+          </p:nvPr>
+        </p:nvSpPr>
+        <p:spPr>
+          <a:xfrm>
+            <a:off x="628650" y="1236541"/>
+            <a:ext cx="5141835" cy="3263504"/>
+          </a:xfrm>
+        </p:spPr>
+        <p:txBody>
+          <a:bodyPr>
+            <a:normAutofit/>
+          </a:bodyPr>
+          <a:lstStyle/>
+          <a:p>
+            <a:r>
+              <a:rPr lang="en-US" dirty="0"/>
+              <a:t>The </a:t>
+            </a:r>
+            <a:r>
+              <a:rPr lang="en-US" i="1" dirty="0"/>
+              <a:t>memory</a:t>
+            </a:r>
+            <a:r>
+              <a:rPr lang="en-US" dirty="0"/>
+              <a:t> </a:t>
+            </a:r>
+            <a:r>
+              <a:rPr lang="en-US" i="1" dirty="0"/>
+              <a:t>allocator</a:t>
+            </a:r>
+            <a:r>
+              <a:rPr lang="en-US" dirty="0"/>
+              <a:t> is the </a:t>
+            </a:r>
+            <a:r>
+              <a:rPr lang="en-US" b="1" i="1" dirty="0"/>
+              <a:t>hotel</a:t>
+            </a:r>
+            <a:endParaRPr lang="en-US" b="1" dirty="0"/>
+          </a:p>
+          <a:p>
+            <a:r>
+              <a:rPr lang="en-US" dirty="0"/>
+              <a:t>A piece of</a:t>
+            </a:r>
+            <a:r>
+              <a:rPr lang="en-US" i="1" dirty="0"/>
+              <a:t> memory</a:t>
+            </a:r>
+            <a:r>
+              <a:rPr lang="en-US" dirty="0"/>
+              <a:t> is a </a:t>
+            </a:r>
+            <a:r>
+              <a:rPr lang="en-US" i="1" dirty="0"/>
+              <a:t>hotel</a:t>
+            </a:r>
+            <a:r>
+              <a:rPr lang="en-US" dirty="0"/>
+              <a:t> </a:t>
+            </a:r>
+            <a:r>
+              <a:rPr lang="en-US" b="1" i="1" dirty="0"/>
+              <a:t>room</a:t>
+            </a:r>
+          </a:p>
+          <a:p>
+            <a:r>
+              <a:rPr lang="en-US" dirty="0"/>
+              <a:t>A </a:t>
+            </a:r>
+            <a:r>
+              <a:rPr lang="en-US" i="1" dirty="0"/>
+              <a:t>pointer </a:t>
+            </a:r>
+            <a:r>
+              <a:rPr lang="en-US" dirty="0"/>
+              <a:t>is the </a:t>
+            </a:r>
+            <a:r>
+              <a:rPr lang="en-US" i="1" dirty="0"/>
+              <a:t>room key</a:t>
+            </a:r>
+          </a:p>
+          <a:p>
+            <a:r>
+              <a:rPr lang="en-US" dirty="0"/>
+              <a:t>What would happen if you </a:t>
+            </a:r>
+            <a:r>
+              <a:rPr lang="en-US" i="1" dirty="0"/>
+              <a:t>checked out </a:t>
+            </a:r>
+            <a:r>
+              <a:rPr lang="en-US" b="1" i="1" dirty="0"/>
+              <a:t>twice</a:t>
+            </a:r>
+            <a:r>
+              <a:rPr lang="en-US" dirty="0"/>
+              <a:t>?</a:t>
+            </a:r>
+          </a:p>
+          <a:p>
+            <a:pPr lvl="1"/>
+            <a:r>
+              <a:rPr lang="en-US" dirty="0"/>
+              <a:t>Room can be assigned to </a:t>
+            </a:r>
+            <a:r>
+              <a:rPr lang="en-US" b="1" i="1" dirty="0"/>
+              <a:t>two </a:t>
+            </a:r>
+            <a:r>
+              <a:rPr lang="en-US" dirty="0"/>
+              <a:t>people</a:t>
+            </a:r>
+          </a:p>
+        </p:txBody>
+      </p:sp>
+      <p:pic>
+        <p:nvPicPr>
+          <p:cNvPr id="4104" name="Picture 8" descr="Receptionist giving key card to businesswoman at hotel front desk Stock  Photo - Alamy">
+            <a:extLst>
+              <a:ext uri="{FF2B5EF4-FFF2-40B4-BE49-F238E27FC236}">
+                <a16:creationId xmlns:a16="http://schemas.microsoft.com/office/drawing/2014/main" id="{9E5CBA24-50D7-D548-9A3B-277EB3D5081B}"/>
+              </a:ext>
+            </a:extLst>
+          </p:cNvPr>
+          <p:cNvPicPr>
+            <a:picLocks noChangeAspect="1" noChangeArrowheads="1"/>
+          </p:cNvPicPr>
+          <p:nvPr/>
+        </p:nvPicPr>
+        <p:blipFill rotWithShape="1">
+          <a:blip r:embed="rId2">
+            <a:extLst>
+              <a:ext uri="{28A0092B-C50C-407E-A947-70E740481C1C}">
+                <a14:useLocalDpi xmlns:a14="http://schemas.microsoft.com/office/drawing/2010/main" val="0"/>
+              </a:ext>
+            </a:extLst>
+          </a:blip>
+          <a:srcRect b="10255"/>
+          <a:stretch/>
+        </p:blipFill>
+        <p:spPr bwMode="auto">
+          <a:xfrm>
+            <a:off x="5772573" y="1092848"/>
+            <a:ext cx="3256998" cy="2147502"/>
+          </a:xfrm>
+          <a:prstGeom prst="rect">
+            <a:avLst/>
+          </a:prstGeom>
+          <a:noFill/>
+          <a:extLst>
+            <a:ext uri="{909E8E84-426E-40DD-AFC4-6F175D3DCCD1}">
+              <a14:hiddenFill xmlns:a14="http://schemas.microsoft.com/office/drawing/2010/main">
+                <a:solidFill>
+                  <a:srgbClr val="FFFFFF"/>
+                </a:solidFill>
+              </a14:hiddenFill>
+            </a:ext>
+          </a:extLst>
+        </p:spPr>
+      </p:pic>
+    </p:spTree>
+    <p:extLst>
+      <p:ext uri="{BB962C8B-B14F-4D97-AF65-F5344CB8AC3E}">
+        <p14:creationId xmlns:p14="http://schemas.microsoft.com/office/powerpoint/2010/main" val="2611670868"/>
+      </p:ext>
+    </p:extLst>
+  </p:cSld>
+  <p:clrMapOvr>
+    <a:masterClrMapping/>
+  </p:clrMapOvr>
+</p:sld>
+</file>
+
+<file path=ppt/slides/slide21.xml><?xml version="1.0" encoding="utf-8"?>
+<p:sld xmlns:a="http://schemas.openxmlformats.org/drawingml/2006/main" xmlns:r="http://schemas.openxmlformats.org/officeDocument/2006/relationships" xmlns:p="http://schemas.openxmlformats.org/presentationml/2006/main">
+  <p:cSld>
+    <p:spTree>
+      <p:nvGrpSpPr>
+        <p:cNvPr id="1" name=""/>
+        <p:cNvGrpSpPr/>
+        <p:nvPr/>
+      </p:nvGrpSpPr>
+      <p:grpSpPr>
+        <a:xfrm>
+          <a:off x="0" y="0"/>
+          <a:ext cx="0" cy="0"/>
+          <a:chOff x="0" y="0"/>
+          <a:chExt cx="0" cy="0"/>
+        </a:xfrm>
+      </p:grpSpPr>
+      <p:sp>
+        <p:nvSpPr>
+          <p:cNvPr id="2" name="Title 1">
+            <a:extLst>
+              <a:ext uri="{FF2B5EF4-FFF2-40B4-BE49-F238E27FC236}">
+                <a16:creationId xmlns:a16="http://schemas.microsoft.com/office/drawing/2014/main" id="{B96AEEFD-8C87-5049-93EE-4881231E54AA}"/>
+              </a:ext>
+            </a:extLst>
+          </p:cNvPr>
+          <p:cNvSpPr>
+            <a:spLocks noGrp="1"/>
+          </p:cNvSpPr>
+          <p:nvPr>
+            <p:ph type="title"/>
+          </p:nvPr>
+        </p:nvSpPr>
+        <p:spPr/>
+        <p:txBody>
+          <a:bodyPr>
+            <a:normAutofit fontScale="90000"/>
+          </a:bodyPr>
+          <a:lstStyle/>
+          <a:p>
+            <a:r>
+              <a:rPr lang="en-US" dirty="0"/>
+              <a:t>Double Free Explanation Diagram - 1</a:t>
+            </a:r>
+          </a:p>
+        </p:txBody>
+      </p:sp>
+      <p:sp>
+        <p:nvSpPr>
+          <p:cNvPr id="3" name="Content Placeholder 2">
+            <a:extLst>
+              <a:ext uri="{FF2B5EF4-FFF2-40B4-BE49-F238E27FC236}">
+                <a16:creationId xmlns:a16="http://schemas.microsoft.com/office/drawing/2014/main" id="{5AC94C9E-F4DE-CE4F-9B96-A0083FA4E74D}"/>
+              </a:ext>
+            </a:extLst>
+          </p:cNvPr>
+          <p:cNvSpPr>
+            <a:spLocks noGrp="1"/>
+          </p:cNvSpPr>
+          <p:nvPr>
+            <p:ph idx="1"/>
+          </p:nvPr>
+        </p:nvSpPr>
+        <p:spPr>
+          <a:xfrm>
+            <a:off x="628649" y="1236541"/>
+            <a:ext cx="4189535" cy="3263504"/>
+          </a:xfrm>
+        </p:spPr>
+        <p:txBody>
+          <a:bodyPr/>
+          <a:lstStyle/>
+          <a:p>
+            <a:r>
+              <a:rPr lang="en-US" dirty="0"/>
+              <a:t>Allocate a Pointer with Malloc</a:t>
+            </a:r>
+          </a:p>
+          <a:p>
+            <a:r>
+              <a:rPr lang="en-US" dirty="0"/>
+              <a:t>Free the same pointer </a:t>
+            </a:r>
+            <a:r>
+              <a:rPr lang="en-US" b="1" i="1" dirty="0"/>
+              <a:t>twice</a:t>
+            </a:r>
+            <a:endParaRPr lang="en-US" b="1" dirty="0"/>
+          </a:p>
+          <a:p>
+            <a:pPr lvl="1"/>
+            <a:r>
+              <a:rPr lang="en-US" dirty="0"/>
+              <a:t>A bin has TWO pointers to the same memory</a:t>
+            </a:r>
+          </a:p>
+          <a:p>
+            <a:pPr lvl="1"/>
+            <a:r>
+              <a:rPr lang="en-US" dirty="0"/>
+              <a:t>Chunk 1 is in the bin TWICE</a:t>
+            </a:r>
+          </a:p>
+        </p:txBody>
+      </p:sp>
+      <p:pic>
+        <p:nvPicPr>
+          <p:cNvPr id="5" name="Picture 4" descr="Diagram&#10;&#10;Description automatically generated">
+            <a:extLst>
+              <a:ext uri="{FF2B5EF4-FFF2-40B4-BE49-F238E27FC236}">
+                <a16:creationId xmlns:a16="http://schemas.microsoft.com/office/drawing/2014/main" id="{2CEFAE74-DCBE-E942-A248-150D5FF687D8}"/>
+              </a:ext>
+            </a:extLst>
+          </p:cNvPr>
+          <p:cNvPicPr>
+            <a:picLocks noChangeAspect="1"/>
+          </p:cNvPicPr>
+          <p:nvPr/>
+        </p:nvPicPr>
+        <p:blipFill>
+          <a:blip r:embed="rId2"/>
+          <a:stretch>
+            <a:fillRect/>
+          </a:stretch>
+        </p:blipFill>
+        <p:spPr>
+          <a:xfrm>
+            <a:off x="5032048" y="1583104"/>
+            <a:ext cx="3140405" cy="1977292"/>
+          </a:xfrm>
+          <a:prstGeom prst="rect">
+            <a:avLst/>
+          </a:prstGeom>
+        </p:spPr>
+      </p:pic>
+    </p:spTree>
+    <p:extLst>
+      <p:ext uri="{BB962C8B-B14F-4D97-AF65-F5344CB8AC3E}">
+        <p14:creationId xmlns:p14="http://schemas.microsoft.com/office/powerpoint/2010/main" val="3907661426"/>
+      </p:ext>
+    </p:extLst>
+  </p:cSld>
+  <p:clrMapOvr>
+    <a:masterClrMapping/>
+  </p:clrMapOvr>
+</p:sld>
+</file>
+
+<file path=ppt/slides/slide22.xml><?xml version="1.0" encoding="utf-8"?>
+<p:sld xmlns:a="http://schemas.openxmlformats.org/drawingml/2006/main" xmlns:r="http://schemas.openxmlformats.org/officeDocument/2006/relationships" xmlns:p="http://schemas.openxmlformats.org/presentationml/2006/main">
+  <p:cSld>
+    <p:spTree>
+      <p:nvGrpSpPr>
+        <p:cNvPr id="1" name=""/>
+        <p:cNvGrpSpPr/>
+        <p:nvPr/>
+      </p:nvGrpSpPr>
+      <p:grpSpPr>
+        <a:xfrm>
+          <a:off x="0" y="0"/>
+          <a:ext cx="0" cy="0"/>
+          <a:chOff x="0" y="0"/>
+          <a:chExt cx="0" cy="0"/>
+        </a:xfrm>
+      </p:grpSpPr>
+      <p:sp>
+        <p:nvSpPr>
+          <p:cNvPr id="2" name="Title 1">
+            <a:extLst>
+              <a:ext uri="{FF2B5EF4-FFF2-40B4-BE49-F238E27FC236}">
+                <a16:creationId xmlns:a16="http://schemas.microsoft.com/office/drawing/2014/main" id="{82C97AC5-8486-D243-9959-6788352AAC63}"/>
+              </a:ext>
+            </a:extLst>
+          </p:cNvPr>
+          <p:cNvSpPr>
+            <a:spLocks noGrp="1"/>
+          </p:cNvSpPr>
+          <p:nvPr>
+            <p:ph type="title"/>
+          </p:nvPr>
+        </p:nvSpPr>
+        <p:spPr/>
+        <p:txBody>
+          <a:bodyPr>
+            <a:normAutofit fontScale="90000"/>
+          </a:bodyPr>
+          <a:lstStyle/>
+          <a:p>
+            <a:r>
+              <a:rPr lang="en-US" dirty="0"/>
+              <a:t>Double Free Explanation Diagram - 2</a:t>
+            </a:r>
+          </a:p>
+        </p:txBody>
+      </p:sp>
+      <p:pic>
+        <p:nvPicPr>
+          <p:cNvPr id="7" name="Picture 6" descr="Use after free diagram">
+            <a:extLst>
+              <a:ext uri="{FF2B5EF4-FFF2-40B4-BE49-F238E27FC236}">
+                <a16:creationId xmlns:a16="http://schemas.microsoft.com/office/drawing/2014/main" id="{F3F928AE-AE85-CB48-AABF-329E098F7A9C}"/>
+              </a:ext>
+            </a:extLst>
+          </p:cNvPr>
+          <p:cNvPicPr>
+            <a:picLocks noChangeAspect="1"/>
+          </p:cNvPicPr>
+          <p:nvPr/>
+        </p:nvPicPr>
+        <p:blipFill>
+          <a:blip r:embed="rId2"/>
+          <a:stretch>
+            <a:fillRect/>
+          </a:stretch>
+        </p:blipFill>
+        <p:spPr>
+          <a:xfrm>
+            <a:off x="485529" y="1268019"/>
+            <a:ext cx="5220677" cy="2610339"/>
+          </a:xfrm>
+          <a:prstGeom prst="rect">
+            <a:avLst/>
+          </a:prstGeom>
+        </p:spPr>
+      </p:pic>
+      <p:sp>
+        <p:nvSpPr>
+          <p:cNvPr id="8" name="Content Placeholder 2">
+            <a:extLst>
+              <a:ext uri="{FF2B5EF4-FFF2-40B4-BE49-F238E27FC236}">
+                <a16:creationId xmlns:a16="http://schemas.microsoft.com/office/drawing/2014/main" id="{D976A450-4C7A-4F49-A7FF-D29C8F0F06D2}"/>
+              </a:ext>
+            </a:extLst>
+          </p:cNvPr>
+          <p:cNvSpPr>
+            <a:spLocks noGrp="1"/>
+          </p:cNvSpPr>
+          <p:nvPr>
+            <p:ph idx="1"/>
+          </p:nvPr>
+        </p:nvSpPr>
+        <p:spPr>
+          <a:xfrm>
+            <a:off x="6057900" y="1272984"/>
+            <a:ext cx="2731591" cy="3263504"/>
+          </a:xfrm>
+        </p:spPr>
+        <p:txBody>
+          <a:bodyPr/>
+          <a:lstStyle/>
+          <a:p>
+            <a:r>
+              <a:rPr lang="en-US" dirty="0"/>
+              <a:t>Allocate </a:t>
+            </a:r>
+            <a:r>
+              <a:rPr lang="en-US" b="1" i="1" dirty="0"/>
+              <a:t>two</a:t>
+            </a:r>
+            <a:r>
+              <a:rPr lang="en-US" dirty="0"/>
+              <a:t> chunks</a:t>
+            </a:r>
+          </a:p>
+          <a:p>
+            <a:r>
+              <a:rPr lang="en-US" dirty="0"/>
+              <a:t>Both pointers can edit/view the same memory!</a:t>
+            </a:r>
+          </a:p>
+          <a:p>
+            <a:r>
+              <a:rPr lang="en-US" dirty="0"/>
+              <a:t>Same as UAF, just an extra step </a:t>
+            </a:r>
+          </a:p>
+        </p:txBody>
+      </p:sp>
+    </p:spTree>
+    <p:extLst>
+      <p:ext uri="{BB962C8B-B14F-4D97-AF65-F5344CB8AC3E}">
+        <p14:creationId xmlns:p14="http://schemas.microsoft.com/office/powerpoint/2010/main" val="3062657661"/>
+      </p:ext>
+    </p:extLst>
+  </p:cSld>
+  <p:clrMapOvr>
+    <a:masterClrMapping/>
+  </p:clrMapOvr>
+</p:sld>
+</file>
+
+<file path=ppt/slides/slide23.xml><?xml version="1.0" encoding="utf-8"?>
+<p:sld xmlns:a="http://schemas.openxmlformats.org/drawingml/2006/main" xmlns:r="http://schemas.openxmlformats.org/officeDocument/2006/relationships" xmlns:p="http://schemas.openxmlformats.org/presentationml/2006/main">
+  <p:cSld>
+    <p:spTree>
+      <p:nvGrpSpPr>
+        <p:cNvPr id="1" name=""/>
+        <p:cNvGrpSpPr/>
+        <p:nvPr/>
+      </p:nvGrpSpPr>
+      <p:grpSpPr>
+        <a:xfrm>
+          <a:off x="0" y="0"/>
+          <a:ext cx="0" cy="0"/>
+          <a:chOff x="0" y="0"/>
+          <a:chExt cx="0" cy="0"/>
+        </a:xfrm>
+      </p:grpSpPr>
+      <p:sp>
+        <p:nvSpPr>
+          <p:cNvPr id="2" name="Title 1">
+            <a:extLst>
+              <a:ext uri="{FF2B5EF4-FFF2-40B4-BE49-F238E27FC236}">
+                <a16:creationId xmlns:a16="http://schemas.microsoft.com/office/drawing/2014/main" id="{1428FE6B-A844-4B4E-9A09-DCC5558672AA}"/>
+              </a:ext>
+            </a:extLst>
+          </p:cNvPr>
+          <p:cNvSpPr>
+            <a:spLocks noGrp="1"/>
+          </p:cNvSpPr>
+          <p:nvPr>
+            <p:ph type="title"/>
+          </p:nvPr>
+        </p:nvSpPr>
+        <p:spPr/>
+        <p:txBody>
+          <a:bodyPr/>
+          <a:lstStyle/>
+          <a:p>
+            <a:r>
+              <a:rPr lang="en-US" dirty="0"/>
+              <a:t>Double Free - Challenge</a:t>
+            </a:r>
+          </a:p>
+        </p:txBody>
+      </p:sp>
+      <p:sp>
+        <p:nvSpPr>
+          <p:cNvPr id="4" name="Content Placeholder 2">
+            <a:extLst>
+              <a:ext uri="{FF2B5EF4-FFF2-40B4-BE49-F238E27FC236}">
+                <a16:creationId xmlns:a16="http://schemas.microsoft.com/office/drawing/2014/main" id="{3B238808-171A-7646-A4D3-46EDF4528CAE}"/>
+              </a:ext>
+            </a:extLst>
+          </p:cNvPr>
+          <p:cNvSpPr>
+            <a:spLocks noGrp="1"/>
+          </p:cNvSpPr>
+          <p:nvPr>
+            <p:ph idx="1"/>
+          </p:nvPr>
+        </p:nvSpPr>
+        <p:spPr/>
+        <p:txBody>
+          <a:bodyPr>
+            <a:normAutofit fontScale="85000" lnSpcReduction="20000"/>
+          </a:bodyPr>
+          <a:lstStyle/>
+          <a:p>
+            <a:r>
+              <a:rPr lang="en-US" dirty="0"/>
+              <a:t>Double Free challenge</a:t>
+            </a:r>
+          </a:p>
+          <a:p>
+            <a:r>
+              <a:rPr lang="en-US" dirty="0"/>
+              <a:t>Goal: 	Get the high score!</a:t>
+            </a:r>
+          </a:p>
+          <a:p>
+            <a:r>
+              <a:rPr lang="en-US" dirty="0"/>
+              <a:t>Options: </a:t>
+            </a:r>
+          </a:p>
+          <a:p>
+            <a:pPr lvl="1"/>
+            <a:r>
+              <a:rPr lang="en-US" i="1" dirty="0"/>
+              <a:t>malloc</a:t>
+            </a:r>
+            <a:r>
+              <a:rPr lang="en-US" dirty="0"/>
+              <a:t>: Make a new player</a:t>
+            </a:r>
+            <a:endParaRPr lang="en-US" i="1" dirty="0"/>
+          </a:p>
+          <a:p>
+            <a:pPr lvl="1"/>
+            <a:r>
+              <a:rPr lang="en-US" i="1" dirty="0"/>
+              <a:t>free</a:t>
+            </a:r>
+            <a:r>
+              <a:rPr lang="en-US" dirty="0"/>
+              <a:t>:</a:t>
+            </a:r>
+            <a:r>
+              <a:rPr lang="en-US" i="1" dirty="0"/>
+              <a:t> </a:t>
+            </a:r>
+            <a:r>
+              <a:rPr lang="en-US" dirty="0"/>
+              <a:t>Reset the player</a:t>
+            </a:r>
+          </a:p>
+          <a:p>
+            <a:pPr lvl="1"/>
+            <a:r>
+              <a:rPr lang="en-US" i="1" dirty="0"/>
+              <a:t>play</a:t>
+            </a:r>
+            <a:r>
+              <a:rPr lang="en-US" dirty="0"/>
+              <a:t>: Play the game!</a:t>
+            </a:r>
+          </a:p>
+          <a:p>
+            <a:pPr lvl="1"/>
+            <a:r>
+              <a:rPr lang="en-US" i="1" dirty="0"/>
+              <a:t>won</a:t>
+            </a:r>
+            <a:r>
+              <a:rPr lang="en-US" dirty="0"/>
+              <a:t>: Check to see if you have the high score</a:t>
+            </a:r>
+          </a:p>
+          <a:p>
+            <a:pPr lvl="1"/>
+            <a:r>
+              <a:rPr lang="en-US" dirty="0"/>
+              <a:t>set: The </a:t>
+            </a:r>
+            <a:r>
+              <a:rPr lang="en-US" i="1" dirty="0"/>
+              <a:t>new</a:t>
+            </a:r>
+            <a:r>
+              <a:rPr lang="en-US" dirty="0"/>
+              <a:t> high score to be set (don’t need this for </a:t>
+            </a:r>
+            <a:r>
+              <a:rPr lang="en-US" dirty="0" err="1"/>
+              <a:t>pwn</a:t>
+            </a:r>
+            <a:r>
+              <a:rPr lang="en-US" dirty="0"/>
+              <a:t>!) </a:t>
+            </a:r>
+          </a:p>
+          <a:p>
+            <a:r>
+              <a:rPr lang="en-US" dirty="0"/>
+              <a:t>Hint: Look at </a:t>
+            </a:r>
+            <a:r>
+              <a:rPr lang="en-US" i="1" dirty="0"/>
+              <a:t>malloc</a:t>
+            </a:r>
+            <a:r>
+              <a:rPr lang="en-US" dirty="0"/>
+              <a:t> &amp; </a:t>
+            </a:r>
+            <a:r>
+              <a:rPr lang="en-US" i="1" dirty="0"/>
+              <a:t>free</a:t>
+            </a:r>
+            <a:endParaRPr lang="en-US" dirty="0"/>
+          </a:p>
+          <a:p>
+            <a:r>
+              <a:rPr lang="en-US" dirty="0"/>
+              <a:t>Hint: Look at the </a:t>
+            </a:r>
+            <a:r>
+              <a:rPr lang="en-US" i="1" dirty="0"/>
+              <a:t>player</a:t>
+            </a:r>
+            <a:r>
+              <a:rPr lang="en-US" dirty="0"/>
+              <a:t> struct</a:t>
+            </a:r>
+          </a:p>
+          <a:p>
+            <a:r>
+              <a:rPr lang="en-US" dirty="0"/>
+              <a:t>Hint: Similar to UAF challenge</a:t>
+            </a:r>
+          </a:p>
+        </p:txBody>
+      </p:sp>
+    </p:spTree>
+    <p:extLst>
+      <p:ext uri="{BB962C8B-B14F-4D97-AF65-F5344CB8AC3E}">
+        <p14:creationId xmlns:p14="http://schemas.microsoft.com/office/powerpoint/2010/main" val="2951838982"/>
+      </p:ext>
+    </p:extLst>
+  </p:cSld>
+  <p:clrMapOvr>
+    <a:masterClrMapping/>
+  </p:clrMapOvr>
+</p:sld>
+</file>
+
+<file path=ppt/slides/slide24.xml><?xml version="1.0" encoding="utf-8"?>
+<p:sld xmlns:a="http://schemas.openxmlformats.org/drawingml/2006/main" xmlns:r="http://schemas.openxmlformats.org/officeDocument/2006/relationships" xmlns:p="http://schemas.openxmlformats.org/presentationml/2006/main">
+  <p:cSld>
+    <p:spTree>
+      <p:nvGrpSpPr>
+        <p:cNvPr id="1" name=""/>
+        <p:cNvGrpSpPr/>
+        <p:nvPr/>
+      </p:nvGrpSpPr>
+      <p:grpSpPr>
+        <a:xfrm>
+          <a:off x="0" y="0"/>
+          <a:ext cx="0" cy="0"/>
+          <a:chOff x="0" y="0"/>
+          <a:chExt cx="0" cy="0"/>
+        </a:xfrm>
+      </p:grpSpPr>
+      <p:sp>
+        <p:nvSpPr>
+          <p:cNvPr id="2" name="Title 1">
+            <a:extLst>
+              <a:ext uri="{FF2B5EF4-FFF2-40B4-BE49-F238E27FC236}">
+                <a16:creationId xmlns:a16="http://schemas.microsoft.com/office/drawing/2014/main" id="{08506B2A-1853-DC4C-8F91-DA7FFFFD7CD8}"/>
+              </a:ext>
+            </a:extLst>
+          </p:cNvPr>
+          <p:cNvSpPr>
+            <a:spLocks noGrp="1"/>
+          </p:cNvSpPr>
+          <p:nvPr>
+            <p:ph type="title"/>
+          </p:nvPr>
+        </p:nvSpPr>
+        <p:spPr>
+          <a:xfrm>
+            <a:off x="628650" y="273847"/>
+            <a:ext cx="8392802" cy="994172"/>
+          </a:xfrm>
+        </p:spPr>
+        <p:txBody>
+          <a:bodyPr anchor="ctr">
+            <a:normAutofit fontScale="90000"/>
+          </a:bodyPr>
+          <a:lstStyle/>
+          <a:p>
+            <a:r>
+              <a:rPr lang="en-US" dirty="0"/>
+              <a:t>Double Free – Solution Diagram 1</a:t>
+            </a:r>
+          </a:p>
+        </p:txBody>
+      </p:sp>
+      <p:sp>
+        <p:nvSpPr>
+          <p:cNvPr id="3" name="Content Placeholder 2">
+            <a:extLst>
+              <a:ext uri="{FF2B5EF4-FFF2-40B4-BE49-F238E27FC236}">
+                <a16:creationId xmlns:a16="http://schemas.microsoft.com/office/drawing/2014/main" id="{7F271F73-3DDC-104B-BA9C-1D75C1191326}"/>
+              </a:ext>
+            </a:extLst>
+          </p:cNvPr>
+          <p:cNvSpPr>
+            <a:spLocks noGrp="1"/>
+          </p:cNvSpPr>
+          <p:nvPr>
+            <p:ph sz="half" idx="1"/>
+          </p:nvPr>
+        </p:nvSpPr>
+        <p:spPr>
+          <a:xfrm>
+            <a:off x="628650" y="1369219"/>
+            <a:ext cx="3886200" cy="3263504"/>
+          </a:xfrm>
+        </p:spPr>
+        <p:txBody>
+          <a:bodyPr>
+            <a:normAutofit/>
+          </a:bodyPr>
+          <a:lstStyle/>
+          <a:p>
+            <a:r>
+              <a:rPr lang="en-US" dirty="0"/>
+              <a:t>Allocate a player</a:t>
+            </a:r>
+          </a:p>
+        </p:txBody>
+      </p:sp>
+      <p:pic>
+        <p:nvPicPr>
+          <p:cNvPr id="5" name="Picture 4" descr="Diagram&#10;&#10;Description automatically generated">
+            <a:extLst>
+              <a:ext uri="{FF2B5EF4-FFF2-40B4-BE49-F238E27FC236}">
+                <a16:creationId xmlns:a16="http://schemas.microsoft.com/office/drawing/2014/main" id="{74FCBF0C-D21E-6A4B-BAFE-2A17B6B17FE6}"/>
+              </a:ext>
+            </a:extLst>
+          </p:cNvPr>
+          <p:cNvPicPr>
+            <a:picLocks noChangeAspect="1"/>
+          </p:cNvPicPr>
+          <p:nvPr/>
+        </p:nvPicPr>
+        <p:blipFill>
+          <a:blip r:embed="rId2"/>
+          <a:stretch>
+            <a:fillRect/>
+          </a:stretch>
+        </p:blipFill>
+        <p:spPr>
+          <a:xfrm>
+            <a:off x="4629150" y="1438395"/>
+            <a:ext cx="3886200" cy="3125152"/>
+          </a:xfrm>
+          <a:prstGeom prst="rect">
+            <a:avLst/>
+          </a:prstGeom>
+          <a:noFill/>
+        </p:spPr>
+      </p:pic>
+    </p:spTree>
+    <p:extLst>
+      <p:ext uri="{BB962C8B-B14F-4D97-AF65-F5344CB8AC3E}">
+        <p14:creationId xmlns:p14="http://schemas.microsoft.com/office/powerpoint/2010/main" val="2053745661"/>
+      </p:ext>
+    </p:extLst>
+  </p:cSld>
+  <p:clrMapOvr>
+    <a:masterClrMapping/>
+  </p:clrMapOvr>
+</p:sld>
+</file>
+
+<file path=ppt/slides/slide25.xml><?xml version="1.0" encoding="utf-8"?>
+<p:sld xmlns:a="http://schemas.openxmlformats.org/drawingml/2006/main" xmlns:r="http://schemas.openxmlformats.org/officeDocument/2006/relationships" xmlns:p="http://schemas.openxmlformats.org/presentationml/2006/main">
+  <p:cSld>
+    <p:spTree>
+      <p:nvGrpSpPr>
+        <p:cNvPr id="1" name=""/>
+        <p:cNvGrpSpPr/>
+        <p:nvPr/>
+      </p:nvGrpSpPr>
+      <p:grpSpPr>
+        <a:xfrm>
+          <a:off x="0" y="0"/>
+          <a:ext cx="0" cy="0"/>
+          <a:chOff x="0" y="0"/>
+          <a:chExt cx="0" cy="0"/>
+        </a:xfrm>
+      </p:grpSpPr>
+      <p:sp>
+        <p:nvSpPr>
+          <p:cNvPr id="2" name="Title 1">
+            <a:extLst>
+              <a:ext uri="{FF2B5EF4-FFF2-40B4-BE49-F238E27FC236}">
                 <a16:creationId xmlns:a16="http://schemas.microsoft.com/office/drawing/2014/main" id="{08506B2A-1853-DC4C-8F91-DA7FFFFD7CD8}"/>
               </a:ext>
             </a:extLst>
@@ -22137,7 +23174,7 @@
 </p:sld>
 </file>
 
-<file path=ppt/slides/slide21.xml><?xml version="1.0" encoding="utf-8"?>
+<file path=ppt/slides/slide26.xml><?xml version="1.0" encoding="utf-8"?>
 <p:sld xmlns:a="http://schemas.openxmlformats.org/drawingml/2006/main" xmlns:r="http://schemas.openxmlformats.org/officeDocument/2006/relationships" xmlns:p="http://schemas.openxmlformats.org/presentationml/2006/main">
   <p:cSld>
     <p:spTree>
@@ -22281,7 +23318,7 @@
 </p:sld>
 </file>
 
-<file path=ppt/slides/slide22.xml><?xml version="1.0" encoding="utf-8"?>
+<file path=ppt/slides/slide27.xml><?xml version="1.0" encoding="utf-8"?>
 <p:sld xmlns:a="http://schemas.openxmlformats.org/drawingml/2006/main" xmlns:r="http://schemas.openxmlformats.org/officeDocument/2006/relationships" xmlns:p="http://schemas.openxmlformats.org/presentationml/2006/main">
   <p:cSld>
     <p:spTree>
@@ -22437,7 +23474,7 @@
 </p:sld>
 </file>
 
-<file path=ppt/slides/slide23.xml><?xml version="1.0" encoding="utf-8"?>
+<file path=ppt/slides/slide28.xml><?xml version="1.0" encoding="utf-8"?>
 <p:sld xmlns:a="http://schemas.openxmlformats.org/drawingml/2006/main" xmlns:r="http://schemas.openxmlformats.org/officeDocument/2006/relationships" xmlns:p="http://schemas.openxmlformats.org/presentationml/2006/main">
   <p:cSld>
     <p:spTree>
@@ -22702,7 +23739,7 @@
 </p:sld>
 </file>
 
-<file path=ppt/slides/slide24.xml><?xml version="1.0" encoding="utf-8"?>
+<file path=ppt/slides/slide29.xml><?xml version="1.0" encoding="utf-8"?>
 <p:sld xmlns:a="http://schemas.openxmlformats.org/drawingml/2006/main" xmlns:r="http://schemas.openxmlformats.org/officeDocument/2006/relationships" xmlns:p="http://schemas.openxmlformats.org/presentationml/2006/main">
   <p:cSld>
     <p:spTree>
@@ -22844,7 +23881,103 @@
 </p:sld>
 </file>
 
-<file path=ppt/slides/slide25.xml><?xml version="1.0" encoding="utf-8"?>
+<file path=ppt/slides/slide3.xml><?xml version="1.0" encoding="utf-8"?>
+<p:sld xmlns:a="http://schemas.openxmlformats.org/drawingml/2006/main" xmlns:r="http://schemas.openxmlformats.org/officeDocument/2006/relationships" xmlns:p="http://schemas.openxmlformats.org/presentationml/2006/main">
+  <p:cSld>
+    <p:spTree>
+      <p:nvGrpSpPr>
+        <p:cNvPr id="1" name=""/>
+        <p:cNvGrpSpPr/>
+        <p:nvPr/>
+      </p:nvGrpSpPr>
+      <p:grpSpPr>
+        <a:xfrm>
+          <a:off x="0" y="0"/>
+          <a:ext cx="0" cy="0"/>
+          <a:chOff x="0" y="0"/>
+          <a:chExt cx="0" cy="0"/>
+        </a:xfrm>
+      </p:grpSpPr>
+      <p:sp>
+        <p:nvSpPr>
+          <p:cNvPr id="2" name="Title 1">
+            <a:extLst>
+              <a:ext uri="{FF2B5EF4-FFF2-40B4-BE49-F238E27FC236}">
+                <a16:creationId xmlns:a16="http://schemas.microsoft.com/office/drawing/2014/main" id="{04A8DFF0-8FD9-DE41-A4E1-EBA4AF9EDD32}"/>
+              </a:ext>
+            </a:extLst>
+          </p:cNvPr>
+          <p:cNvSpPr>
+            <a:spLocks noGrp="1"/>
+          </p:cNvSpPr>
+          <p:nvPr>
+            <p:ph type="title"/>
+          </p:nvPr>
+        </p:nvSpPr>
+        <p:spPr>
+          <a:xfrm>
+            <a:off x="628650" y="273847"/>
+            <a:ext cx="7886700" cy="994172"/>
+          </a:xfrm>
+        </p:spPr>
+        <p:txBody>
+          <a:bodyPr anchor="ctr">
+            <a:normAutofit/>
+          </a:bodyPr>
+          <a:lstStyle/>
+          <a:p>
+            <a:r>
+              <a:rPr lang="en-US" dirty="0"/>
+              <a:t>Use After Free</a:t>
+            </a:r>
+          </a:p>
+        </p:txBody>
+      </p:sp>
+      <p:graphicFrame>
+        <p:nvGraphicFramePr>
+          <p:cNvPr id="5" name="Content Placeholder 2">
+            <a:extLst>
+              <a:ext uri="{FF2B5EF4-FFF2-40B4-BE49-F238E27FC236}">
+                <a16:creationId xmlns:a16="http://schemas.microsoft.com/office/drawing/2014/main" id="{1115373C-35A7-4148-9A21-666E6C385FBB}"/>
+              </a:ext>
+            </a:extLst>
+          </p:cNvPr>
+          <p:cNvGraphicFramePr>
+            <a:graphicFrameLocks noGrp="1"/>
+          </p:cNvGraphicFramePr>
+          <p:nvPr>
+            <p:ph idx="1"/>
+            <p:extLst>
+              <p:ext uri="{D42A27DB-BD31-4B8C-83A1-F6EECF244321}">
+                <p14:modId xmlns:p14="http://schemas.microsoft.com/office/powerpoint/2010/main" val="3515538897"/>
+              </p:ext>
+            </p:extLst>
+          </p:nvPr>
+        </p:nvGraphicFramePr>
+        <p:xfrm>
+          <a:off x="628650" y="1236541"/>
+          <a:ext cx="7886700" cy="3263504"/>
+        </p:xfrm>
+        <a:graphic>
+          <a:graphicData uri="http://schemas.openxmlformats.org/drawingml/2006/diagram">
+            <dgm:relIds xmlns:dgm="http://schemas.openxmlformats.org/drawingml/2006/diagram" xmlns:r="http://schemas.openxmlformats.org/officeDocument/2006/relationships" r:dm="rId2" r:lo="rId3" r:qs="rId4" r:cs="rId5"/>
+          </a:graphicData>
+        </a:graphic>
+      </p:graphicFrame>
+    </p:spTree>
+    <p:extLst>
+      <p:ext uri="{BB962C8B-B14F-4D97-AF65-F5344CB8AC3E}">
+        <p14:creationId xmlns:p14="http://schemas.microsoft.com/office/powerpoint/2010/main" val="663485513"/>
+      </p:ext>
+    </p:extLst>
+  </p:cSld>
+  <p:clrMapOvr>
+    <a:masterClrMapping/>
+  </p:clrMapOvr>
+</p:sld>
+</file>
+
+<file path=ppt/slides/slide30.xml><?xml version="1.0" encoding="utf-8"?>
 <p:sld xmlns:a="http://schemas.openxmlformats.org/drawingml/2006/main" xmlns:r="http://schemas.openxmlformats.org/officeDocument/2006/relationships" xmlns:p="http://schemas.openxmlformats.org/presentationml/2006/main">
   <p:cSld>
     <p:spTree>
@@ -22985,7 +24118,7 @@
 </p:sld>
 </file>
 
-<file path=ppt/slides/slide26.xml><?xml version="1.0" encoding="utf-8"?>
+<file path=ppt/slides/slide31.xml><?xml version="1.0" encoding="utf-8"?>
 <p:sld xmlns:a="http://schemas.openxmlformats.org/drawingml/2006/main" xmlns:r="http://schemas.openxmlformats.org/officeDocument/2006/relationships" xmlns:p="http://schemas.openxmlformats.org/presentationml/2006/main">
   <p:cSld>
     <p:spTree>
@@ -23145,7 +24278,7 @@
 </p:sld>
 </file>
 
-<file path=ppt/slides/slide27.xml><?xml version="1.0" encoding="utf-8"?>
+<file path=ppt/slides/slide32.xml><?xml version="1.0" encoding="utf-8"?>
 <p:sld xmlns:a="http://schemas.openxmlformats.org/drawingml/2006/main" xmlns:r="http://schemas.openxmlformats.org/officeDocument/2006/relationships" xmlns:p="http://schemas.openxmlformats.org/presentationml/2006/main">
   <p:cSld>
     <p:spTree>
@@ -23251,8 +24384,23 @@
               <a:rPr lang="en-US" dirty="0">
                 <a:sym typeface="Wingdings" pitchFamily="2" charset="2"/>
               </a:rPr>
-              <a:t> Frees a malloc chunk</a:t>
-            </a:r>
+              <a:t> Frees a </a:t>
+            </a:r>
+            <a:r>
+              <a:rPr lang="en-US">
+                <a:sym typeface="Wingdings" pitchFamily="2" charset="2"/>
+              </a:rPr>
+              <a:t>malloc chunk (</a:t>
+            </a:r>
+            <a:r>
+              <a:rPr lang="en-US" i="1">
+                <a:sym typeface="Wingdings" pitchFamily="2" charset="2"/>
+              </a:rPr>
+              <a:t>again)</a:t>
+            </a:r>
+            <a:endParaRPr lang="en-US" dirty="0">
+              <a:sym typeface="Wingdings" pitchFamily="2" charset="2"/>
+            </a:endParaRPr>
           </a:p>
           <a:p>
             <a:r>
@@ -23329,7 +24477,7 @@
 </p:sld>
 </file>
 
-<file path=ppt/slides/slide28.xml><?xml version="1.0" encoding="utf-8"?>
+<file path=ppt/slides/slide33.xml><?xml version="1.0" encoding="utf-8"?>
 <p:sld xmlns:a="http://schemas.openxmlformats.org/drawingml/2006/main" xmlns:r="http://schemas.openxmlformats.org/officeDocument/2006/relationships" xmlns:p="http://schemas.openxmlformats.org/presentationml/2006/main">
   <p:cSld>
     <p:spTree>
@@ -23425,7 +24573,7 @@
 </p:sld>
 </file>
 
-<file path=ppt/slides/slide29.xml><?xml version="1.0" encoding="utf-8"?>
+<file path=ppt/slides/slide34.xml><?xml version="1.0" encoding="utf-8"?>
 <p:sld xmlns:a="http://schemas.openxmlformats.org/drawingml/2006/main" xmlns:r="http://schemas.openxmlformats.org/officeDocument/2006/relationships" xmlns:p="http://schemas.openxmlformats.org/presentationml/2006/main">
   <p:cSld>
     <p:spTree>
@@ -23558,103 +24706,7 @@
 </p:sld>
 </file>
 
-<file path=ppt/slides/slide3.xml><?xml version="1.0" encoding="utf-8"?>
-<p:sld xmlns:a="http://schemas.openxmlformats.org/drawingml/2006/main" xmlns:r="http://schemas.openxmlformats.org/officeDocument/2006/relationships" xmlns:p="http://schemas.openxmlformats.org/presentationml/2006/main">
-  <p:cSld>
-    <p:spTree>
-      <p:nvGrpSpPr>
-        <p:cNvPr id="1" name=""/>
-        <p:cNvGrpSpPr/>
-        <p:nvPr/>
-      </p:nvGrpSpPr>
-      <p:grpSpPr>
-        <a:xfrm>
-          <a:off x="0" y="0"/>
-          <a:ext cx="0" cy="0"/>
-          <a:chOff x="0" y="0"/>
-          <a:chExt cx="0" cy="0"/>
-        </a:xfrm>
-      </p:grpSpPr>
-      <p:sp>
-        <p:nvSpPr>
-          <p:cNvPr id="2" name="Title 1">
-            <a:extLst>
-              <a:ext uri="{FF2B5EF4-FFF2-40B4-BE49-F238E27FC236}">
-                <a16:creationId xmlns:a16="http://schemas.microsoft.com/office/drawing/2014/main" id="{04A8DFF0-8FD9-DE41-A4E1-EBA4AF9EDD32}"/>
-              </a:ext>
-            </a:extLst>
-          </p:cNvPr>
-          <p:cNvSpPr>
-            <a:spLocks noGrp="1"/>
-          </p:cNvSpPr>
-          <p:nvPr>
-            <p:ph type="title"/>
-          </p:nvPr>
-        </p:nvSpPr>
-        <p:spPr>
-          <a:xfrm>
-            <a:off x="628650" y="273847"/>
-            <a:ext cx="7886700" cy="994172"/>
-          </a:xfrm>
-        </p:spPr>
-        <p:txBody>
-          <a:bodyPr anchor="ctr">
-            <a:normAutofit/>
-          </a:bodyPr>
-          <a:lstStyle/>
-          <a:p>
-            <a:r>
-              <a:rPr lang="en-US" dirty="0"/>
-              <a:t>Use After Free</a:t>
-            </a:r>
-          </a:p>
-        </p:txBody>
-      </p:sp>
-      <p:graphicFrame>
-        <p:nvGraphicFramePr>
-          <p:cNvPr id="5" name="Content Placeholder 2">
-            <a:extLst>
-              <a:ext uri="{FF2B5EF4-FFF2-40B4-BE49-F238E27FC236}">
-                <a16:creationId xmlns:a16="http://schemas.microsoft.com/office/drawing/2014/main" id="{1115373C-35A7-4148-9A21-666E6C385FBB}"/>
-              </a:ext>
-            </a:extLst>
-          </p:cNvPr>
-          <p:cNvGraphicFramePr>
-            <a:graphicFrameLocks noGrp="1"/>
-          </p:cNvGraphicFramePr>
-          <p:nvPr>
-            <p:ph idx="1"/>
-            <p:extLst>
-              <p:ext uri="{D42A27DB-BD31-4B8C-83A1-F6EECF244321}">
-                <p14:modId xmlns:p14="http://schemas.microsoft.com/office/powerpoint/2010/main" val="3824407425"/>
-              </p:ext>
-            </p:extLst>
-          </p:nvPr>
-        </p:nvGraphicFramePr>
-        <p:xfrm>
-          <a:off x="628650" y="1236541"/>
-          <a:ext cx="7886700" cy="3263504"/>
-        </p:xfrm>
-        <a:graphic>
-          <a:graphicData uri="http://schemas.openxmlformats.org/drawingml/2006/diagram">
-            <dgm:relIds xmlns:dgm="http://schemas.openxmlformats.org/drawingml/2006/diagram" xmlns:r="http://schemas.openxmlformats.org/officeDocument/2006/relationships" r:dm="rId2" r:lo="rId3" r:qs="rId4" r:cs="rId5"/>
-          </a:graphicData>
-        </a:graphic>
-      </p:graphicFrame>
-    </p:spTree>
-    <p:extLst>
-      <p:ext uri="{BB962C8B-B14F-4D97-AF65-F5344CB8AC3E}">
-        <p14:creationId xmlns:p14="http://schemas.microsoft.com/office/powerpoint/2010/main" val="663485513"/>
-      </p:ext>
-    </p:extLst>
-  </p:cSld>
-  <p:clrMapOvr>
-    <a:masterClrMapping/>
-  </p:clrMapOvr>
-</p:sld>
-</file>
-
-<file path=ppt/slides/slide30.xml><?xml version="1.0" encoding="utf-8"?>
+<file path=ppt/slides/slide35.xml><?xml version="1.0" encoding="utf-8"?>
 <p:sld xmlns:a="http://schemas.openxmlformats.org/drawingml/2006/main" xmlns:r="http://schemas.openxmlformats.org/officeDocument/2006/relationships" xmlns:p="http://schemas.openxmlformats.org/presentationml/2006/main">
   <p:cSld>
     <p:spTree>
@@ -23855,7 +24907,7 @@
 </p:sld>
 </file>
 
-<file path=ppt/slides/slide31.xml><?xml version="1.0" encoding="utf-8"?>
+<file path=ppt/slides/slide36.xml><?xml version="1.0" encoding="utf-8"?>
 <p:sld xmlns:a="http://schemas.openxmlformats.org/drawingml/2006/main" xmlns:r="http://schemas.openxmlformats.org/officeDocument/2006/relationships" xmlns:p="http://schemas.openxmlformats.org/presentationml/2006/main">
   <p:cSld>
     <p:spTree>
@@ -23992,7 +25044,7 @@
 </p:sld>
 </file>
 
-<file path=ppt/slides/slide32.xml><?xml version="1.0" encoding="utf-8"?>
+<file path=ppt/slides/slide37.xml><?xml version="1.0" encoding="utf-8"?>
 <p:sld xmlns:a="http://schemas.openxmlformats.org/drawingml/2006/main" xmlns:r="http://schemas.openxmlformats.org/officeDocument/2006/relationships" xmlns:p="http://schemas.openxmlformats.org/presentationml/2006/main">
   <p:cSld>
     <p:spTree>
@@ -24014,7 +25066,7 @@
           <p:cNvPr id="2" name="Title 1">
             <a:extLst>
               <a:ext uri="{FF2B5EF4-FFF2-40B4-BE49-F238E27FC236}">
-                <a16:creationId xmlns:a16="http://schemas.microsoft.com/office/drawing/2014/main" id="{DEA2737F-EFA2-CC46-BEF5-D2B3628E914F}"/>
+                <a16:creationId xmlns:a16="http://schemas.microsoft.com/office/drawing/2014/main" id="{D8E8A067-B086-A143-A42D-B401895FB93E}"/>
               </a:ext>
             </a:extLst>
           </p:cNvPr>
@@ -24027,29 +25079,29 @@
         </p:nvSpPr>
         <p:spPr>
           <a:xfrm>
-            <a:off x="629841" y="342900"/>
-            <a:ext cx="2949178" cy="1200150"/>
+            <a:off x="628650" y="273847"/>
+            <a:ext cx="7886700" cy="994172"/>
           </a:xfrm>
         </p:spPr>
         <p:txBody>
-          <a:bodyPr anchor="b">
+          <a:bodyPr anchor="ctr">
             <a:normAutofit/>
           </a:bodyPr>
           <a:lstStyle/>
           <a:p>
             <a:r>
               <a:rPr lang="en-US" dirty="0"/>
-              <a:t>Double Free – Attack #3 </a:t>
+              <a:t>Double Free #3</a:t>
             </a:r>
           </a:p>
         </p:txBody>
       </p:sp>
       <p:sp>
         <p:nvSpPr>
-          <p:cNvPr id="9" name="Text Placeholder 3">
+          <p:cNvPr id="3" name="Content Placeholder 2">
             <a:extLst>
               <a:ext uri="{FF2B5EF4-FFF2-40B4-BE49-F238E27FC236}">
-                <a16:creationId xmlns:a16="http://schemas.microsoft.com/office/drawing/2014/main" id="{9A0A6DDA-E592-4149-9C60-AE264DEA24E1}"/>
+                <a16:creationId xmlns:a16="http://schemas.microsoft.com/office/drawing/2014/main" id="{99948CB0-E992-5841-BEB8-1B6CA8E81C82}"/>
               </a:ext>
             </a:extLst>
           </p:cNvPr>
@@ -24057,58 +25109,97 @@
             <a:spLocks noGrp="1"/>
           </p:cNvSpPr>
           <p:nvPr>
-            <p:ph type="body" sz="half" idx="2"/>
+            <p:ph sz="half" idx="2"/>
           </p:nvPr>
         </p:nvSpPr>
         <p:spPr>
           <a:xfrm>
-            <a:off x="629841" y="1543052"/>
-            <a:ext cx="2949178" cy="2858691"/>
+            <a:off x="4629150" y="1369219"/>
+            <a:ext cx="3886200" cy="3263504"/>
           </a:xfrm>
         </p:spPr>
         <p:txBody>
-          <a:bodyPr/>
+          <a:bodyPr>
+            <a:normAutofit/>
+          </a:bodyPr>
           <a:lstStyle/>
           <a:p>
-            <a:endParaRPr lang="en-US"/>
+            <a:r>
+              <a:rPr lang="en-US" dirty="0"/>
+              <a:t>Only checks if the same chunk appears </a:t>
+            </a:r>
+            <a:r>
+              <a:rPr lang="en-US" b="1" i="1" dirty="0"/>
+              <a:t>multiple</a:t>
+            </a:r>
+            <a:r>
+              <a:rPr lang="en-US" i="1" dirty="0"/>
+              <a:t> </a:t>
+            </a:r>
+            <a:r>
+              <a:rPr lang="en-US" dirty="0"/>
+              <a:t>times</a:t>
+            </a:r>
+          </a:p>
+          <a:p>
+            <a:r>
+              <a:rPr lang="en-US" dirty="0"/>
+              <a:t>What if we did something different? </a:t>
+            </a:r>
           </a:p>
         </p:txBody>
       </p:sp>
-      <p:graphicFrame>
-        <p:nvGraphicFramePr>
-          <p:cNvPr id="5" name="Content Placeholder 2">
+      <p:pic>
+        <p:nvPicPr>
+          <p:cNvPr id="1028" name="Picture 4" descr="Double free #3 meme">
             <a:extLst>
               <a:ext uri="{FF2B5EF4-FFF2-40B4-BE49-F238E27FC236}">
-                <a16:creationId xmlns:a16="http://schemas.microsoft.com/office/drawing/2014/main" id="{07A4B56B-620A-49A4-8A7F-9602A9A900B5}"/>
+                <a16:creationId xmlns:a16="http://schemas.microsoft.com/office/drawing/2014/main" id="{5B6E786B-4CEE-CB4E-960B-B77FCD65A54F}"/>
               </a:ext>
             </a:extLst>
           </p:cNvPr>
-          <p:cNvGraphicFramePr>
-            <a:graphicFrameLocks noGrp="1"/>
-          </p:cNvGraphicFramePr>
-          <p:nvPr>
-            <p:ph idx="1"/>
-            <p:extLst>
-              <p:ext uri="{D42A27DB-BD31-4B8C-83A1-F6EECF244321}">
-                <p14:modId xmlns:p14="http://schemas.microsoft.com/office/powerpoint/2010/main" val="231873311"/>
-              </p:ext>
-            </p:extLst>
-          </p:nvPr>
-        </p:nvGraphicFramePr>
-        <p:xfrm>
-          <a:off x="3887391" y="740572"/>
-          <a:ext cx="4629150" cy="3655219"/>
-        </p:xfrm>
-        <a:graphic>
-          <a:graphicData uri="http://schemas.openxmlformats.org/drawingml/2006/diagram">
-            <dgm:relIds xmlns:dgm="http://schemas.openxmlformats.org/drawingml/2006/diagram" xmlns:r="http://schemas.openxmlformats.org/officeDocument/2006/relationships" r:dm="rId2" r:lo="rId3" r:qs="rId4" r:cs="rId5"/>
-          </a:graphicData>
-        </a:graphic>
-      </p:graphicFrame>
+          <p:cNvPicPr>
+            <a:picLocks noChangeAspect="1" noChangeArrowheads="1"/>
+          </p:cNvPicPr>
+          <p:nvPr/>
+        </p:nvPicPr>
+        <p:blipFill>
+          <a:blip r:embed="rId2">
+            <a:extLst>
+              <a:ext uri="{28A0092B-C50C-407E-A947-70E740481C1C}">
+                <a14:useLocalDpi xmlns:a14="http://schemas.microsoft.com/office/drawing/2010/main" val="0"/>
+              </a:ext>
+            </a:extLst>
+          </a:blip>
+          <a:srcRect/>
+          <a:stretch>
+            <a:fillRect/>
+          </a:stretch>
+        </p:blipFill>
+        <p:spPr bwMode="auto">
+          <a:xfrm>
+            <a:off x="132856" y="1268019"/>
+            <a:ext cx="4496294" cy="3702158"/>
+          </a:xfrm>
+          <a:prstGeom prst="rect">
+            <a:avLst/>
+          </a:prstGeom>
+          <a:noFill/>
+          <a:extLst>
+            <a:ext uri="{909E8E84-426E-40DD-AFC4-6F175D3DCCD1}">
+              <a14:hiddenFill xmlns:a14="http://schemas.microsoft.com/office/drawing/2010/main">
+                <a:solidFill>
+                  <a:srgbClr val="FFFFFF"/>
+                </a:solidFill>
+              </a14:hiddenFill>
+            </a:ext>
+          </a:extLst>
+        </p:spPr>
+      </p:pic>
     </p:spTree>
     <p:extLst>
       <p:ext uri="{BB962C8B-B14F-4D97-AF65-F5344CB8AC3E}">
-        <p14:creationId xmlns:p14="http://schemas.microsoft.com/office/powerpoint/2010/main" val="2137212521"/>
+        <p14:creationId xmlns:p14="http://schemas.microsoft.com/office/powerpoint/2010/main" val="3410684713"/>
       </p:ext>
     </p:extLst>
   </p:cSld>
@@ -24118,7 +25209,7 @@
 </p:sld>
 </file>
 
-<file path=ppt/slides/slide33.xml><?xml version="1.0" encoding="utf-8"?>
+<file path=ppt/slides/slide38.xml><?xml version="1.0" encoding="utf-8"?>
 <p:sld xmlns:a="http://schemas.openxmlformats.org/drawingml/2006/main" xmlns:r="http://schemas.openxmlformats.org/officeDocument/2006/relationships" xmlns:p="http://schemas.openxmlformats.org/presentationml/2006/main">
   <p:cSld>
     <p:spTree>
@@ -24140,7 +25231,7 @@
           <p:cNvPr id="2" name="Title 1">
             <a:extLst>
               <a:ext uri="{FF2B5EF4-FFF2-40B4-BE49-F238E27FC236}">
-                <a16:creationId xmlns:a16="http://schemas.microsoft.com/office/drawing/2014/main" id="{C526C2A3-5DEA-3C4A-B00C-B7922C0E55A1}"/>
+                <a16:creationId xmlns:a16="http://schemas.microsoft.com/office/drawing/2014/main" id="{F6D59EF9-BC96-AB4E-AB96-8BBA9BE82823}"/>
               </a:ext>
             </a:extLst>
           </p:cNvPr>
@@ -24165,46 +25256,95 @@
           <a:p>
             <a:r>
               <a:rPr lang="en-US" dirty="0"/>
-              <a:t>Double Free – The Future </a:t>
+              <a:t>Double Free #3 – Start </a:t>
             </a:r>
           </a:p>
         </p:txBody>
       </p:sp>
-      <p:graphicFrame>
-        <p:nvGraphicFramePr>
-          <p:cNvPr id="5" name="Content Placeholder 2">
+      <p:pic>
+        <p:nvPicPr>
+          <p:cNvPr id="14" name="Content Placeholder 13" descr="Diagram&#10;&#10;Description automatically generated">
             <a:extLst>
               <a:ext uri="{FF2B5EF4-FFF2-40B4-BE49-F238E27FC236}">
-                <a16:creationId xmlns:a16="http://schemas.microsoft.com/office/drawing/2014/main" id="{19310742-0F04-4FDE-BF10-4E2A622CE200}"/>
+                <a16:creationId xmlns:a16="http://schemas.microsoft.com/office/drawing/2014/main" id="{68917EFF-9602-5B48-93C6-DE064F694479}"/>
               </a:ext>
             </a:extLst>
           </p:cNvPr>
-          <p:cNvGraphicFramePr>
-            <a:graphicFrameLocks noGrp="1"/>
-          </p:cNvGraphicFramePr>
+          <p:cNvPicPr>
+            <a:picLocks noGrp="1" noChangeAspect="1"/>
+          </p:cNvPicPr>
           <p:nvPr>
-            <p:ph idx="1"/>
-            <p:extLst>
-              <p:ext uri="{D42A27DB-BD31-4B8C-83A1-F6EECF244321}">
-                <p14:modId xmlns:p14="http://schemas.microsoft.com/office/powerpoint/2010/main" val="584684978"/>
-              </p:ext>
-            </p:extLst>
+            <p:ph sz="half" idx="1"/>
           </p:nvPr>
-        </p:nvGraphicFramePr>
-        <p:xfrm>
-          <a:off x="628650" y="1236541"/>
-          <a:ext cx="7886700" cy="3263504"/>
-        </p:xfrm>
-        <a:graphic>
-          <a:graphicData uri="http://schemas.openxmlformats.org/drawingml/2006/diagram">
-            <dgm:relIds xmlns:dgm="http://schemas.openxmlformats.org/drawingml/2006/diagram" xmlns:r="http://schemas.openxmlformats.org/officeDocument/2006/relationships" r:dm="rId2" r:lo="rId3" r:qs="rId4" r:cs="rId5"/>
-          </a:graphicData>
-        </a:graphic>
-      </p:graphicFrame>
+        </p:nvPicPr>
+        <p:blipFill>
+          <a:blip r:embed="rId2"/>
+          <a:stretch>
+            <a:fillRect/>
+          </a:stretch>
+        </p:blipFill>
+        <p:spPr>
+          <a:xfrm>
+            <a:off x="628650" y="1554161"/>
+            <a:ext cx="3886200" cy="2893620"/>
+          </a:xfrm>
+          <a:noFill/>
+        </p:spPr>
+      </p:pic>
+      <p:sp>
+        <p:nvSpPr>
+          <p:cNvPr id="10" name="Content Placeholder 3">
+            <a:extLst>
+              <a:ext uri="{FF2B5EF4-FFF2-40B4-BE49-F238E27FC236}">
+                <a16:creationId xmlns:a16="http://schemas.microsoft.com/office/drawing/2014/main" id="{239C6669-5B9A-47CD-9031-E62E363540EE}"/>
+              </a:ext>
+            </a:extLst>
+          </p:cNvPr>
+          <p:cNvSpPr>
+            <a:spLocks noGrp="1"/>
+          </p:cNvSpPr>
+          <p:nvPr>
+            <p:ph sz="half" idx="2"/>
+          </p:nvPr>
+        </p:nvSpPr>
+        <p:spPr>
+          <a:xfrm>
+            <a:off x="4629150" y="1369219"/>
+            <a:ext cx="3886200" cy="3263504"/>
+          </a:xfrm>
+        </p:spPr>
+        <p:txBody>
+          <a:bodyPr>
+            <a:normAutofit/>
+          </a:bodyPr>
+          <a:lstStyle/>
+          <a:p>
+            <a:r>
+              <a:rPr lang="en-US" b="1" i="1" dirty="0"/>
+              <a:t>Ptr 1 </a:t>
+            </a:r>
+            <a:r>
+              <a:rPr lang="en-US" dirty="0"/>
+              <a:t>points to chunk 1</a:t>
+            </a:r>
+          </a:p>
+          <a:p>
+            <a:r>
+              <a:rPr lang="en-US" b="1" i="1" dirty="0"/>
+              <a:t>Ptr 2</a:t>
+            </a:r>
+            <a:r>
+              <a:rPr lang="en-US" dirty="0"/>
+              <a:t> needs an allocation though!</a:t>
+            </a:r>
+            <a:endParaRPr lang="en-US" b="1" i="1" dirty="0"/>
+          </a:p>
+        </p:txBody>
+      </p:sp>
     </p:spTree>
     <p:extLst>
       <p:ext uri="{BB962C8B-B14F-4D97-AF65-F5344CB8AC3E}">
-        <p14:creationId xmlns:p14="http://schemas.microsoft.com/office/powerpoint/2010/main" val="2409853047"/>
+        <p14:creationId xmlns:p14="http://schemas.microsoft.com/office/powerpoint/2010/main" val="2319803123"/>
       </p:ext>
     </p:extLst>
   </p:cSld>
@@ -24214,7 +25354,7 @@
 </p:sld>
 </file>
 
-<file path=ppt/slides/slide34.xml><?xml version="1.0" encoding="utf-8"?>
+<file path=ppt/slides/slide39.xml><?xml version="1.0" encoding="utf-8"?>
 <p:sld xmlns:a="http://schemas.openxmlformats.org/drawingml/2006/main" xmlns:r="http://schemas.openxmlformats.org/officeDocument/2006/relationships" xmlns:p="http://schemas.openxmlformats.org/presentationml/2006/main">
   <p:cSld>
     <p:spTree>
@@ -24236,7 +25376,7 @@
           <p:cNvPr id="2" name="Title 1">
             <a:extLst>
               <a:ext uri="{FF2B5EF4-FFF2-40B4-BE49-F238E27FC236}">
-                <a16:creationId xmlns:a16="http://schemas.microsoft.com/office/drawing/2014/main" id="{78CB0C8C-5E72-E649-90CD-31E4F5F2DEF0}"/>
+                <a16:creationId xmlns:a16="http://schemas.microsoft.com/office/drawing/2014/main" id="{F6D59EF9-BC96-AB4E-AB96-8BBA9BE82823}"/>
               </a:ext>
             </a:extLst>
           </p:cNvPr>
@@ -24249,90 +25389,59 @@
         </p:nvSpPr>
         <p:spPr>
           <a:xfrm>
-            <a:off x="628650" y="273847"/>
-            <a:ext cx="7886700" cy="994172"/>
+            <a:off x="628649" y="273847"/>
+            <a:ext cx="8011655" cy="994172"/>
           </a:xfrm>
         </p:spPr>
         <p:txBody>
           <a:bodyPr anchor="ctr">
-            <a:normAutofit/>
+            <a:normAutofit fontScale="90000"/>
           </a:bodyPr>
           <a:lstStyle/>
           <a:p>
             <a:r>
               <a:rPr lang="en-US" dirty="0"/>
-              <a:t>Finding Bugs</a:t>
+              <a:t>Double Free #3 – Free The Chunk</a:t>
             </a:r>
           </a:p>
         </p:txBody>
       </p:sp>
-      <p:graphicFrame>
-        <p:nvGraphicFramePr>
-          <p:cNvPr id="5" name="Content Placeholder 2">
+      <p:pic>
+        <p:nvPicPr>
+          <p:cNvPr id="6" name="Content Placeholder 5" descr="Diagram&#10;&#10;Description automatically generated">
             <a:extLst>
               <a:ext uri="{FF2B5EF4-FFF2-40B4-BE49-F238E27FC236}">
-                <a16:creationId xmlns:a16="http://schemas.microsoft.com/office/drawing/2014/main" id="{96E1040F-D2D5-4B4D-AC0B-3056B00AD289}"/>
+                <a16:creationId xmlns:a16="http://schemas.microsoft.com/office/drawing/2014/main" id="{E7C769F9-D5FB-9B49-B886-13DC12C82890}"/>
               </a:ext>
             </a:extLst>
           </p:cNvPr>
-          <p:cNvGraphicFramePr>
-            <a:graphicFrameLocks noGrp="1"/>
-          </p:cNvGraphicFramePr>
+          <p:cNvPicPr>
+            <a:picLocks noGrp="1" noChangeAspect="1"/>
+          </p:cNvPicPr>
           <p:nvPr>
-            <p:ph idx="1"/>
-            <p:extLst>
-              <p:ext uri="{D42A27DB-BD31-4B8C-83A1-F6EECF244321}">
-                <p14:modId xmlns:p14="http://schemas.microsoft.com/office/powerpoint/2010/main" val="2829146450"/>
-              </p:ext>
-            </p:extLst>
+            <p:ph sz="half" idx="1"/>
           </p:nvPr>
-        </p:nvGraphicFramePr>
-        <p:xfrm>
-          <a:off x="628650" y="1236541"/>
-          <a:ext cx="7886700" cy="3263504"/>
-        </p:xfrm>
-        <a:graphic>
-          <a:graphicData uri="http://schemas.openxmlformats.org/drawingml/2006/diagram">
-            <dgm:relIds xmlns:dgm="http://schemas.openxmlformats.org/drawingml/2006/diagram" xmlns:r="http://schemas.openxmlformats.org/officeDocument/2006/relationships" r:dm="rId2" r:lo="rId3" r:qs="rId4" r:cs="rId5"/>
-          </a:graphicData>
-        </a:graphic>
-      </p:graphicFrame>
-    </p:spTree>
-    <p:extLst>
-      <p:ext uri="{BB962C8B-B14F-4D97-AF65-F5344CB8AC3E}">
-        <p14:creationId xmlns:p14="http://schemas.microsoft.com/office/powerpoint/2010/main" val="3891317674"/>
-      </p:ext>
-    </p:extLst>
-  </p:cSld>
-  <p:clrMapOvr>
-    <a:masterClrMapping/>
-  </p:clrMapOvr>
-</p:sld>
-</file>
-
-<file path=ppt/slides/slide35.xml><?xml version="1.0" encoding="utf-8"?>
-<p:sld xmlns:a="http://schemas.openxmlformats.org/drawingml/2006/main" xmlns:r="http://schemas.openxmlformats.org/officeDocument/2006/relationships" xmlns:p="http://schemas.openxmlformats.org/presentationml/2006/main">
-  <p:cSld>
-    <p:spTree>
-      <p:nvGrpSpPr>
-        <p:cNvPr id="1" name=""/>
-        <p:cNvGrpSpPr/>
-        <p:nvPr/>
-      </p:nvGrpSpPr>
-      <p:grpSpPr>
-        <a:xfrm>
-          <a:off x="0" y="0"/>
-          <a:ext cx="0" cy="0"/>
-          <a:chOff x="0" y="0"/>
-          <a:chExt cx="0" cy="0"/>
-        </a:xfrm>
-      </p:grpSpPr>
+        </p:nvPicPr>
+        <p:blipFill>
+          <a:blip r:embed="rId2"/>
+          <a:stretch>
+            <a:fillRect/>
+          </a:stretch>
+        </p:blipFill>
+        <p:spPr>
+          <a:xfrm>
+            <a:off x="628650" y="1554161"/>
+            <a:ext cx="3886200" cy="2893620"/>
+          </a:xfrm>
+          <a:noFill/>
+        </p:spPr>
+      </p:pic>
       <p:sp>
         <p:nvSpPr>
-          <p:cNvPr id="2" name="Title 1">
+          <p:cNvPr id="10" name="Content Placeholder 3">
             <a:extLst>
               <a:ext uri="{FF2B5EF4-FFF2-40B4-BE49-F238E27FC236}">
-                <a16:creationId xmlns:a16="http://schemas.microsoft.com/office/drawing/2014/main" id="{DC3C3B20-932E-634A-82C1-27EF24217CE3}"/>
+                <a16:creationId xmlns:a16="http://schemas.microsoft.com/office/drawing/2014/main" id="{239C6669-5B9A-47CD-9031-E62E363540EE}"/>
               </a:ext>
             </a:extLst>
           </p:cNvPr>
@@ -24340,145 +25449,70 @@
             <a:spLocks noGrp="1"/>
           </p:cNvSpPr>
           <p:nvPr>
-            <p:ph type="title"/>
+            <p:ph sz="half" idx="2"/>
           </p:nvPr>
         </p:nvSpPr>
-        <p:spPr/>
-        <p:txBody>
-          <a:bodyPr/>
-          <a:lstStyle/>
-          <a:p>
-            <a:r>
-              <a:rPr lang="en-US" dirty="0"/>
-              <a:t>References</a:t>
-            </a:r>
-          </a:p>
-        </p:txBody>
-      </p:sp>
-      <p:sp>
-        <p:nvSpPr>
-          <p:cNvPr id="3" name="Content Placeholder 2">
-            <a:extLst>
-              <a:ext uri="{FF2B5EF4-FFF2-40B4-BE49-F238E27FC236}">
-                <a16:creationId xmlns:a16="http://schemas.microsoft.com/office/drawing/2014/main" id="{FCED7489-313C-6C4F-8113-3A91A4BE9B1F}"/>
-              </a:ext>
-            </a:extLst>
-          </p:cNvPr>
-          <p:cNvSpPr>
-            <a:spLocks noGrp="1"/>
-          </p:cNvSpPr>
-          <p:nvPr>
-            <p:ph idx="1"/>
-          </p:nvPr>
-        </p:nvSpPr>
-        <p:spPr/>
+        <p:spPr>
+          <a:xfrm>
+            <a:off x="4629150" y="1369219"/>
+            <a:ext cx="3886200" cy="3263504"/>
+          </a:xfrm>
+        </p:spPr>
         <p:txBody>
           <a:bodyPr>
-            <a:normAutofit fontScale="70000" lnSpcReduction="20000"/>
+            <a:normAutofit/>
           </a:bodyPr>
           <a:lstStyle/>
           <a:p>
             <a:r>
-              <a:rPr lang="en-US" dirty="0">
-                <a:hlinkClick r:id="rId2"/>
-              </a:rPr>
-              <a:t>https://heap-exploitation.dhavalkapil.com/attacks/double_free</a:t>
+              <a:rPr lang="en-US" b="1" i="1" dirty="0"/>
+              <a:t>Free </a:t>
             </a:r>
             <a:r>
               <a:rPr lang="en-US" dirty="0"/>
-              <a:t> </a:t>
-            </a:r>
-          </a:p>
-          <a:p>
-            <a:r>
-              <a:rPr lang="en-US" dirty="0">
-                <a:hlinkClick r:id="rId3"/>
-              </a:rPr>
-              <a:t>https://cwe.mitre.org/data/definitions/416.html</a:t>
+              <a:t>chunk 1</a:t>
+            </a:r>
+            <a:endParaRPr lang="en-US" b="1" i="1" dirty="0"/>
+          </a:p>
+          <a:p>
+            <a:r>
+              <a:rPr lang="en-US" b="1" i="1" dirty="0"/>
+              <a:t>Ptr 1 </a:t>
             </a:r>
             <a:r>
               <a:rPr lang="en-US" dirty="0"/>
-              <a:t> </a:t>
-            </a:r>
-          </a:p>
-          <a:p>
-            <a:r>
-              <a:rPr lang="en-US" dirty="0">
-                <a:hlinkClick r:id="rId4"/>
-              </a:rPr>
-              <a:t>https://www.thezdi.com/blog/2020/9/2/cve-2020-9715-exploiting-a-use-after-free-in-adobe-reader</a:t>
-            </a:r>
-            <a:endParaRPr lang="en-US" dirty="0"/>
-          </a:p>
-          <a:p>
-            <a:r>
-              <a:rPr lang="en-US" dirty="0">
-                <a:hlinkClick r:id="rId5"/>
-              </a:rPr>
-              <a:t>https://sensepost.com/blog/2017/linux-heap-exploitation-intro-series-used-and-abused-use-after-free/</a:t>
+              <a:t>points </a:t>
+            </a:r>
+            <a:r>
+              <a:rPr lang="en-US" i="1" dirty="0"/>
+              <a:t>still</a:t>
             </a:r>
             <a:r>
               <a:rPr lang="en-US" dirty="0"/>
-              <a:t> </a:t>
-            </a:r>
-          </a:p>
-          <a:p>
-            <a:r>
-              <a:rPr lang="en-US" dirty="0">
-                <a:hlinkClick r:id="rId6"/>
-              </a:rPr>
-              <a:t>https://cwe.mitre.org/data/definitions/415.html</a:t>
-            </a:r>
+              <a:t> points chunk 1</a:t>
+            </a:r>
+          </a:p>
+          <a:p>
             <a:r>
               <a:rPr lang="en-US" dirty="0"/>
-              <a:t> </a:t>
-            </a:r>
-          </a:p>
-          <a:p>
-            <a:r>
-              <a:rPr lang="en-US" dirty="0">
-                <a:hlinkClick r:id="rId7"/>
-              </a:rPr>
-              <a:t>https://github.com/shellphish/how2heap/blob/master/glibc_2.31/house_of_botcake.c</a:t>
+              <a:t>Freeing </a:t>
+            </a:r>
+            <a:r>
+              <a:rPr lang="en-US" b="1" i="1" dirty="0"/>
+              <a:t>Ptr 1 </a:t>
             </a:r>
             <a:r>
               <a:rPr lang="en-US" dirty="0"/>
-              <a:t> </a:t>
-            </a:r>
-          </a:p>
-          <a:p>
-            <a:r>
-              <a:rPr lang="en-US" dirty="0">
-                <a:hlinkClick r:id="rId8"/>
-              </a:rPr>
-              <a:t>https://github.com/shellphish/how2heap/blob/master/glibc_2.23/fastbin_dup.c</a:t>
-            </a:r>
-            <a:r>
-              <a:rPr lang="en-US" dirty="0"/>
-              <a:t> </a:t>
-            </a:r>
-          </a:p>
-          <a:p>
-            <a:r>
-              <a:rPr lang="en-US" dirty="0">
-                <a:hlinkClick r:id="rId9"/>
-              </a:rPr>
-              <a:t>https://github.com/shellphish/how2heap/blob/master/glibc_2.23/fastbin_dup_consolidate.c</a:t>
-            </a:r>
-            <a:r>
-              <a:rPr lang="en-US" dirty="0"/>
-              <a:t> </a:t>
-            </a:r>
-          </a:p>
-          <a:p>
-            <a:endParaRPr lang="en-US" dirty="0"/>
+              <a:t>would cause a crash AGAIN…</a:t>
+            </a:r>
+            <a:endParaRPr lang="en-US" b="1" i="1" dirty="0"/>
           </a:p>
         </p:txBody>
       </p:sp>
     </p:spTree>
     <p:extLst>
       <p:ext uri="{BB962C8B-B14F-4D97-AF65-F5344CB8AC3E}">
-        <p14:creationId xmlns:p14="http://schemas.microsoft.com/office/powerpoint/2010/main" val="1669392527"/>
+        <p14:creationId xmlns:p14="http://schemas.microsoft.com/office/powerpoint/2010/main" val="2424631806"/>
       </p:ext>
     </p:extLst>
   </p:cSld>
@@ -24710,6 +25744,860 @@
     <p:extLst>
       <p:ext uri="{BB962C8B-B14F-4D97-AF65-F5344CB8AC3E}">
         <p14:creationId xmlns:p14="http://schemas.microsoft.com/office/powerpoint/2010/main" val="1070540681"/>
+      </p:ext>
+    </p:extLst>
+  </p:cSld>
+  <p:clrMapOvr>
+    <a:masterClrMapping/>
+  </p:clrMapOvr>
+</p:sld>
+</file>
+
+<file path=ppt/slides/slide40.xml><?xml version="1.0" encoding="utf-8"?>
+<p:sld xmlns:a="http://schemas.openxmlformats.org/drawingml/2006/main" xmlns:r="http://schemas.openxmlformats.org/officeDocument/2006/relationships" xmlns:p="http://schemas.openxmlformats.org/presentationml/2006/main">
+  <p:cSld>
+    <p:spTree>
+      <p:nvGrpSpPr>
+        <p:cNvPr id="1" name=""/>
+        <p:cNvGrpSpPr/>
+        <p:nvPr/>
+      </p:nvGrpSpPr>
+      <p:grpSpPr>
+        <a:xfrm>
+          <a:off x="0" y="0"/>
+          <a:ext cx="0" cy="0"/>
+          <a:chOff x="0" y="0"/>
+          <a:chExt cx="0" cy="0"/>
+        </a:xfrm>
+      </p:grpSpPr>
+      <p:sp>
+        <p:nvSpPr>
+          <p:cNvPr id="2" name="Title 1">
+            <a:extLst>
+              <a:ext uri="{FF2B5EF4-FFF2-40B4-BE49-F238E27FC236}">
+                <a16:creationId xmlns:a16="http://schemas.microsoft.com/office/drawing/2014/main" id="{F6D59EF9-BC96-AB4E-AB96-8BBA9BE82823}"/>
+              </a:ext>
+            </a:extLst>
+          </p:cNvPr>
+          <p:cNvSpPr>
+            <a:spLocks noGrp="1"/>
+          </p:cNvSpPr>
+          <p:nvPr>
+            <p:ph type="title"/>
+          </p:nvPr>
+        </p:nvSpPr>
+        <p:spPr>
+          <a:xfrm>
+            <a:off x="628650" y="273847"/>
+            <a:ext cx="7886700" cy="994172"/>
+          </a:xfrm>
+        </p:spPr>
+        <p:txBody>
+          <a:bodyPr anchor="ctr">
+            <a:normAutofit/>
+          </a:bodyPr>
+          <a:lstStyle/>
+          <a:p>
+            <a:r>
+              <a:rPr lang="en-US" dirty="0"/>
+              <a:t>Double Free #3 – Reallocate</a:t>
+            </a:r>
+          </a:p>
+        </p:txBody>
+      </p:sp>
+      <p:pic>
+        <p:nvPicPr>
+          <p:cNvPr id="7" name="Content Placeholder 6" descr="Allocate the chunk double free">
+            <a:extLst>
+              <a:ext uri="{FF2B5EF4-FFF2-40B4-BE49-F238E27FC236}">
+                <a16:creationId xmlns:a16="http://schemas.microsoft.com/office/drawing/2014/main" id="{36EF1B83-AC43-754F-8098-4D724144CAEB}"/>
+              </a:ext>
+            </a:extLst>
+          </p:cNvPr>
+          <p:cNvPicPr>
+            <a:picLocks noGrp="1" noChangeAspect="1"/>
+          </p:cNvPicPr>
+          <p:nvPr>
+            <p:ph sz="half" idx="1"/>
+          </p:nvPr>
+        </p:nvPicPr>
+        <p:blipFill>
+          <a:blip r:embed="rId2"/>
+          <a:stretch>
+            <a:fillRect/>
+          </a:stretch>
+        </p:blipFill>
+        <p:spPr>
+          <a:xfrm>
+            <a:off x="628650" y="1554161"/>
+            <a:ext cx="3886200" cy="2893620"/>
+          </a:xfrm>
+          <a:noFill/>
+        </p:spPr>
+      </p:pic>
+      <p:sp>
+        <p:nvSpPr>
+          <p:cNvPr id="10" name="Content Placeholder 3">
+            <a:extLst>
+              <a:ext uri="{FF2B5EF4-FFF2-40B4-BE49-F238E27FC236}">
+                <a16:creationId xmlns:a16="http://schemas.microsoft.com/office/drawing/2014/main" id="{239C6669-5B9A-47CD-9031-E62E363540EE}"/>
+              </a:ext>
+            </a:extLst>
+          </p:cNvPr>
+          <p:cNvSpPr>
+            <a:spLocks noGrp="1"/>
+          </p:cNvSpPr>
+          <p:nvPr>
+            <p:ph sz="half" idx="2"/>
+          </p:nvPr>
+        </p:nvSpPr>
+        <p:spPr>
+          <a:xfrm>
+            <a:off x="4629150" y="1369219"/>
+            <a:ext cx="3886200" cy="3263504"/>
+          </a:xfrm>
+        </p:spPr>
+        <p:txBody>
+          <a:bodyPr>
+            <a:normAutofit/>
+          </a:bodyPr>
+          <a:lstStyle/>
+          <a:p>
+            <a:r>
+              <a:rPr lang="en-US" b="1" i="1" dirty="0"/>
+              <a:t>Ptr 2</a:t>
+            </a:r>
+            <a:r>
+              <a:rPr lang="en-US" dirty="0"/>
+              <a:t> points to chunk 1 via call to </a:t>
+            </a:r>
+            <a:r>
+              <a:rPr lang="en-US" b="1" i="1" dirty="0"/>
+              <a:t>malloc</a:t>
+            </a:r>
+          </a:p>
+          <a:p>
+            <a:r>
+              <a:rPr lang="en-US" b="1" i="1" dirty="0"/>
+              <a:t>Ptr 1 </a:t>
+            </a:r>
+            <a:r>
+              <a:rPr lang="en-US" dirty="0"/>
+              <a:t>points </a:t>
+            </a:r>
+            <a:r>
+              <a:rPr lang="en-US" i="1" dirty="0"/>
+              <a:t>still</a:t>
+            </a:r>
+            <a:r>
+              <a:rPr lang="en-US" dirty="0"/>
+              <a:t> points chunk 1</a:t>
+            </a:r>
+          </a:p>
+          <a:p>
+            <a:r>
+              <a:rPr lang="en-US" dirty="0"/>
+              <a:t>Chunk is no longer in bin</a:t>
+            </a:r>
+          </a:p>
+        </p:txBody>
+      </p:sp>
+    </p:spTree>
+    <p:extLst>
+      <p:ext uri="{BB962C8B-B14F-4D97-AF65-F5344CB8AC3E}">
+        <p14:creationId xmlns:p14="http://schemas.microsoft.com/office/powerpoint/2010/main" val="3626169230"/>
+      </p:ext>
+    </p:extLst>
+  </p:cSld>
+  <p:clrMapOvr>
+    <a:masterClrMapping/>
+  </p:clrMapOvr>
+</p:sld>
+</file>
+
+<file path=ppt/slides/slide41.xml><?xml version="1.0" encoding="utf-8"?>
+<p:sld xmlns:a="http://schemas.openxmlformats.org/drawingml/2006/main" xmlns:r="http://schemas.openxmlformats.org/officeDocument/2006/relationships" xmlns:p="http://schemas.openxmlformats.org/presentationml/2006/main">
+  <p:cSld>
+    <p:spTree>
+      <p:nvGrpSpPr>
+        <p:cNvPr id="1" name=""/>
+        <p:cNvGrpSpPr/>
+        <p:nvPr/>
+      </p:nvGrpSpPr>
+      <p:grpSpPr>
+        <a:xfrm>
+          <a:off x="0" y="0"/>
+          <a:ext cx="0" cy="0"/>
+          <a:chOff x="0" y="0"/>
+          <a:chExt cx="0" cy="0"/>
+        </a:xfrm>
+      </p:grpSpPr>
+      <p:sp>
+        <p:nvSpPr>
+          <p:cNvPr id="2" name="Title 1">
+            <a:extLst>
+              <a:ext uri="{FF2B5EF4-FFF2-40B4-BE49-F238E27FC236}">
+                <a16:creationId xmlns:a16="http://schemas.microsoft.com/office/drawing/2014/main" id="{F6D59EF9-BC96-AB4E-AB96-8BBA9BE82823}"/>
+              </a:ext>
+            </a:extLst>
+          </p:cNvPr>
+          <p:cNvSpPr>
+            <a:spLocks noGrp="1"/>
+          </p:cNvSpPr>
+          <p:nvPr>
+            <p:ph type="title"/>
+          </p:nvPr>
+        </p:nvSpPr>
+        <p:spPr>
+          <a:xfrm>
+            <a:off x="628650" y="273847"/>
+            <a:ext cx="7886700" cy="994172"/>
+          </a:xfrm>
+        </p:spPr>
+        <p:txBody>
+          <a:bodyPr anchor="ctr">
+            <a:normAutofit/>
+          </a:bodyPr>
+          <a:lstStyle/>
+          <a:p>
+            <a:r>
+              <a:rPr lang="en-US" dirty="0"/>
+              <a:t>Double Free #3 – Free AGAIN</a:t>
+            </a:r>
+          </a:p>
+        </p:txBody>
+      </p:sp>
+      <p:pic>
+        <p:nvPicPr>
+          <p:cNvPr id="6" name="Content Placeholder 5" descr="Double free #3 free again">
+            <a:extLst>
+              <a:ext uri="{FF2B5EF4-FFF2-40B4-BE49-F238E27FC236}">
+                <a16:creationId xmlns:a16="http://schemas.microsoft.com/office/drawing/2014/main" id="{3C089EC2-084F-844C-9073-E5D04C16C3FE}"/>
+              </a:ext>
+            </a:extLst>
+          </p:cNvPr>
+          <p:cNvPicPr>
+            <a:picLocks noGrp="1" noChangeAspect="1"/>
+          </p:cNvPicPr>
+          <p:nvPr>
+            <p:ph sz="half" idx="1"/>
+          </p:nvPr>
+        </p:nvPicPr>
+        <p:blipFill>
+          <a:blip r:embed="rId2"/>
+          <a:stretch>
+            <a:fillRect/>
+          </a:stretch>
+        </p:blipFill>
+        <p:spPr>
+          <a:xfrm>
+            <a:off x="628650" y="1554161"/>
+            <a:ext cx="3886200" cy="2893620"/>
+          </a:xfrm>
+          <a:noFill/>
+        </p:spPr>
+      </p:pic>
+      <p:sp>
+        <p:nvSpPr>
+          <p:cNvPr id="10" name="Content Placeholder 3">
+            <a:extLst>
+              <a:ext uri="{FF2B5EF4-FFF2-40B4-BE49-F238E27FC236}">
+                <a16:creationId xmlns:a16="http://schemas.microsoft.com/office/drawing/2014/main" id="{239C6669-5B9A-47CD-9031-E62E363540EE}"/>
+              </a:ext>
+            </a:extLst>
+          </p:cNvPr>
+          <p:cNvSpPr>
+            <a:spLocks noGrp="1"/>
+          </p:cNvSpPr>
+          <p:nvPr>
+            <p:ph sz="half" idx="2"/>
+          </p:nvPr>
+        </p:nvSpPr>
+        <p:spPr>
+          <a:xfrm>
+            <a:off x="4629150" y="1369219"/>
+            <a:ext cx="3886200" cy="3263504"/>
+          </a:xfrm>
+        </p:spPr>
+        <p:txBody>
+          <a:bodyPr>
+            <a:normAutofit lnSpcReduction="10000"/>
+          </a:bodyPr>
+          <a:lstStyle/>
+          <a:p>
+            <a:r>
+              <a:rPr lang="en-US" b="1" i="1" dirty="0"/>
+              <a:t>Free </a:t>
+            </a:r>
+            <a:r>
+              <a:rPr lang="en-US" dirty="0"/>
+              <a:t>chunk 1 with </a:t>
+            </a:r>
+            <a:r>
+              <a:rPr lang="en-US" b="1" i="1" dirty="0"/>
+              <a:t>Ptr 1</a:t>
+            </a:r>
+            <a:r>
+              <a:rPr lang="en-US" dirty="0"/>
+              <a:t>:</a:t>
+            </a:r>
+          </a:p>
+          <a:p>
+            <a:pPr lvl="1"/>
+            <a:r>
+              <a:rPr lang="en-US" dirty="0"/>
+              <a:t>Chunk 1 is now in the bin!</a:t>
+            </a:r>
+          </a:p>
+          <a:p>
+            <a:r>
+              <a:rPr lang="en-US" b="1" i="1" dirty="0"/>
+              <a:t>Ptr 2 </a:t>
+            </a:r>
+            <a:r>
+              <a:rPr lang="en-US" dirty="0"/>
+              <a:t>points </a:t>
+            </a:r>
+            <a:r>
+              <a:rPr lang="en-US" i="1" dirty="0"/>
+              <a:t>still</a:t>
+            </a:r>
+            <a:r>
+              <a:rPr lang="en-US" dirty="0"/>
+              <a:t> points chunk 1:</a:t>
+            </a:r>
+          </a:p>
+          <a:p>
+            <a:pPr lvl="1"/>
+            <a:r>
+              <a:rPr lang="en-US" dirty="0"/>
+              <a:t>Use after free!</a:t>
+            </a:r>
+          </a:p>
+          <a:p>
+            <a:r>
+              <a:rPr lang="en-US" dirty="0"/>
+              <a:t>Creates a double free!</a:t>
+            </a:r>
+          </a:p>
+          <a:p>
+            <a:pPr lvl="1"/>
+            <a:r>
+              <a:rPr lang="en-US" dirty="0"/>
+              <a:t>Not caught by malloc ever</a:t>
+            </a:r>
+          </a:p>
+          <a:p>
+            <a:pPr marL="0" indent="0">
+              <a:buNone/>
+            </a:pPr>
+            <a:endParaRPr lang="en-US" dirty="0"/>
+          </a:p>
+        </p:txBody>
+      </p:sp>
+    </p:spTree>
+    <p:extLst>
+      <p:ext uri="{BB962C8B-B14F-4D97-AF65-F5344CB8AC3E}">
+        <p14:creationId xmlns:p14="http://schemas.microsoft.com/office/powerpoint/2010/main" val="418350983"/>
+      </p:ext>
+    </p:extLst>
+  </p:cSld>
+  <p:clrMapOvr>
+    <a:masterClrMapping/>
+  </p:clrMapOvr>
+</p:sld>
+</file>
+
+<file path=ppt/slides/slide42.xml><?xml version="1.0" encoding="utf-8"?>
+<p:sld xmlns:a="http://schemas.openxmlformats.org/drawingml/2006/main" xmlns:r="http://schemas.openxmlformats.org/officeDocument/2006/relationships" xmlns:p="http://schemas.openxmlformats.org/presentationml/2006/main">
+  <p:cSld>
+    <p:spTree>
+      <p:nvGrpSpPr>
+        <p:cNvPr id="1" name=""/>
+        <p:cNvGrpSpPr/>
+        <p:nvPr/>
+      </p:nvGrpSpPr>
+      <p:grpSpPr>
+        <a:xfrm>
+          <a:off x="0" y="0"/>
+          <a:ext cx="0" cy="0"/>
+          <a:chOff x="0" y="0"/>
+          <a:chExt cx="0" cy="0"/>
+        </a:xfrm>
+      </p:grpSpPr>
+      <p:sp>
+        <p:nvSpPr>
+          <p:cNvPr id="2" name="Title 1">
+            <a:extLst>
+              <a:ext uri="{FF2B5EF4-FFF2-40B4-BE49-F238E27FC236}">
+                <a16:creationId xmlns:a16="http://schemas.microsoft.com/office/drawing/2014/main" id="{DEA2737F-EFA2-CC46-BEF5-D2B3628E914F}"/>
+              </a:ext>
+            </a:extLst>
+          </p:cNvPr>
+          <p:cNvSpPr>
+            <a:spLocks noGrp="1"/>
+          </p:cNvSpPr>
+          <p:nvPr>
+            <p:ph type="title"/>
+          </p:nvPr>
+        </p:nvSpPr>
+        <p:spPr>
+          <a:xfrm>
+            <a:off x="629841" y="342900"/>
+            <a:ext cx="2949178" cy="1200150"/>
+          </a:xfrm>
+        </p:spPr>
+        <p:txBody>
+          <a:bodyPr anchor="b">
+            <a:normAutofit/>
+          </a:bodyPr>
+          <a:lstStyle/>
+          <a:p>
+            <a:r>
+              <a:rPr lang="en-US" dirty="0"/>
+              <a:t>Double Free – Attack #3 </a:t>
+            </a:r>
+          </a:p>
+        </p:txBody>
+      </p:sp>
+      <p:sp>
+        <p:nvSpPr>
+          <p:cNvPr id="9" name="Text Placeholder 3">
+            <a:extLst>
+              <a:ext uri="{FF2B5EF4-FFF2-40B4-BE49-F238E27FC236}">
+                <a16:creationId xmlns:a16="http://schemas.microsoft.com/office/drawing/2014/main" id="{9A0A6DDA-E592-4149-9C60-AE264DEA24E1}"/>
+              </a:ext>
+            </a:extLst>
+          </p:cNvPr>
+          <p:cNvSpPr>
+            <a:spLocks noGrp="1"/>
+          </p:cNvSpPr>
+          <p:nvPr>
+            <p:ph type="body" sz="half" idx="2"/>
+          </p:nvPr>
+        </p:nvSpPr>
+        <p:spPr>
+          <a:xfrm>
+            <a:off x="629841" y="1543052"/>
+            <a:ext cx="2949178" cy="2858691"/>
+          </a:xfrm>
+        </p:spPr>
+        <p:txBody>
+          <a:bodyPr/>
+          <a:lstStyle/>
+          <a:p>
+            <a:r>
+              <a:rPr lang="en-US" dirty="0"/>
+              <a:t>The best of them yet</a:t>
+            </a:r>
+          </a:p>
+        </p:txBody>
+      </p:sp>
+      <p:graphicFrame>
+        <p:nvGraphicFramePr>
+          <p:cNvPr id="5" name="Content Placeholder 2">
+            <a:extLst>
+              <a:ext uri="{FF2B5EF4-FFF2-40B4-BE49-F238E27FC236}">
+                <a16:creationId xmlns:a16="http://schemas.microsoft.com/office/drawing/2014/main" id="{07A4B56B-620A-49A4-8A7F-9602A9A900B5}"/>
+              </a:ext>
+            </a:extLst>
+          </p:cNvPr>
+          <p:cNvGraphicFramePr>
+            <a:graphicFrameLocks noGrp="1"/>
+          </p:cNvGraphicFramePr>
+          <p:nvPr>
+            <p:ph idx="1"/>
+            <p:extLst>
+              <p:ext uri="{D42A27DB-BD31-4B8C-83A1-F6EECF244321}">
+                <p14:modId xmlns:p14="http://schemas.microsoft.com/office/powerpoint/2010/main" val="231873311"/>
+              </p:ext>
+            </p:extLst>
+          </p:nvPr>
+        </p:nvGraphicFramePr>
+        <p:xfrm>
+          <a:off x="3887391" y="740572"/>
+          <a:ext cx="4629150" cy="3655219"/>
+        </p:xfrm>
+        <a:graphic>
+          <a:graphicData uri="http://schemas.openxmlformats.org/drawingml/2006/diagram">
+            <dgm:relIds xmlns:dgm="http://schemas.openxmlformats.org/drawingml/2006/diagram" xmlns:r="http://schemas.openxmlformats.org/officeDocument/2006/relationships" r:dm="rId2" r:lo="rId3" r:qs="rId4" r:cs="rId5"/>
+          </a:graphicData>
+        </a:graphic>
+      </p:graphicFrame>
+    </p:spTree>
+    <p:extLst>
+      <p:ext uri="{BB962C8B-B14F-4D97-AF65-F5344CB8AC3E}">
+        <p14:creationId xmlns:p14="http://schemas.microsoft.com/office/powerpoint/2010/main" val="2137212521"/>
+      </p:ext>
+    </p:extLst>
+  </p:cSld>
+  <p:clrMapOvr>
+    <a:masterClrMapping/>
+  </p:clrMapOvr>
+</p:sld>
+</file>
+
+<file path=ppt/slides/slide43.xml><?xml version="1.0" encoding="utf-8"?>
+<p:sld xmlns:a="http://schemas.openxmlformats.org/drawingml/2006/main" xmlns:r="http://schemas.openxmlformats.org/officeDocument/2006/relationships" xmlns:p="http://schemas.openxmlformats.org/presentationml/2006/main">
+  <p:cSld>
+    <p:spTree>
+      <p:nvGrpSpPr>
+        <p:cNvPr id="1" name=""/>
+        <p:cNvGrpSpPr/>
+        <p:nvPr/>
+      </p:nvGrpSpPr>
+      <p:grpSpPr>
+        <a:xfrm>
+          <a:off x="0" y="0"/>
+          <a:ext cx="0" cy="0"/>
+          <a:chOff x="0" y="0"/>
+          <a:chExt cx="0" cy="0"/>
+        </a:xfrm>
+      </p:grpSpPr>
+      <p:sp>
+        <p:nvSpPr>
+          <p:cNvPr id="2" name="Title 1">
+            <a:extLst>
+              <a:ext uri="{FF2B5EF4-FFF2-40B4-BE49-F238E27FC236}">
+                <a16:creationId xmlns:a16="http://schemas.microsoft.com/office/drawing/2014/main" id="{C526C2A3-5DEA-3C4A-B00C-B7922C0E55A1}"/>
+              </a:ext>
+            </a:extLst>
+          </p:cNvPr>
+          <p:cNvSpPr>
+            <a:spLocks noGrp="1"/>
+          </p:cNvSpPr>
+          <p:nvPr>
+            <p:ph type="title"/>
+          </p:nvPr>
+        </p:nvSpPr>
+        <p:spPr>
+          <a:xfrm>
+            <a:off x="628650" y="273847"/>
+            <a:ext cx="7886700" cy="994172"/>
+          </a:xfrm>
+        </p:spPr>
+        <p:txBody>
+          <a:bodyPr anchor="ctr">
+            <a:normAutofit/>
+          </a:bodyPr>
+          <a:lstStyle/>
+          <a:p>
+            <a:r>
+              <a:rPr lang="en-US" dirty="0"/>
+              <a:t>Double Free – The Future </a:t>
+            </a:r>
+          </a:p>
+        </p:txBody>
+      </p:sp>
+      <p:graphicFrame>
+        <p:nvGraphicFramePr>
+          <p:cNvPr id="5" name="Content Placeholder 2">
+            <a:extLst>
+              <a:ext uri="{FF2B5EF4-FFF2-40B4-BE49-F238E27FC236}">
+                <a16:creationId xmlns:a16="http://schemas.microsoft.com/office/drawing/2014/main" id="{19310742-0F04-4FDE-BF10-4E2A622CE200}"/>
+              </a:ext>
+            </a:extLst>
+          </p:cNvPr>
+          <p:cNvGraphicFramePr>
+            <a:graphicFrameLocks noGrp="1"/>
+          </p:cNvGraphicFramePr>
+          <p:nvPr>
+            <p:ph idx="1"/>
+            <p:extLst>
+              <p:ext uri="{D42A27DB-BD31-4B8C-83A1-F6EECF244321}">
+                <p14:modId xmlns:p14="http://schemas.microsoft.com/office/powerpoint/2010/main" val="584684978"/>
+              </p:ext>
+            </p:extLst>
+          </p:nvPr>
+        </p:nvGraphicFramePr>
+        <p:xfrm>
+          <a:off x="628650" y="1236541"/>
+          <a:ext cx="7886700" cy="3263504"/>
+        </p:xfrm>
+        <a:graphic>
+          <a:graphicData uri="http://schemas.openxmlformats.org/drawingml/2006/diagram">
+            <dgm:relIds xmlns:dgm="http://schemas.openxmlformats.org/drawingml/2006/diagram" xmlns:r="http://schemas.openxmlformats.org/officeDocument/2006/relationships" r:dm="rId2" r:lo="rId3" r:qs="rId4" r:cs="rId5"/>
+          </a:graphicData>
+        </a:graphic>
+      </p:graphicFrame>
+    </p:spTree>
+    <p:extLst>
+      <p:ext uri="{BB962C8B-B14F-4D97-AF65-F5344CB8AC3E}">
+        <p14:creationId xmlns:p14="http://schemas.microsoft.com/office/powerpoint/2010/main" val="2409853047"/>
+      </p:ext>
+    </p:extLst>
+  </p:cSld>
+  <p:clrMapOvr>
+    <a:masterClrMapping/>
+  </p:clrMapOvr>
+</p:sld>
+</file>
+
+<file path=ppt/slides/slide44.xml><?xml version="1.0" encoding="utf-8"?>
+<p:sld xmlns:a="http://schemas.openxmlformats.org/drawingml/2006/main" xmlns:r="http://schemas.openxmlformats.org/officeDocument/2006/relationships" xmlns:p="http://schemas.openxmlformats.org/presentationml/2006/main">
+  <p:cSld>
+    <p:spTree>
+      <p:nvGrpSpPr>
+        <p:cNvPr id="1" name=""/>
+        <p:cNvGrpSpPr/>
+        <p:nvPr/>
+      </p:nvGrpSpPr>
+      <p:grpSpPr>
+        <a:xfrm>
+          <a:off x="0" y="0"/>
+          <a:ext cx="0" cy="0"/>
+          <a:chOff x="0" y="0"/>
+          <a:chExt cx="0" cy="0"/>
+        </a:xfrm>
+      </p:grpSpPr>
+      <p:sp>
+        <p:nvSpPr>
+          <p:cNvPr id="2" name="Title 1">
+            <a:extLst>
+              <a:ext uri="{FF2B5EF4-FFF2-40B4-BE49-F238E27FC236}">
+                <a16:creationId xmlns:a16="http://schemas.microsoft.com/office/drawing/2014/main" id="{78CB0C8C-5E72-E649-90CD-31E4F5F2DEF0}"/>
+              </a:ext>
+            </a:extLst>
+          </p:cNvPr>
+          <p:cNvSpPr>
+            <a:spLocks noGrp="1"/>
+          </p:cNvSpPr>
+          <p:nvPr>
+            <p:ph type="title"/>
+          </p:nvPr>
+        </p:nvSpPr>
+        <p:spPr>
+          <a:xfrm>
+            <a:off x="628650" y="273847"/>
+            <a:ext cx="7886700" cy="994172"/>
+          </a:xfrm>
+        </p:spPr>
+        <p:txBody>
+          <a:bodyPr anchor="ctr">
+            <a:normAutofit/>
+          </a:bodyPr>
+          <a:lstStyle/>
+          <a:p>
+            <a:r>
+              <a:rPr lang="en-US" dirty="0"/>
+              <a:t>Finding Bugs</a:t>
+            </a:r>
+          </a:p>
+        </p:txBody>
+      </p:sp>
+      <p:graphicFrame>
+        <p:nvGraphicFramePr>
+          <p:cNvPr id="5" name="Content Placeholder 2">
+            <a:extLst>
+              <a:ext uri="{FF2B5EF4-FFF2-40B4-BE49-F238E27FC236}">
+                <a16:creationId xmlns:a16="http://schemas.microsoft.com/office/drawing/2014/main" id="{96E1040F-D2D5-4B4D-AC0B-3056B00AD289}"/>
+              </a:ext>
+            </a:extLst>
+          </p:cNvPr>
+          <p:cNvGraphicFramePr>
+            <a:graphicFrameLocks noGrp="1"/>
+          </p:cNvGraphicFramePr>
+          <p:nvPr>
+            <p:ph idx="1"/>
+            <p:extLst>
+              <p:ext uri="{D42A27DB-BD31-4B8C-83A1-F6EECF244321}">
+                <p14:modId xmlns:p14="http://schemas.microsoft.com/office/powerpoint/2010/main" val="2829146450"/>
+              </p:ext>
+            </p:extLst>
+          </p:nvPr>
+        </p:nvGraphicFramePr>
+        <p:xfrm>
+          <a:off x="628650" y="1236541"/>
+          <a:ext cx="7886700" cy="3263504"/>
+        </p:xfrm>
+        <a:graphic>
+          <a:graphicData uri="http://schemas.openxmlformats.org/drawingml/2006/diagram">
+            <dgm:relIds xmlns:dgm="http://schemas.openxmlformats.org/drawingml/2006/diagram" xmlns:r="http://schemas.openxmlformats.org/officeDocument/2006/relationships" r:dm="rId2" r:lo="rId3" r:qs="rId4" r:cs="rId5"/>
+          </a:graphicData>
+        </a:graphic>
+      </p:graphicFrame>
+    </p:spTree>
+    <p:extLst>
+      <p:ext uri="{BB962C8B-B14F-4D97-AF65-F5344CB8AC3E}">
+        <p14:creationId xmlns:p14="http://schemas.microsoft.com/office/powerpoint/2010/main" val="3891317674"/>
+      </p:ext>
+    </p:extLst>
+  </p:cSld>
+  <p:clrMapOvr>
+    <a:masterClrMapping/>
+  </p:clrMapOvr>
+</p:sld>
+</file>
+
+<file path=ppt/slides/slide45.xml><?xml version="1.0" encoding="utf-8"?>
+<p:sld xmlns:a="http://schemas.openxmlformats.org/drawingml/2006/main" xmlns:r="http://schemas.openxmlformats.org/officeDocument/2006/relationships" xmlns:p="http://schemas.openxmlformats.org/presentationml/2006/main">
+  <p:cSld>
+    <p:spTree>
+      <p:nvGrpSpPr>
+        <p:cNvPr id="1" name=""/>
+        <p:cNvGrpSpPr/>
+        <p:nvPr/>
+      </p:nvGrpSpPr>
+      <p:grpSpPr>
+        <a:xfrm>
+          <a:off x="0" y="0"/>
+          <a:ext cx="0" cy="0"/>
+          <a:chOff x="0" y="0"/>
+          <a:chExt cx="0" cy="0"/>
+        </a:xfrm>
+      </p:grpSpPr>
+      <p:sp>
+        <p:nvSpPr>
+          <p:cNvPr id="2" name="Title 1">
+            <a:extLst>
+              <a:ext uri="{FF2B5EF4-FFF2-40B4-BE49-F238E27FC236}">
+                <a16:creationId xmlns:a16="http://schemas.microsoft.com/office/drawing/2014/main" id="{DC3C3B20-932E-634A-82C1-27EF24217CE3}"/>
+              </a:ext>
+            </a:extLst>
+          </p:cNvPr>
+          <p:cNvSpPr>
+            <a:spLocks noGrp="1"/>
+          </p:cNvSpPr>
+          <p:nvPr>
+            <p:ph type="title"/>
+          </p:nvPr>
+        </p:nvSpPr>
+        <p:spPr/>
+        <p:txBody>
+          <a:bodyPr/>
+          <a:lstStyle/>
+          <a:p>
+            <a:r>
+              <a:rPr lang="en-US" dirty="0"/>
+              <a:t>References</a:t>
+            </a:r>
+          </a:p>
+        </p:txBody>
+      </p:sp>
+      <p:sp>
+        <p:nvSpPr>
+          <p:cNvPr id="3" name="Content Placeholder 2">
+            <a:extLst>
+              <a:ext uri="{FF2B5EF4-FFF2-40B4-BE49-F238E27FC236}">
+                <a16:creationId xmlns:a16="http://schemas.microsoft.com/office/drawing/2014/main" id="{FCED7489-313C-6C4F-8113-3A91A4BE9B1F}"/>
+              </a:ext>
+            </a:extLst>
+          </p:cNvPr>
+          <p:cNvSpPr>
+            <a:spLocks noGrp="1"/>
+          </p:cNvSpPr>
+          <p:nvPr>
+            <p:ph idx="1"/>
+          </p:nvPr>
+        </p:nvSpPr>
+        <p:spPr/>
+        <p:txBody>
+          <a:bodyPr>
+            <a:normAutofit fontScale="70000" lnSpcReduction="20000"/>
+          </a:bodyPr>
+          <a:lstStyle/>
+          <a:p>
+            <a:r>
+              <a:rPr lang="en-US" dirty="0">
+                <a:hlinkClick r:id="rId2"/>
+              </a:rPr>
+              <a:t>https://heap-exploitation.dhavalkapil.com/attacks/double_free</a:t>
+            </a:r>
+            <a:r>
+              <a:rPr lang="en-US" dirty="0"/>
+              <a:t> </a:t>
+            </a:r>
+          </a:p>
+          <a:p>
+            <a:r>
+              <a:rPr lang="en-US" dirty="0">
+                <a:hlinkClick r:id="rId3"/>
+              </a:rPr>
+              <a:t>https://cwe.mitre.org/data/definitions/416.html</a:t>
+            </a:r>
+            <a:r>
+              <a:rPr lang="en-US" dirty="0"/>
+              <a:t> </a:t>
+            </a:r>
+          </a:p>
+          <a:p>
+            <a:r>
+              <a:rPr lang="en-US" dirty="0">
+                <a:hlinkClick r:id="rId4"/>
+              </a:rPr>
+              <a:t>https://www.thezdi.com/blog/2020/9/2/cve-2020-9715-exploiting-a-use-after-free-in-adobe-reader</a:t>
+            </a:r>
+            <a:endParaRPr lang="en-US" dirty="0"/>
+          </a:p>
+          <a:p>
+            <a:r>
+              <a:rPr lang="en-US" dirty="0">
+                <a:hlinkClick r:id="rId5"/>
+              </a:rPr>
+              <a:t>https://sensepost.com/blog/2017/linux-heap-exploitation-intro-series-used-and-abused-use-after-free/</a:t>
+            </a:r>
+            <a:r>
+              <a:rPr lang="en-US" dirty="0"/>
+              <a:t> </a:t>
+            </a:r>
+          </a:p>
+          <a:p>
+            <a:r>
+              <a:rPr lang="en-US" dirty="0">
+                <a:hlinkClick r:id="rId6"/>
+              </a:rPr>
+              <a:t>https://cwe.mitre.org/data/definitions/415.html</a:t>
+            </a:r>
+            <a:r>
+              <a:rPr lang="en-US" dirty="0"/>
+              <a:t> </a:t>
+            </a:r>
+          </a:p>
+          <a:p>
+            <a:r>
+              <a:rPr lang="en-US" dirty="0">
+                <a:hlinkClick r:id="rId7"/>
+              </a:rPr>
+              <a:t>https://github.com/shellphish/how2heap/blob/master/glibc_2.31/house_of_botcake.c</a:t>
+            </a:r>
+            <a:r>
+              <a:rPr lang="en-US" dirty="0"/>
+              <a:t> </a:t>
+            </a:r>
+          </a:p>
+          <a:p>
+            <a:r>
+              <a:rPr lang="en-US" dirty="0">
+                <a:hlinkClick r:id="rId8"/>
+              </a:rPr>
+              <a:t>https://github.com/shellphish/how2heap/blob/master/glibc_2.23/fastbin_dup.c</a:t>
+            </a:r>
+            <a:r>
+              <a:rPr lang="en-US" dirty="0"/>
+              <a:t> </a:t>
+            </a:r>
+          </a:p>
+          <a:p>
+            <a:r>
+              <a:rPr lang="en-US" dirty="0">
+                <a:hlinkClick r:id="rId9"/>
+              </a:rPr>
+              <a:t>https://github.com/shellphish/how2heap/blob/master/glibc_2.23/fastbin_dup_consolidate.c</a:t>
+            </a:r>
+            <a:r>
+              <a:rPr lang="en-US" dirty="0"/>
+              <a:t> </a:t>
+            </a:r>
+          </a:p>
+          <a:p>
+            <a:endParaRPr lang="en-US" dirty="0"/>
+          </a:p>
+        </p:txBody>
+      </p:sp>
+    </p:spTree>
+    <p:extLst>
+      <p:ext uri="{BB962C8B-B14F-4D97-AF65-F5344CB8AC3E}">
+        <p14:creationId xmlns:p14="http://schemas.microsoft.com/office/powerpoint/2010/main" val="1669392527"/>
       </p:ext>
     </p:extLst>
   </p:cSld>
@@ -24924,7 +26812,7 @@
         <p:spPr/>
         <p:txBody>
           <a:bodyPr>
-            <a:normAutofit fontScale="92500" lnSpcReduction="20000"/>
+            <a:normAutofit lnSpcReduction="10000"/>
           </a:bodyPr>
           <a:lstStyle/>
           <a:p>
@@ -24946,7 +26834,10 @@
             </a:r>
           </a:p>
           <a:p>
-            <a:pPr lvl="1"/>
+            <a:pPr marL="914400" lvl="1" indent="-457200">
+              <a:buFont typeface="+mj-lt"/>
+              <a:buAutoNum type="arabicPeriod"/>
+            </a:pPr>
             <a:r>
               <a:rPr lang="en-US" i="1" dirty="0"/>
               <a:t>malloc</a:t>
@@ -24958,7 +26849,10 @@
             <a:endParaRPr lang="en-US" i="1" dirty="0"/>
           </a:p>
           <a:p>
-            <a:pPr lvl="1"/>
+            <a:pPr marL="914400" lvl="1" indent="-457200">
+              <a:buFont typeface="+mj-lt"/>
+              <a:buAutoNum type="arabicPeriod"/>
+            </a:pPr>
             <a:r>
               <a:rPr lang="en-US" i="1" dirty="0"/>
               <a:t>free</a:t>
@@ -24973,14 +26867,17 @@
             </a:r>
             <a:r>
               <a:rPr lang="en-US" dirty="0"/>
-              <a:t>Reset the player</a:t>
-            </a:r>
-          </a:p>
-          <a:p>
-            <a:pPr lvl="1"/>
+              <a:t>Delete the player</a:t>
+            </a:r>
+          </a:p>
+          <a:p>
+            <a:pPr marL="914400" lvl="1" indent="-457200">
+              <a:buFont typeface="+mj-lt"/>
+              <a:buAutoNum type="arabicPeriod"/>
+            </a:pPr>
             <a:r>
               <a:rPr lang="en-US" i="1" dirty="0"/>
-              <a:t>play</a:t>
+              <a:t>use</a:t>
             </a:r>
             <a:r>
               <a:rPr lang="en-US" dirty="0"/>
@@ -24988,7 +26885,36 @@
             </a:r>
           </a:p>
           <a:p>
-            <a:pPr lvl="1"/>
+            <a:pPr marL="914400" lvl="1" indent="-457200">
+              <a:buFont typeface="+mj-lt"/>
+              <a:buAutoNum type="arabicPeriod"/>
+            </a:pPr>
+            <a:r>
+              <a:rPr lang="en-US" dirty="0"/>
+              <a:t>set: The </a:t>
+            </a:r>
+            <a:r>
+              <a:rPr lang="en-US" i="1" dirty="0"/>
+              <a:t>new</a:t>
+            </a:r>
+            <a:r>
+              <a:rPr lang="en-US" dirty="0"/>
+              <a:t> high score to be set (don’t need this for </a:t>
+            </a:r>
+            <a:r>
+              <a:rPr lang="en-US" dirty="0" err="1"/>
+              <a:t>pwn</a:t>
+            </a:r>
+            <a:r>
+              <a:rPr lang="en-US" dirty="0"/>
+              <a:t>!)</a:t>
+            </a:r>
+          </a:p>
+          <a:p>
+            <a:pPr marL="914400" lvl="1" indent="-457200">
+              <a:buFont typeface="+mj-lt"/>
+              <a:buAutoNum type="arabicPeriod"/>
+            </a:pPr>
             <a:r>
               <a:rPr lang="en-US" i="1" dirty="0"/>
               <a:t>won</a:t>
@@ -24999,29 +26925,6 @@
             </a:r>
           </a:p>
           <a:p>
-            <a:pPr lvl="1"/>
-            <a:r>
-              <a:rPr lang="en-US" dirty="0"/>
-              <a:t>set: The </a:t>
-            </a:r>
-            <a:r>
-              <a:rPr lang="en-US" i="1" dirty="0"/>
-              <a:t>new</a:t>
-            </a:r>
-            <a:r>
-              <a:rPr lang="en-US" dirty="0"/>
-              <a:t> high score to be set (don’t need this for </a:t>
-            </a:r>
-            <a:r>
-              <a:rPr lang="en-US" dirty="0" err="1"/>
-              <a:t>pwn</a:t>
-            </a:r>
-            <a:r>
-              <a:rPr lang="en-US" dirty="0"/>
-              <a:t>!)</a:t>
-            </a:r>
-          </a:p>
-          <a:p>
             <a:r>
               <a:rPr lang="en-US" dirty="0"/>
               <a:t>Hint: Look at </a:t>
@@ -25041,20 +26944,6 @@
             <a:r>
               <a:rPr lang="en-US" dirty="0"/>
               <a:t>(heap operations) </a:t>
-            </a:r>
-          </a:p>
-          <a:p>
-            <a:r>
-              <a:rPr lang="en-US" dirty="0"/>
-              <a:t>Hint: Look at the </a:t>
-            </a:r>
-            <a:r>
-              <a:rPr lang="en-US" i="1" dirty="0"/>
-              <a:t>player</a:t>
-            </a:r>
-            <a:r>
-              <a:rPr lang="en-US" dirty="0"/>
-              <a:t> struct</a:t>
             </a:r>
           </a:p>
         </p:txBody>
@@ -25094,7 +26983,7 @@
           <p:cNvPr id="2" name="Title 1">
             <a:extLst>
               <a:ext uri="{FF2B5EF4-FFF2-40B4-BE49-F238E27FC236}">
-                <a16:creationId xmlns:a16="http://schemas.microsoft.com/office/drawing/2014/main" id="{08506B2A-1853-DC4C-8F91-DA7FFFFD7CD8}"/>
+                <a16:creationId xmlns:a16="http://schemas.microsoft.com/office/drawing/2014/main" id="{C0043344-1274-8343-96A8-8362EDE1A7C8}"/>
               </a:ext>
             </a:extLst>
           </p:cNvPr>
@@ -25119,17 +27008,47 @@
           <a:p>
             <a:r>
               <a:rPr lang="en-US" dirty="0"/>
-              <a:t>UAF – Solution Diagram 1</a:t>
+              <a:t>Malloc - Create User Code </a:t>
             </a:r>
           </a:p>
         </p:txBody>
       </p:sp>
+      <p:pic>
+        <p:nvPicPr>
+          <p:cNvPr id="5" name="Content Placeholder 4" descr="Create user source code">
+            <a:extLst>
+              <a:ext uri="{FF2B5EF4-FFF2-40B4-BE49-F238E27FC236}">
+                <a16:creationId xmlns:a16="http://schemas.microsoft.com/office/drawing/2014/main" id="{FAFF22FB-C350-2A46-A97E-6AE517CF59BF}"/>
+              </a:ext>
+            </a:extLst>
+          </p:cNvPr>
+          <p:cNvPicPr>
+            <a:picLocks noGrp="1" noChangeAspect="1"/>
+          </p:cNvPicPr>
+          <p:nvPr>
+            <p:ph sz="half" idx="1"/>
+          </p:nvPr>
+        </p:nvPicPr>
+        <p:blipFill>
+          <a:blip r:embed="rId2"/>
+          <a:stretch>
+            <a:fillRect/>
+          </a:stretch>
+        </p:blipFill>
+        <p:spPr>
+          <a:xfrm>
+            <a:off x="0" y="1369219"/>
+            <a:ext cx="5538516" cy="1924632"/>
+          </a:xfrm>
+          <a:noFill/>
+        </p:spPr>
+      </p:pic>
       <p:sp>
         <p:nvSpPr>
-          <p:cNvPr id="3" name="Content Placeholder 2">
+          <p:cNvPr id="12" name="Content Placeholder 3">
             <a:extLst>
               <a:ext uri="{FF2B5EF4-FFF2-40B4-BE49-F238E27FC236}">
-                <a16:creationId xmlns:a16="http://schemas.microsoft.com/office/drawing/2014/main" id="{7F271F73-3DDC-104B-BA9C-1D75C1191326}"/>
+                <a16:creationId xmlns:a16="http://schemas.microsoft.com/office/drawing/2014/main" id="{A5649606-BCC9-4BF9-9D55-8703B3BC1187}"/>
               </a:ext>
             </a:extLst>
           </p:cNvPr>
@@ -25137,34 +27056,44 @@
             <a:spLocks noGrp="1"/>
           </p:cNvSpPr>
           <p:nvPr>
-            <p:ph sz="half" idx="1"/>
+            <p:ph sz="half" idx="2"/>
           </p:nvPr>
         </p:nvSpPr>
         <p:spPr>
           <a:xfrm>
-            <a:off x="628650" y="1369219"/>
-            <a:ext cx="3886200" cy="3263504"/>
+            <a:off x="5680128" y="1369220"/>
+            <a:ext cx="3308889" cy="1823432"/>
           </a:xfrm>
         </p:spPr>
         <p:txBody>
-          <a:bodyPr>
-            <a:normAutofit/>
-          </a:bodyPr>
+          <a:bodyPr/>
           <a:lstStyle/>
           <a:p>
             <a:r>
               <a:rPr lang="en-US" dirty="0"/>
-              <a:t>Allocate a player</a:t>
+              <a:t>Create 0x20 sized chunk (malloc) </a:t>
+            </a:r>
+          </a:p>
+          <a:p>
+            <a:r>
+              <a:rPr lang="en-US" dirty="0"/>
+              <a:t>Write the name </a:t>
+            </a:r>
+          </a:p>
+          <a:p>
+            <a:r>
+              <a:rPr lang="en-US" dirty="0"/>
+              <a:t>Initialize the score</a:t>
             </a:r>
           </a:p>
         </p:txBody>
       </p:sp>
       <p:pic>
         <p:nvPicPr>
-          <p:cNvPr id="5" name="Picture 4" descr="Diagram&#10;&#10;Description automatically generated">
+          <p:cNvPr id="7" name="Picture 6" descr="Player struct">
             <a:extLst>
               <a:ext uri="{FF2B5EF4-FFF2-40B4-BE49-F238E27FC236}">
-                <a16:creationId xmlns:a16="http://schemas.microsoft.com/office/drawing/2014/main" id="{74FCBF0C-D21E-6A4B-BAFE-2A17B6B17FE6}"/>
+                <a16:creationId xmlns:a16="http://schemas.microsoft.com/office/drawing/2014/main" id="{670224E4-1B3C-5B43-B326-DE4309AB9472}"/>
               </a:ext>
             </a:extLst>
           </p:cNvPr>
@@ -25174,26 +27103,236 @@
           <p:nvPr/>
         </p:nvPicPr>
         <p:blipFill>
-          <a:blip r:embed="rId2"/>
+          <a:blip r:embed="rId3"/>
           <a:stretch>
             <a:fillRect/>
           </a:stretch>
         </p:blipFill>
         <p:spPr>
           <a:xfrm>
-            <a:off x="4629150" y="1438395"/>
-            <a:ext cx="3886200" cy="3125152"/>
+            <a:off x="0" y="3661000"/>
+            <a:ext cx="4279900" cy="1231900"/>
           </a:xfrm>
           <a:prstGeom prst="rect">
             <a:avLst/>
           </a:prstGeom>
-          <a:noFill/>
         </p:spPr>
       </p:pic>
+      <p:sp>
+        <p:nvSpPr>
+          <p:cNvPr id="11" name="Content Placeholder 3">
+            <a:extLst>
+              <a:ext uri="{FF2B5EF4-FFF2-40B4-BE49-F238E27FC236}">
+                <a16:creationId xmlns:a16="http://schemas.microsoft.com/office/drawing/2014/main" id="{33016CA7-E40D-614B-A49D-C242C4A4597C}"/>
+              </a:ext>
+            </a:extLst>
+          </p:cNvPr>
+          <p:cNvSpPr txBox="1">
+            <a:spLocks/>
+          </p:cNvSpPr>
+          <p:nvPr/>
+        </p:nvSpPr>
+        <p:spPr>
+          <a:xfrm>
+            <a:off x="4279900" y="3503078"/>
+            <a:ext cx="3308889" cy="1533871"/>
+          </a:xfrm>
+          <a:prstGeom prst="rect">
+            <a:avLst/>
+          </a:prstGeom>
+        </p:spPr>
+        <p:txBody>
+          <a:bodyPr vert="horz" lIns="91440" tIns="45720" rIns="91440" bIns="45720" rtlCol="0">
+            <a:normAutofit/>
+          </a:bodyPr>
+          <a:lstStyle>
+            <a:lvl1pPr marL="228600" indent="-228600" algn="l" defTabSz="914400" rtl="0" eaLnBrk="1" latinLnBrk="0" hangingPunct="1">
+              <a:lnSpc>
+                <a:spcPct val="90000"/>
+              </a:lnSpc>
+              <a:spcBef>
+                <a:spcPts val="1000"/>
+              </a:spcBef>
+              <a:buFont typeface="Arial" panose="020B0604020202020204" pitchFamily="34" charset="0"/>
+              <a:buChar char="•"/>
+              <a:defRPr sz="2400" kern="1200">
+                <a:solidFill>
+                  <a:schemeClr val="tx1"/>
+                </a:solidFill>
+                <a:latin typeface="Avenir Book"/>
+                <a:ea typeface="+mn-ea"/>
+                <a:cs typeface="Avenir Book"/>
+              </a:defRPr>
+            </a:lvl1pPr>
+            <a:lvl2pPr marL="685800" indent="-228600" algn="l" defTabSz="914400" rtl="0" eaLnBrk="1" latinLnBrk="0" hangingPunct="1">
+              <a:lnSpc>
+                <a:spcPct val="90000"/>
+              </a:lnSpc>
+              <a:spcBef>
+                <a:spcPts val="500"/>
+              </a:spcBef>
+              <a:buFont typeface="Arial" panose="020B0604020202020204" pitchFamily="34" charset="0"/>
+              <a:buChar char="•"/>
+              <a:defRPr sz="2400" kern="1200">
+                <a:solidFill>
+                  <a:schemeClr val="tx1"/>
+                </a:solidFill>
+                <a:latin typeface="Avenir Book"/>
+                <a:ea typeface="+mn-ea"/>
+                <a:cs typeface="Avenir Book"/>
+              </a:defRPr>
+            </a:lvl2pPr>
+            <a:lvl3pPr marL="1143000" indent="-228600" algn="l" defTabSz="914400" rtl="0" eaLnBrk="1" latinLnBrk="0" hangingPunct="1">
+              <a:lnSpc>
+                <a:spcPct val="90000"/>
+              </a:lnSpc>
+              <a:spcBef>
+                <a:spcPts val="500"/>
+              </a:spcBef>
+              <a:buFont typeface="Arial" panose="020B0604020202020204" pitchFamily="34" charset="0"/>
+              <a:buChar char="•"/>
+              <a:defRPr sz="2400" kern="1200">
+                <a:solidFill>
+                  <a:schemeClr val="tx1"/>
+                </a:solidFill>
+                <a:latin typeface="Avenir Book"/>
+                <a:ea typeface="+mn-ea"/>
+                <a:cs typeface="Avenir Book"/>
+              </a:defRPr>
+            </a:lvl3pPr>
+            <a:lvl4pPr marL="1600200" indent="-228600" algn="l" defTabSz="914400" rtl="0" eaLnBrk="1" latinLnBrk="0" hangingPunct="1">
+              <a:lnSpc>
+                <a:spcPct val="90000"/>
+              </a:lnSpc>
+              <a:spcBef>
+                <a:spcPts val="500"/>
+              </a:spcBef>
+              <a:buFont typeface="Arial" panose="020B0604020202020204" pitchFamily="34" charset="0"/>
+              <a:buChar char="•"/>
+              <a:defRPr sz="2400" kern="1200">
+                <a:solidFill>
+                  <a:schemeClr val="tx1"/>
+                </a:solidFill>
+                <a:latin typeface="Avenir Book"/>
+                <a:ea typeface="+mn-ea"/>
+                <a:cs typeface="Avenir Book"/>
+              </a:defRPr>
+            </a:lvl4pPr>
+            <a:lvl5pPr marL="2057400" indent="-228600" algn="l" defTabSz="914400" rtl="0" eaLnBrk="1" latinLnBrk="0" hangingPunct="1">
+              <a:lnSpc>
+                <a:spcPct val="90000"/>
+              </a:lnSpc>
+              <a:spcBef>
+                <a:spcPts val="500"/>
+              </a:spcBef>
+              <a:buFont typeface="Arial" panose="020B0604020202020204" pitchFamily="34" charset="0"/>
+              <a:buChar char="•"/>
+              <a:defRPr sz="2400" kern="1200">
+                <a:solidFill>
+                  <a:schemeClr val="tx1"/>
+                </a:solidFill>
+                <a:latin typeface="Avenir Book"/>
+                <a:ea typeface="+mn-ea"/>
+                <a:cs typeface="Avenir Book"/>
+              </a:defRPr>
+            </a:lvl5pPr>
+            <a:lvl6pPr marL="2514600" indent="-228600" algn="l" defTabSz="914400" rtl="0" eaLnBrk="1" latinLnBrk="0" hangingPunct="1">
+              <a:lnSpc>
+                <a:spcPct val="90000"/>
+              </a:lnSpc>
+              <a:spcBef>
+                <a:spcPts val="500"/>
+              </a:spcBef>
+              <a:buFont typeface="Arial" panose="020B0604020202020204" pitchFamily="34" charset="0"/>
+              <a:buChar char="•"/>
+              <a:defRPr sz="1800" kern="1200">
+                <a:solidFill>
+                  <a:schemeClr val="tx1"/>
+                </a:solidFill>
+                <a:latin typeface="+mn-lt"/>
+                <a:ea typeface="+mn-ea"/>
+                <a:cs typeface="+mn-cs"/>
+              </a:defRPr>
+            </a:lvl6pPr>
+            <a:lvl7pPr marL="2971800" indent="-228600" algn="l" defTabSz="914400" rtl="0" eaLnBrk="1" latinLnBrk="0" hangingPunct="1">
+              <a:lnSpc>
+                <a:spcPct val="90000"/>
+              </a:lnSpc>
+              <a:spcBef>
+                <a:spcPts val="500"/>
+              </a:spcBef>
+              <a:buFont typeface="Arial" panose="020B0604020202020204" pitchFamily="34" charset="0"/>
+              <a:buChar char="•"/>
+              <a:defRPr sz="1800" kern="1200">
+                <a:solidFill>
+                  <a:schemeClr val="tx1"/>
+                </a:solidFill>
+                <a:latin typeface="+mn-lt"/>
+                <a:ea typeface="+mn-ea"/>
+                <a:cs typeface="+mn-cs"/>
+              </a:defRPr>
+            </a:lvl7pPr>
+            <a:lvl8pPr marL="3429000" indent="-228600" algn="l" defTabSz="914400" rtl="0" eaLnBrk="1" latinLnBrk="0" hangingPunct="1">
+              <a:lnSpc>
+                <a:spcPct val="90000"/>
+              </a:lnSpc>
+              <a:spcBef>
+                <a:spcPts val="500"/>
+              </a:spcBef>
+              <a:buFont typeface="Arial" panose="020B0604020202020204" pitchFamily="34" charset="0"/>
+              <a:buChar char="•"/>
+              <a:defRPr sz="1800" kern="1200">
+                <a:solidFill>
+                  <a:schemeClr val="tx1"/>
+                </a:solidFill>
+                <a:latin typeface="+mn-lt"/>
+                <a:ea typeface="+mn-ea"/>
+                <a:cs typeface="+mn-cs"/>
+              </a:defRPr>
+            </a:lvl8pPr>
+            <a:lvl9pPr marL="3886200" indent="-228600" algn="l" defTabSz="914400" rtl="0" eaLnBrk="1" latinLnBrk="0" hangingPunct="1">
+              <a:lnSpc>
+                <a:spcPct val="90000"/>
+              </a:lnSpc>
+              <a:spcBef>
+                <a:spcPts val="500"/>
+              </a:spcBef>
+              <a:buFont typeface="Arial" panose="020B0604020202020204" pitchFamily="34" charset="0"/>
+              <a:buChar char="•"/>
+              <a:defRPr sz="1800" kern="1200">
+                <a:solidFill>
+                  <a:schemeClr val="tx1"/>
+                </a:solidFill>
+                <a:latin typeface="+mn-lt"/>
+                <a:ea typeface="+mn-ea"/>
+                <a:cs typeface="+mn-cs"/>
+              </a:defRPr>
+            </a:lvl9pPr>
+          </a:lstStyle>
+          <a:p>
+            <a:r>
+              <a:rPr lang="en-US" dirty="0"/>
+              <a:t>Name is 12 bytes</a:t>
+            </a:r>
+          </a:p>
+          <a:p>
+            <a:r>
+              <a:rPr lang="en-US" dirty="0"/>
+              <a:t>Score is 4 bytes</a:t>
+            </a:r>
+          </a:p>
+          <a:p>
+            <a:r>
+              <a:rPr lang="en-US" dirty="0"/>
+              <a:t>0x10 in total</a:t>
+            </a:r>
+          </a:p>
+        </p:txBody>
+      </p:sp>
     </p:spTree>
     <p:extLst>
       <p:ext uri="{BB962C8B-B14F-4D97-AF65-F5344CB8AC3E}">
-        <p14:creationId xmlns:p14="http://schemas.microsoft.com/office/powerpoint/2010/main" val="1653033134"/>
+        <p14:creationId xmlns:p14="http://schemas.microsoft.com/office/powerpoint/2010/main" val="1672445607"/>
       </p:ext>
     </p:extLst>
   </p:cSld>
@@ -25225,7 +27364,7 @@
           <p:cNvPr id="2" name="Title 1">
             <a:extLst>
               <a:ext uri="{FF2B5EF4-FFF2-40B4-BE49-F238E27FC236}">
-                <a16:creationId xmlns:a16="http://schemas.microsoft.com/office/drawing/2014/main" id="{08506B2A-1853-DC4C-8F91-DA7FFFFD7CD8}"/>
+                <a16:creationId xmlns:a16="http://schemas.microsoft.com/office/drawing/2014/main" id="{C0043344-1274-8343-96A8-8362EDE1A7C8}"/>
               </a:ext>
             </a:extLst>
           </p:cNvPr>
@@ -25250,17 +27389,17 @@
           <a:p>
             <a:r>
               <a:rPr lang="en-US" dirty="0"/>
-              <a:t>UAF – Solution Diagram 2</a:t>
+              <a:t>Free – Delete User Code</a:t>
             </a:r>
           </a:p>
         </p:txBody>
       </p:sp>
       <p:sp>
         <p:nvSpPr>
-          <p:cNvPr id="3" name="Content Placeholder 2">
+          <p:cNvPr id="12" name="Content Placeholder 3">
             <a:extLst>
               <a:ext uri="{FF2B5EF4-FFF2-40B4-BE49-F238E27FC236}">
-                <a16:creationId xmlns:a16="http://schemas.microsoft.com/office/drawing/2014/main" id="{7F271F73-3DDC-104B-BA9C-1D75C1191326}"/>
+                <a16:creationId xmlns:a16="http://schemas.microsoft.com/office/drawing/2014/main" id="{A5649606-BCC9-4BF9-9D55-8703B3BC1187}"/>
               </a:ext>
             </a:extLst>
           </p:cNvPr>
@@ -25268,74 +27407,44 @@
             <a:spLocks noGrp="1"/>
           </p:cNvSpPr>
           <p:nvPr>
-            <p:ph sz="half" idx="1"/>
+            <p:ph sz="half" idx="2"/>
           </p:nvPr>
         </p:nvSpPr>
         <p:spPr>
           <a:xfrm>
-            <a:off x="628650" y="1369219"/>
-            <a:ext cx="3886200" cy="3263504"/>
+            <a:off x="5680128" y="1369219"/>
+            <a:ext cx="3308889" cy="3071045"/>
           </a:xfrm>
         </p:spPr>
         <p:txBody>
-          <a:bodyPr>
-            <a:normAutofit/>
-          </a:bodyPr>
+          <a:bodyPr/>
           <a:lstStyle/>
           <a:p>
             <a:r>
               <a:rPr lang="en-US" dirty="0"/>
-              <a:t>Free (reset) a player</a:t>
-            </a:r>
-          </a:p>
-          <a:p>
-            <a:r>
-              <a:rPr lang="en-US" dirty="0"/>
-              <a:t>Puts a </a:t>
-            </a:r>
-            <a:r>
-              <a:rPr lang="en-US" i="1" dirty="0"/>
-              <a:t>chunk</a:t>
-            </a:r>
-            <a:r>
-              <a:rPr lang="en-US" dirty="0"/>
-              <a:t> into the </a:t>
-            </a:r>
-            <a:r>
-              <a:rPr lang="en-US" dirty="0" err="1"/>
-              <a:t>tcache</a:t>
-            </a:r>
+              <a:t>Free the current player</a:t>
+            </a:r>
+          </a:p>
+          <a:p>
             <a:endParaRPr lang="en-US" dirty="0"/>
-          </a:p>
-          <a:p>
-            <a:r>
-              <a:rPr lang="en-US" dirty="0"/>
-              <a:t>Creates a UAF on the </a:t>
-            </a:r>
-            <a:r>
-              <a:rPr lang="en-US" i="1" dirty="0"/>
-              <a:t>player </a:t>
-            </a:r>
-            <a:r>
-              <a:rPr lang="en-US" dirty="0"/>
-              <a:t>struct</a:t>
-            </a:r>
           </a:p>
         </p:txBody>
       </p:sp>
       <p:pic>
         <p:nvPicPr>
-          <p:cNvPr id="8" name="Picture 7" descr="Free the player struct">
+          <p:cNvPr id="7" name="Content Placeholder 6" descr="Free the player">
             <a:extLst>
               <a:ext uri="{FF2B5EF4-FFF2-40B4-BE49-F238E27FC236}">
-                <a16:creationId xmlns:a16="http://schemas.microsoft.com/office/drawing/2014/main" id="{545C6C7E-195D-2B41-A6B9-D3470285E14F}"/>
+                <a16:creationId xmlns:a16="http://schemas.microsoft.com/office/drawing/2014/main" id="{1E1BA128-BE0A-7841-9C7C-067404CB4197}"/>
               </a:ext>
             </a:extLst>
           </p:cNvPr>
           <p:cNvPicPr>
-            <a:picLocks noChangeAspect="1"/>
+            <a:picLocks noGrp="1" noChangeAspect="1"/>
           </p:cNvPicPr>
-          <p:nvPr/>
+          <p:nvPr>
+            <p:ph sz="half" idx="1"/>
+          </p:nvPr>
         </p:nvPicPr>
         <p:blipFill>
           <a:blip r:embed="rId2"/>
@@ -25345,18 +27454,15 @@
         </p:blipFill>
         <p:spPr>
           <a:xfrm>
-            <a:off x="4413314" y="1369218"/>
-            <a:ext cx="3886199" cy="3108959"/>
+            <a:off x="256691" y="3547292"/>
+            <a:ext cx="7808404" cy="994172"/>
           </a:xfrm>
-          <a:prstGeom prst="rect">
-            <a:avLst/>
-          </a:prstGeom>
         </p:spPr>
       </p:pic>
     </p:spTree>
     <p:extLst>
       <p:ext uri="{BB962C8B-B14F-4D97-AF65-F5344CB8AC3E}">
-        <p14:creationId xmlns:p14="http://schemas.microsoft.com/office/powerpoint/2010/main" val="3826566874"/>
+        <p14:creationId xmlns:p14="http://schemas.microsoft.com/office/powerpoint/2010/main" val="1736615238"/>
       </p:ext>
     </p:extLst>
   </p:cSld>
@@ -25388,7 +27494,7 @@
           <p:cNvPr id="2" name="Title 1">
             <a:extLst>
               <a:ext uri="{FF2B5EF4-FFF2-40B4-BE49-F238E27FC236}">
-                <a16:creationId xmlns:a16="http://schemas.microsoft.com/office/drawing/2014/main" id="{08506B2A-1853-DC4C-8F91-DA7FFFFD7CD8}"/>
+                <a16:creationId xmlns:a16="http://schemas.microsoft.com/office/drawing/2014/main" id="{C0043344-1274-8343-96A8-8362EDE1A7C8}"/>
               </a:ext>
             </a:extLst>
           </p:cNvPr>
@@ -25413,17 +27519,17 @@
           <a:p>
             <a:r>
               <a:rPr lang="en-US" dirty="0"/>
-              <a:t>UAF – Solution Diagram 3</a:t>
+              <a:t>Use – Play the Game Code </a:t>
             </a:r>
           </a:p>
         </p:txBody>
       </p:sp>
       <p:sp>
         <p:nvSpPr>
-          <p:cNvPr id="3" name="Content Placeholder 2">
+          <p:cNvPr id="12" name="Content Placeholder 3">
             <a:extLst>
               <a:ext uri="{FF2B5EF4-FFF2-40B4-BE49-F238E27FC236}">
-                <a16:creationId xmlns:a16="http://schemas.microsoft.com/office/drawing/2014/main" id="{7F271F73-3DDC-104B-BA9C-1D75C1191326}"/>
+                <a16:creationId xmlns:a16="http://schemas.microsoft.com/office/drawing/2014/main" id="{A5649606-BCC9-4BF9-9D55-8703B3BC1187}"/>
               </a:ext>
             </a:extLst>
           </p:cNvPr>
@@ -25431,13 +27537,13 @@
             <a:spLocks noGrp="1"/>
           </p:cNvSpPr>
           <p:nvPr>
-            <p:ph sz="half" idx="1"/>
+            <p:ph sz="half" idx="2"/>
           </p:nvPr>
         </p:nvSpPr>
         <p:spPr>
           <a:xfrm>
-            <a:off x="628650" y="1369219"/>
-            <a:ext cx="3886200" cy="3263504"/>
+            <a:off x="5680128" y="1369219"/>
+            <a:ext cx="3308889" cy="1699445"/>
           </a:xfrm>
         </p:spPr>
         <p:txBody>
@@ -25447,24 +27553,59 @@
           <a:lstStyle/>
           <a:p>
             <a:r>
-              <a:rPr lang="en-US" dirty="0"/>
-              <a:t>Play</a:t>
-            </a:r>
-          </a:p>
-          <a:p>
-            <a:r>
-              <a:rPr lang="en-US" dirty="0"/>
-              <a:t>Allocates a chunk of size 0x20</a:t>
+              <a:rPr lang="en-US" sz="2000" dirty="0"/>
+              <a:t>Create 0x20 sized chunk (malloc) </a:t>
+            </a:r>
+          </a:p>
+          <a:p>
+            <a:r>
+              <a:rPr lang="en-US" sz="2000" dirty="0"/>
+              <a:t>Play the game</a:t>
+            </a:r>
+          </a:p>
+          <a:p>
+            <a:r>
+              <a:rPr lang="en-US" sz="2000" dirty="0"/>
+              <a:t>Free the chunk</a:t>
             </a:r>
           </a:p>
         </p:txBody>
       </p:sp>
       <p:pic>
         <p:nvPicPr>
-          <p:cNvPr id="5" name="Picture 4" descr="Allocate the 'parray'">
+          <p:cNvPr id="11" name="Content Placeholder 10" descr="Play the game - heap allocations">
             <a:extLst>
               <a:ext uri="{FF2B5EF4-FFF2-40B4-BE49-F238E27FC236}">
-                <a16:creationId xmlns:a16="http://schemas.microsoft.com/office/drawing/2014/main" id="{5B680900-BB7C-D940-AE9C-CE6E80094A68}"/>
+                <a16:creationId xmlns:a16="http://schemas.microsoft.com/office/drawing/2014/main" id="{827245C7-C935-E34B-BC5E-175CD73A8B0F}"/>
+              </a:ext>
+            </a:extLst>
+          </p:cNvPr>
+          <p:cNvPicPr>
+            <a:picLocks noGrp="1" noChangeAspect="1"/>
+          </p:cNvPicPr>
+          <p:nvPr>
+            <p:ph sz="half" idx="1"/>
+          </p:nvPr>
+        </p:nvPicPr>
+        <p:blipFill>
+          <a:blip r:embed="rId2"/>
+          <a:stretch>
+            <a:fillRect/>
+          </a:stretch>
+        </p:blipFill>
+        <p:spPr>
+          <a:xfrm>
+            <a:off x="248943" y="1647220"/>
+            <a:ext cx="5039340" cy="924530"/>
+          </a:xfrm>
+        </p:spPr>
+      </p:pic>
+      <p:pic>
+        <p:nvPicPr>
+          <p:cNvPr id="14" name="Picture 13" descr="Add Score functionality">
+            <a:extLst>
+              <a:ext uri="{FF2B5EF4-FFF2-40B4-BE49-F238E27FC236}">
+                <a16:creationId xmlns:a16="http://schemas.microsoft.com/office/drawing/2014/main" id="{7F32C923-139B-8B44-BA1F-31E8393400E7}"/>
               </a:ext>
             </a:extLst>
           </p:cNvPr>
@@ -25474,25 +27615,249 @@
           <p:nvPr/>
         </p:nvPicPr>
         <p:blipFill>
-          <a:blip r:embed="rId2"/>
+          <a:blip r:embed="rId3"/>
           <a:stretch>
             <a:fillRect/>
           </a:stretch>
         </p:blipFill>
         <p:spPr>
           <a:xfrm>
-            <a:off x="4244613" y="1268018"/>
-            <a:ext cx="3579633" cy="3272807"/>
+            <a:off x="248943" y="2697187"/>
+            <a:ext cx="4107051" cy="2250095"/>
           </a:xfrm>
           <a:prstGeom prst="rect">
             <a:avLst/>
           </a:prstGeom>
         </p:spPr>
       </p:pic>
+      <p:sp>
+        <p:nvSpPr>
+          <p:cNvPr id="15" name="Content Placeholder 3">
+            <a:extLst>
+              <a:ext uri="{FF2B5EF4-FFF2-40B4-BE49-F238E27FC236}">
+                <a16:creationId xmlns:a16="http://schemas.microsoft.com/office/drawing/2014/main" id="{2348BE40-0F9E-5A4D-9096-3DA7E7EB4CD4}"/>
+              </a:ext>
+            </a:extLst>
+          </p:cNvPr>
+          <p:cNvSpPr txBox="1">
+            <a:spLocks/>
+          </p:cNvSpPr>
+          <p:nvPr/>
+        </p:nvSpPr>
+        <p:spPr>
+          <a:xfrm>
+            <a:off x="4355994" y="3169864"/>
+            <a:ext cx="3958847" cy="1699445"/>
+          </a:xfrm>
+          <a:prstGeom prst="rect">
+            <a:avLst/>
+          </a:prstGeom>
+        </p:spPr>
+        <p:txBody>
+          <a:bodyPr vert="horz" lIns="91440" tIns="45720" rIns="91440" bIns="45720" rtlCol="0">
+            <a:normAutofit/>
+          </a:bodyPr>
+          <a:lstStyle>
+            <a:lvl1pPr marL="228600" indent="-228600" algn="l" defTabSz="914400" rtl="0" eaLnBrk="1" latinLnBrk="0" hangingPunct="1">
+              <a:lnSpc>
+                <a:spcPct val="90000"/>
+              </a:lnSpc>
+              <a:spcBef>
+                <a:spcPts val="1000"/>
+              </a:spcBef>
+              <a:buFont typeface="Arial" panose="020B0604020202020204" pitchFamily="34" charset="0"/>
+              <a:buChar char="•"/>
+              <a:defRPr sz="2400" kern="1200">
+                <a:solidFill>
+                  <a:schemeClr val="tx1"/>
+                </a:solidFill>
+                <a:latin typeface="Avenir Book"/>
+                <a:ea typeface="+mn-ea"/>
+                <a:cs typeface="Avenir Book"/>
+              </a:defRPr>
+            </a:lvl1pPr>
+            <a:lvl2pPr marL="685800" indent="-228600" algn="l" defTabSz="914400" rtl="0" eaLnBrk="1" latinLnBrk="0" hangingPunct="1">
+              <a:lnSpc>
+                <a:spcPct val="90000"/>
+              </a:lnSpc>
+              <a:spcBef>
+                <a:spcPts val="500"/>
+              </a:spcBef>
+              <a:buFont typeface="Arial" panose="020B0604020202020204" pitchFamily="34" charset="0"/>
+              <a:buChar char="•"/>
+              <a:defRPr sz="2400" kern="1200">
+                <a:solidFill>
+                  <a:schemeClr val="tx1"/>
+                </a:solidFill>
+                <a:latin typeface="Avenir Book"/>
+                <a:ea typeface="+mn-ea"/>
+                <a:cs typeface="Avenir Book"/>
+              </a:defRPr>
+            </a:lvl2pPr>
+            <a:lvl3pPr marL="1143000" indent="-228600" algn="l" defTabSz="914400" rtl="0" eaLnBrk="1" latinLnBrk="0" hangingPunct="1">
+              <a:lnSpc>
+                <a:spcPct val="90000"/>
+              </a:lnSpc>
+              <a:spcBef>
+                <a:spcPts val="500"/>
+              </a:spcBef>
+              <a:buFont typeface="Arial" panose="020B0604020202020204" pitchFamily="34" charset="0"/>
+              <a:buChar char="•"/>
+              <a:defRPr sz="2400" kern="1200">
+                <a:solidFill>
+                  <a:schemeClr val="tx1"/>
+                </a:solidFill>
+                <a:latin typeface="Avenir Book"/>
+                <a:ea typeface="+mn-ea"/>
+                <a:cs typeface="Avenir Book"/>
+              </a:defRPr>
+            </a:lvl3pPr>
+            <a:lvl4pPr marL="1600200" indent="-228600" algn="l" defTabSz="914400" rtl="0" eaLnBrk="1" latinLnBrk="0" hangingPunct="1">
+              <a:lnSpc>
+                <a:spcPct val="90000"/>
+              </a:lnSpc>
+              <a:spcBef>
+                <a:spcPts val="500"/>
+              </a:spcBef>
+              <a:buFont typeface="Arial" panose="020B0604020202020204" pitchFamily="34" charset="0"/>
+              <a:buChar char="•"/>
+              <a:defRPr sz="2400" kern="1200">
+                <a:solidFill>
+                  <a:schemeClr val="tx1"/>
+                </a:solidFill>
+                <a:latin typeface="Avenir Book"/>
+                <a:ea typeface="+mn-ea"/>
+                <a:cs typeface="Avenir Book"/>
+              </a:defRPr>
+            </a:lvl4pPr>
+            <a:lvl5pPr marL="2057400" indent="-228600" algn="l" defTabSz="914400" rtl="0" eaLnBrk="1" latinLnBrk="0" hangingPunct="1">
+              <a:lnSpc>
+                <a:spcPct val="90000"/>
+              </a:lnSpc>
+              <a:spcBef>
+                <a:spcPts val="500"/>
+              </a:spcBef>
+              <a:buFont typeface="Arial" panose="020B0604020202020204" pitchFamily="34" charset="0"/>
+              <a:buChar char="•"/>
+              <a:defRPr sz="2400" kern="1200">
+                <a:solidFill>
+                  <a:schemeClr val="tx1"/>
+                </a:solidFill>
+                <a:latin typeface="Avenir Book"/>
+                <a:ea typeface="+mn-ea"/>
+                <a:cs typeface="Avenir Book"/>
+              </a:defRPr>
+            </a:lvl5pPr>
+            <a:lvl6pPr marL="2514600" indent="-228600" algn="l" defTabSz="914400" rtl="0" eaLnBrk="1" latinLnBrk="0" hangingPunct="1">
+              <a:lnSpc>
+                <a:spcPct val="90000"/>
+              </a:lnSpc>
+              <a:spcBef>
+                <a:spcPts val="500"/>
+              </a:spcBef>
+              <a:buFont typeface="Arial" panose="020B0604020202020204" pitchFamily="34" charset="0"/>
+              <a:buChar char="•"/>
+              <a:defRPr sz="1800" kern="1200">
+                <a:solidFill>
+                  <a:schemeClr val="tx1"/>
+                </a:solidFill>
+                <a:latin typeface="+mn-lt"/>
+                <a:ea typeface="+mn-ea"/>
+                <a:cs typeface="+mn-cs"/>
+              </a:defRPr>
+            </a:lvl6pPr>
+            <a:lvl7pPr marL="2971800" indent="-228600" algn="l" defTabSz="914400" rtl="0" eaLnBrk="1" latinLnBrk="0" hangingPunct="1">
+              <a:lnSpc>
+                <a:spcPct val="90000"/>
+              </a:lnSpc>
+              <a:spcBef>
+                <a:spcPts val="500"/>
+              </a:spcBef>
+              <a:buFont typeface="Arial" panose="020B0604020202020204" pitchFamily="34" charset="0"/>
+              <a:buChar char="•"/>
+              <a:defRPr sz="1800" kern="1200">
+                <a:solidFill>
+                  <a:schemeClr val="tx1"/>
+                </a:solidFill>
+                <a:latin typeface="+mn-lt"/>
+                <a:ea typeface="+mn-ea"/>
+                <a:cs typeface="+mn-cs"/>
+              </a:defRPr>
+            </a:lvl7pPr>
+            <a:lvl8pPr marL="3429000" indent="-228600" algn="l" defTabSz="914400" rtl="0" eaLnBrk="1" latinLnBrk="0" hangingPunct="1">
+              <a:lnSpc>
+                <a:spcPct val="90000"/>
+              </a:lnSpc>
+              <a:spcBef>
+                <a:spcPts val="500"/>
+              </a:spcBef>
+              <a:buFont typeface="Arial" panose="020B0604020202020204" pitchFamily="34" charset="0"/>
+              <a:buChar char="•"/>
+              <a:defRPr sz="1800" kern="1200">
+                <a:solidFill>
+                  <a:schemeClr val="tx1"/>
+                </a:solidFill>
+                <a:latin typeface="+mn-lt"/>
+                <a:ea typeface="+mn-ea"/>
+                <a:cs typeface="+mn-cs"/>
+              </a:defRPr>
+            </a:lvl8pPr>
+            <a:lvl9pPr marL="3886200" indent="-228600" algn="l" defTabSz="914400" rtl="0" eaLnBrk="1" latinLnBrk="0" hangingPunct="1">
+              <a:lnSpc>
+                <a:spcPct val="90000"/>
+              </a:lnSpc>
+              <a:spcBef>
+                <a:spcPts val="500"/>
+              </a:spcBef>
+              <a:buFont typeface="Arial" panose="020B0604020202020204" pitchFamily="34" charset="0"/>
+              <a:buChar char="•"/>
+              <a:defRPr sz="1800" kern="1200">
+                <a:solidFill>
+                  <a:schemeClr val="tx1"/>
+                </a:solidFill>
+                <a:latin typeface="+mn-lt"/>
+                <a:ea typeface="+mn-ea"/>
+                <a:cs typeface="+mn-cs"/>
+              </a:defRPr>
+            </a:lvl9pPr>
+          </a:lstStyle>
+          <a:p>
+            <a:r>
+              <a:rPr lang="en-US" sz="2000" dirty="0"/>
+              <a:t>Puts 100-103 into </a:t>
+            </a:r>
+            <a:r>
+              <a:rPr lang="en-US" sz="2000" dirty="0" err="1"/>
+              <a:t>p_array</a:t>
+            </a:r>
+            <a:r>
+              <a:rPr lang="en-US" sz="2000" dirty="0"/>
+              <a:t> slots</a:t>
+            </a:r>
+          </a:p>
+          <a:p>
+            <a:r>
+              <a:rPr lang="en-US" sz="2000" dirty="0"/>
+              <a:t>Generates random numbers for random score</a:t>
+            </a:r>
+          </a:p>
+          <a:p>
+            <a:r>
+              <a:rPr lang="en-US" sz="2000" dirty="0"/>
+              <a:t>Maximum score is </a:t>
+            </a:r>
+            <a:r>
+              <a:rPr lang="en-US" sz="2000" b="1" dirty="0"/>
+              <a:t>100</a:t>
+            </a:r>
+            <a:endParaRPr lang="en-US" sz="2000" dirty="0"/>
+          </a:p>
+        </p:txBody>
+      </p:sp>
     </p:spTree>
     <p:extLst>
       <p:ext uri="{BB962C8B-B14F-4D97-AF65-F5344CB8AC3E}">
-        <p14:creationId xmlns:p14="http://schemas.microsoft.com/office/powerpoint/2010/main" val="3216247816"/>
+        <p14:creationId xmlns:p14="http://schemas.microsoft.com/office/powerpoint/2010/main" val="345587750"/>
       </p:ext>
     </p:extLst>
   </p:cSld>
